--- a/lectures/lec13/lec13.pptx
+++ b/lectures/lec13/lec13.pptx
@@ -7,13 +7,17 @@
   <p:sldIdLst>
     <p:sldId id="263" r:id="rId2"/>
     <p:sldId id="261" r:id="rId3"/>
-    <p:sldId id="264" r:id="rId4"/>
-    <p:sldId id="265" r:id="rId5"/>
-    <p:sldId id="268" r:id="rId6"/>
-    <p:sldId id="266" r:id="rId7"/>
-    <p:sldId id="269" r:id="rId8"/>
-    <p:sldId id="270" r:id="rId9"/>
-    <p:sldId id="271" r:id="rId10"/>
+    <p:sldId id="273" r:id="rId4"/>
+    <p:sldId id="274" r:id="rId5"/>
+    <p:sldId id="272" r:id="rId6"/>
+    <p:sldId id="264" r:id="rId7"/>
+    <p:sldId id="265" r:id="rId8"/>
+    <p:sldId id="268" r:id="rId9"/>
+    <p:sldId id="266" r:id="rId10"/>
+    <p:sldId id="269" r:id="rId11"/>
+    <p:sldId id="270" r:id="rId12"/>
+    <p:sldId id="271" r:id="rId13"/>
+    <p:sldId id="276" r:id="rId14"/>
   </p:sldIdLst>
   <p:sldSz cx="9144000" cy="6858000" type="screen4x3"/>
   <p:notesSz cx="6858000" cy="9144000"/>
@@ -119,6 +123,9 @@
           <p14:sldIdLst>
             <p14:sldId id="263"/>
             <p14:sldId id="261"/>
+            <p14:sldId id="273"/>
+            <p14:sldId id="274"/>
+            <p14:sldId id="272"/>
             <p14:sldId id="264"/>
             <p14:sldId id="265"/>
             <p14:sldId id="268"/>
@@ -126,6 +133,7 @@
             <p14:sldId id="269"/>
             <p14:sldId id="270"/>
             <p14:sldId id="271"/>
+            <p14:sldId id="276"/>
           </p14:sldIdLst>
         </p14:section>
         <p14:section name="Untitled Section" id="{448F6AA1-7E66-BC44-9E32-295021B39B4B}">
@@ -332,7 +340,7 @@
           <a:p>
             <a:fld id="{5ECE4D60-05A1-A640-A7CD-C0D17F809990}" type="datetimeFigureOut">
               <a:rPr lang="en-US" smtClean="0"/>
-              <a:t>11/5/17</a:t>
+              <a:t>11/6/17</a:t>
             </a:fld>
             <a:endParaRPr lang="en-US"/>
           </a:p>
@@ -502,7 +510,7 @@
           <a:p>
             <a:fld id="{5ECE4D60-05A1-A640-A7CD-C0D17F809990}" type="datetimeFigureOut">
               <a:rPr lang="en-US" smtClean="0"/>
-              <a:t>11/5/17</a:t>
+              <a:t>11/6/17</a:t>
             </a:fld>
             <a:endParaRPr lang="en-US"/>
           </a:p>
@@ -682,7 +690,7 @@
           <a:p>
             <a:fld id="{5ECE4D60-05A1-A640-A7CD-C0D17F809990}" type="datetimeFigureOut">
               <a:rPr lang="en-US" smtClean="0"/>
-              <a:t>11/5/17</a:t>
+              <a:t>11/6/17</a:t>
             </a:fld>
             <a:endParaRPr lang="en-US"/>
           </a:p>
@@ -852,7 +860,7 @@
           <a:p>
             <a:fld id="{5ECE4D60-05A1-A640-A7CD-C0D17F809990}" type="datetimeFigureOut">
               <a:rPr lang="en-US" smtClean="0"/>
-              <a:t>11/5/17</a:t>
+              <a:t>11/6/17</a:t>
             </a:fld>
             <a:endParaRPr lang="en-US"/>
           </a:p>
@@ -1098,7 +1106,7 @@
           <a:p>
             <a:fld id="{5ECE4D60-05A1-A640-A7CD-C0D17F809990}" type="datetimeFigureOut">
               <a:rPr lang="en-US" smtClean="0"/>
-              <a:t>11/5/17</a:t>
+              <a:t>11/6/17</a:t>
             </a:fld>
             <a:endParaRPr lang="en-US"/>
           </a:p>
@@ -1386,7 +1394,7 @@
           <a:p>
             <a:fld id="{5ECE4D60-05A1-A640-A7CD-C0D17F809990}" type="datetimeFigureOut">
               <a:rPr lang="en-US" smtClean="0"/>
-              <a:t>11/5/17</a:t>
+              <a:t>11/6/17</a:t>
             </a:fld>
             <a:endParaRPr lang="en-US"/>
           </a:p>
@@ -1813,7 +1821,7 @@
           <a:p>
             <a:fld id="{5ECE4D60-05A1-A640-A7CD-C0D17F809990}" type="datetimeFigureOut">
               <a:rPr lang="en-US" smtClean="0"/>
-              <a:t>11/5/17</a:t>
+              <a:t>11/6/17</a:t>
             </a:fld>
             <a:endParaRPr lang="en-US"/>
           </a:p>
@@ -1931,7 +1939,7 @@
           <a:p>
             <a:fld id="{5ECE4D60-05A1-A640-A7CD-C0D17F809990}" type="datetimeFigureOut">
               <a:rPr lang="en-US" smtClean="0"/>
-              <a:t>11/5/17</a:t>
+              <a:t>11/6/17</a:t>
             </a:fld>
             <a:endParaRPr lang="en-US"/>
           </a:p>
@@ -2026,7 +2034,7 @@
           <a:p>
             <a:fld id="{5ECE4D60-05A1-A640-A7CD-C0D17F809990}" type="datetimeFigureOut">
               <a:rPr lang="en-US" smtClean="0"/>
-              <a:t>11/5/17</a:t>
+              <a:t>11/6/17</a:t>
             </a:fld>
             <a:endParaRPr lang="en-US"/>
           </a:p>
@@ -2303,7 +2311,7 @@
           <a:p>
             <a:fld id="{5ECE4D60-05A1-A640-A7CD-C0D17F809990}" type="datetimeFigureOut">
               <a:rPr lang="en-US" smtClean="0"/>
-              <a:t>11/5/17</a:t>
+              <a:t>11/6/17</a:t>
             </a:fld>
             <a:endParaRPr lang="en-US"/>
           </a:p>
@@ -2556,7 +2564,7 @@
           <a:p>
             <a:fld id="{5ECE4D60-05A1-A640-A7CD-C0D17F809990}" type="datetimeFigureOut">
               <a:rPr lang="en-US" smtClean="0"/>
-              <a:t>11/5/17</a:t>
+              <a:t>11/6/17</a:t>
             </a:fld>
             <a:endParaRPr lang="en-US"/>
           </a:p>
@@ -2769,7 +2777,7 @@
           <a:p>
             <a:fld id="{5ECE4D60-05A1-A640-A7CD-C0D17F809990}" type="datetimeFigureOut">
               <a:rPr lang="en-US" smtClean="0"/>
-              <a:t>11/5/17</a:t>
+              <a:t>11/6/17</a:t>
             </a:fld>
             <a:endParaRPr lang="en-US"/>
           </a:p>
@@ -3258,11 +3266,6 @@
               </a:rPr>
               <a:t>Random sampling, Monte Carlo methods</a:t>
             </a:r>
-            <a:endParaRPr lang="en-US" sz="2000" dirty="0" smtClean="0">
-              <a:solidFill>
-                <a:srgbClr val="118EB0"/>
-              </a:solidFill>
-            </a:endParaRPr>
           </a:p>
           <a:p>
             <a:pPr algn="r"/>
@@ -3347,7 +3350,7 @@
 </p:sld>
 </file>
 
-<file path=ppt/slides/slide2.xml><?xml version="1.0" encoding="utf-8"?>
+<file path=ppt/slides/slide10.xml><?xml version="1.0" encoding="utf-8"?>
 <p:sld xmlns:a="http://schemas.openxmlformats.org/drawingml/2006/main" xmlns:r="http://schemas.openxmlformats.org/officeDocument/2006/relationships" xmlns:p="http://schemas.openxmlformats.org/presentationml/2006/main">
   <p:cSld>
     <p:spTree>
@@ -3366,61 +3369,6 @@
       </p:grpSpPr>
       <p:sp>
         <p:nvSpPr>
-          <p:cNvPr id="3" name="Content Placeholder 2"/>
-          <p:cNvSpPr>
-            <a:spLocks noGrp="1"/>
-          </p:cNvSpPr>
-          <p:nvPr>
-            <p:ph idx="1"/>
-          </p:nvPr>
-        </p:nvSpPr>
-        <p:spPr>
-          <a:xfrm>
-            <a:off x="457200" y="1600201"/>
-            <a:ext cx="8675460" cy="4525963"/>
-          </a:xfrm>
-        </p:spPr>
-        <p:txBody>
-          <a:bodyPr/>
-          <a:lstStyle/>
-          <a:p>
-            <a:r>
-              <a:rPr lang="en-US" dirty="0" smtClean="0"/>
-              <a:t>Predict the</a:t>
-            </a:r>
-            <a:r>
-              <a:rPr lang="en-US" dirty="0" smtClean="0"/>
-              <a:t> number of people </a:t>
-            </a:r>
-            <a:r>
-              <a:rPr lang="en-US" dirty="0"/>
-              <a:t>taking Western/Chinese </a:t>
-            </a:r>
-            <a:r>
-              <a:rPr lang="en-US" dirty="0" smtClean="0"/>
-              <a:t>food in a month</a:t>
-            </a:r>
-            <a:endParaRPr lang="en-US" dirty="0"/>
-          </a:p>
-          <a:p>
-            <a:pPr lvl="1"/>
-            <a:r>
-              <a:rPr lang="en-US" dirty="0" smtClean="0"/>
-              <a:t>Write a python script to simulate it!</a:t>
-            </a:r>
-          </a:p>
-          <a:p>
-            <a:pPr lvl="1"/>
-            <a:r>
-              <a:rPr lang="en-US" dirty="0" smtClean="0"/>
-              <a:t>No complicated mathematics</a:t>
-            </a:r>
-            <a:endParaRPr lang="en-US" dirty="0" smtClean="0"/>
-          </a:p>
-        </p:txBody>
-      </p:sp>
-      <p:sp>
-        <p:nvSpPr>
           <p:cNvPr id="4" name="Rectangle 3"/>
           <p:cNvSpPr/>
           <p:nvPr/>
@@ -3465,15 +3413,7 @@
             </a:r>
             <a:r>
               <a:rPr lang="en-US" sz="4000" i="1" dirty="0" smtClean="0"/>
-              <a:t>Finding solution </a:t>
-            </a:r>
-            <a:r>
-              <a:rPr lang="en-US" sz="4000" i="1" dirty="0"/>
-              <a:t>by </a:t>
-            </a:r>
-            <a:r>
-              <a:rPr lang="en-US" sz="4000" i="1" dirty="0" smtClean="0"/>
-              <a:t>Simulation</a:t>
+              <a:t>Find out the value of PI</a:t>
             </a:r>
             <a:endParaRPr lang="en-US" sz="4000" i="1" dirty="0"/>
           </a:p>
@@ -3526,32 +3466,34 @@
       </p:sp>
       <p:sp>
         <p:nvSpPr>
-          <p:cNvPr id="6" name="Rectangle 5"/>
-          <p:cNvSpPr/>
+          <p:cNvPr id="7" name="TextBox 6"/>
+          <p:cNvSpPr txBox="1"/>
           <p:nvPr/>
         </p:nvSpPr>
         <p:spPr>
           <a:xfrm>
-            <a:off x="0" y="6451738"/>
-            <a:ext cx="1037664" cy="276999"/>
+            <a:off x="8869998" y="6453063"/>
+            <a:ext cx="262662" cy="276999"/>
           </a:xfrm>
           <a:prstGeom prst="rect">
             <a:avLst/>
           </a:prstGeom>
-        </p:spPr>
-        <p:txBody>
-          <a:bodyPr wrap="none">
+          <a:noFill/>
+        </p:spPr>
+        <p:txBody>
+          <a:bodyPr wrap="none" rtlCol="0">
             <a:spAutoFit/>
           </a:bodyPr>
           <a:lstStyle/>
           <a:p>
+            <a:pPr algn="r"/>
             <a:r>
               <a:rPr lang="en-US" sz="1200" dirty="0" smtClean="0">
                 <a:solidFill>
                   <a:srgbClr val="118EB0"/>
                 </a:solidFill>
               </a:rPr>
-              <a:t>Administrivia</a:t>
+              <a:t>1</a:t>
             </a:r>
             <a:endParaRPr lang="en-US" sz="1200" dirty="0">
               <a:solidFill>
@@ -3561,1356 +3503,8 @@
           </a:p>
         </p:txBody>
       </p:sp>
-      <p:sp>
-        <p:nvSpPr>
-          <p:cNvPr id="7" name="TextBox 6"/>
-          <p:cNvSpPr txBox="1"/>
-          <p:nvPr/>
-        </p:nvSpPr>
-        <p:spPr>
-          <a:xfrm>
-            <a:off x="8869998" y="6453063"/>
-            <a:ext cx="262662" cy="276999"/>
-          </a:xfrm>
-          <a:prstGeom prst="rect">
-            <a:avLst/>
-          </a:prstGeom>
-          <a:noFill/>
-        </p:spPr>
-        <p:txBody>
-          <a:bodyPr wrap="none" rtlCol="0">
-            <a:spAutoFit/>
-          </a:bodyPr>
-          <a:lstStyle/>
-          <a:p>
-            <a:pPr algn="r"/>
-            <a:r>
-              <a:rPr lang="en-US" sz="1200" dirty="0" smtClean="0">
-                <a:solidFill>
-                  <a:srgbClr val="118EB0"/>
-                </a:solidFill>
-              </a:rPr>
-              <a:t>1</a:t>
-            </a:r>
-            <a:endParaRPr lang="en-US" sz="1200" dirty="0">
-              <a:solidFill>
-                <a:srgbClr val="118EB0"/>
-              </a:solidFill>
-            </a:endParaRPr>
-          </a:p>
-        </p:txBody>
-      </p:sp>
-    </p:spTree>
-    <p:extLst>
-      <p:ext uri="{BB962C8B-B14F-4D97-AF65-F5344CB8AC3E}">
-        <p14:creationId xmlns:p14="http://schemas.microsoft.com/office/powerpoint/2010/main" val="2501662931"/>
-      </p:ext>
-    </p:extLst>
-  </p:cSld>
-  <p:clrMapOvr>
-    <a:masterClrMapping/>
-  </p:clrMapOvr>
-</p:sld>
-</file>
-
-<file path=ppt/slides/slide3.xml><?xml version="1.0" encoding="utf-8"?>
-<p:sld xmlns:a="http://schemas.openxmlformats.org/drawingml/2006/main" xmlns:r="http://schemas.openxmlformats.org/officeDocument/2006/relationships" xmlns:p="http://schemas.openxmlformats.org/presentationml/2006/main">
-  <p:cSld>
-    <p:spTree>
-      <p:nvGrpSpPr>
-        <p:cNvPr id="1" name=""/>
-        <p:cNvGrpSpPr/>
-        <p:nvPr/>
-      </p:nvGrpSpPr>
-      <p:grpSpPr>
-        <a:xfrm>
-          <a:off x="0" y="0"/>
-          <a:ext cx="0" cy="0"/>
-          <a:chOff x="0" y="0"/>
-          <a:chExt cx="0" cy="0"/>
-        </a:xfrm>
-      </p:grpSpPr>
-      <p:sp>
-        <p:nvSpPr>
-          <p:cNvPr id="4" name="Rectangle 3"/>
-          <p:cNvSpPr/>
-          <p:nvPr/>
-        </p:nvSpPr>
-        <p:spPr>
-          <a:xfrm>
-            <a:off x="0" y="-7550"/>
-            <a:ext cx="9144000" cy="1228835"/>
-          </a:xfrm>
-          <a:prstGeom prst="rect">
-            <a:avLst/>
-          </a:prstGeom>
-          <a:solidFill>
-            <a:srgbClr val="3DBFDB"/>
-          </a:solidFill>
-          <a:ln>
-            <a:noFill/>
-          </a:ln>
-          <a:effectLst/>
-        </p:spPr>
-        <p:style>
-          <a:lnRef idx="1">
-            <a:schemeClr val="accent1"/>
-          </a:lnRef>
-          <a:fillRef idx="3">
-            <a:schemeClr val="accent1"/>
-          </a:fillRef>
-          <a:effectRef idx="2">
-            <a:schemeClr val="accent1"/>
-          </a:effectRef>
-          <a:fontRef idx="minor">
-            <a:schemeClr val="lt1"/>
-          </a:fontRef>
-        </p:style>
-        <p:txBody>
-          <a:bodyPr rtlCol="0" anchor="ctr"/>
-          <a:lstStyle/>
-          <a:p>
-            <a:r>
-              <a:rPr lang="en-US" sz="4000" i="1" dirty="0" smtClean="0"/>
-              <a:t>	Finding solution by Simulation</a:t>
-            </a:r>
-            <a:endParaRPr lang="en-US" sz="4000" i="1" dirty="0"/>
-          </a:p>
-        </p:txBody>
-      </p:sp>
-      <p:sp>
-        <p:nvSpPr>
-          <p:cNvPr id="5" name="Rectangle 4"/>
-          <p:cNvSpPr/>
-          <p:nvPr/>
-        </p:nvSpPr>
-        <p:spPr>
-          <a:xfrm>
-            <a:off x="0" y="6737478"/>
-            <a:ext cx="9144000" cy="120522"/>
-          </a:xfrm>
-          <a:prstGeom prst="rect">
-            <a:avLst/>
-          </a:prstGeom>
-          <a:solidFill>
-            <a:srgbClr val="3DBFDB"/>
-          </a:solidFill>
-          <a:ln>
-            <a:noFill/>
-          </a:ln>
-          <a:effectLst/>
-        </p:spPr>
-        <p:style>
-          <a:lnRef idx="1">
-            <a:schemeClr val="accent1"/>
-          </a:lnRef>
-          <a:fillRef idx="3">
-            <a:schemeClr val="accent1"/>
-          </a:fillRef>
-          <a:effectRef idx="2">
-            <a:schemeClr val="accent1"/>
-          </a:effectRef>
-          <a:fontRef idx="minor">
-            <a:schemeClr val="lt1"/>
-          </a:fontRef>
-        </p:style>
-        <p:txBody>
-          <a:bodyPr rtlCol="0" anchor="ctr"/>
-          <a:lstStyle/>
-          <a:p>
-            <a:pPr algn="ctr"/>
-            <a:endParaRPr lang="en-US"/>
-          </a:p>
-        </p:txBody>
-      </p:sp>
-      <p:sp>
-        <p:nvSpPr>
-          <p:cNvPr id="7" name="TextBox 6"/>
-          <p:cNvSpPr txBox="1"/>
-          <p:nvPr/>
-        </p:nvSpPr>
-        <p:spPr>
-          <a:xfrm>
-            <a:off x="8869998" y="6453063"/>
-            <a:ext cx="262662" cy="276999"/>
-          </a:xfrm>
-          <a:prstGeom prst="rect">
-            <a:avLst/>
-          </a:prstGeom>
-          <a:noFill/>
-        </p:spPr>
-        <p:txBody>
-          <a:bodyPr wrap="none" rtlCol="0">
-            <a:spAutoFit/>
-          </a:bodyPr>
-          <a:lstStyle/>
-          <a:p>
-            <a:pPr algn="r"/>
-            <a:r>
-              <a:rPr lang="en-US" sz="1200" dirty="0" smtClean="0">
-                <a:solidFill>
-                  <a:srgbClr val="118EB0"/>
-                </a:solidFill>
-              </a:rPr>
-              <a:t>1</a:t>
-            </a:r>
-            <a:endParaRPr lang="en-US" sz="1200" dirty="0">
-              <a:solidFill>
-                <a:srgbClr val="118EB0"/>
-              </a:solidFill>
-            </a:endParaRPr>
-          </a:p>
-        </p:txBody>
-      </p:sp>
-      <p:sp>
-        <p:nvSpPr>
-          <p:cNvPr id="8" name="Rectangle 7"/>
-          <p:cNvSpPr/>
-          <p:nvPr/>
-        </p:nvSpPr>
-        <p:spPr>
-          <a:xfrm>
-            <a:off x="0" y="1440225"/>
-            <a:ext cx="9824483" cy="4524315"/>
-          </a:xfrm>
-          <a:prstGeom prst="rect">
-            <a:avLst/>
-          </a:prstGeom>
-        </p:spPr>
-        <p:txBody>
-          <a:bodyPr wrap="square">
-            <a:spAutoFit/>
-          </a:bodyPr>
-          <a:lstStyle/>
-          <a:p>
-            <a:r>
-              <a:rPr lang="en-US" dirty="0">
-                <a:latin typeface="Courier New" charset="0"/>
-                <a:ea typeface="Courier New" charset="0"/>
-                <a:cs typeface="Courier New" charset="0"/>
-              </a:rPr>
-              <a:t>import numpy as np</a:t>
-            </a:r>
-          </a:p>
-          <a:p>
-            <a:r>
-              <a:rPr lang="mr-IN" dirty="0" err="1">
-                <a:latin typeface="Courier New" charset="0"/>
-                <a:ea typeface="Courier New" charset="0"/>
-                <a:cs typeface="Courier New" charset="0"/>
-              </a:rPr>
-              <a:t>W</a:t>
-            </a:r>
-            <a:r>
-              <a:rPr lang="mr-IN" dirty="0">
-                <a:latin typeface="Courier New" charset="0"/>
-                <a:ea typeface="Courier New" charset="0"/>
-                <a:cs typeface="Courier New" charset="0"/>
-              </a:rPr>
-              <a:t> = 250</a:t>
-            </a:r>
-          </a:p>
-          <a:p>
-            <a:r>
-              <a:rPr lang="mr-IN" dirty="0">
-                <a:latin typeface="Courier New" charset="0"/>
-                <a:ea typeface="Courier New" charset="0"/>
-                <a:cs typeface="Courier New" charset="0"/>
-              </a:rPr>
-              <a:t>C = 250</a:t>
-            </a:r>
-          </a:p>
-          <a:p>
-            <a:endParaRPr lang="en-US" dirty="0">
-              <a:latin typeface="Courier New" charset="0"/>
-              <a:ea typeface="Courier New" charset="0"/>
-              <a:cs typeface="Courier New" charset="0"/>
-            </a:endParaRPr>
-          </a:p>
-          <a:p>
-            <a:r>
-              <a:rPr lang="en-US" dirty="0">
-                <a:latin typeface="Courier New" charset="0"/>
-                <a:ea typeface="Courier New" charset="0"/>
-                <a:cs typeface="Courier New" charset="0"/>
-              </a:rPr>
-              <a:t>for day in range(1,31):</a:t>
-            </a:r>
-          </a:p>
-          <a:p>
-            <a:r>
-              <a:rPr lang="en-US" dirty="0">
-                <a:latin typeface="Courier New" charset="0"/>
-                <a:ea typeface="Courier New" charset="0"/>
-                <a:cs typeface="Courier New" charset="0"/>
-              </a:rPr>
-              <a:t>    </a:t>
-            </a:r>
-            <a:r>
-              <a:rPr lang="en-US" dirty="0" err="1">
-                <a:latin typeface="Courier New" charset="0"/>
-                <a:ea typeface="Courier New" charset="0"/>
-                <a:cs typeface="Courier New" charset="0"/>
-              </a:rPr>
-              <a:t>nextW</a:t>
-            </a:r>
-            <a:r>
-              <a:rPr lang="en-US" dirty="0">
-                <a:latin typeface="Courier New" charset="0"/>
-                <a:ea typeface="Courier New" charset="0"/>
-                <a:cs typeface="Courier New" charset="0"/>
-              </a:rPr>
-              <a:t>, </a:t>
-            </a:r>
-            <a:r>
-              <a:rPr lang="en-US" dirty="0" err="1">
-                <a:latin typeface="Courier New" charset="0"/>
-                <a:ea typeface="Courier New" charset="0"/>
-                <a:cs typeface="Courier New" charset="0"/>
-              </a:rPr>
-              <a:t>nextC</a:t>
-            </a:r>
-            <a:r>
-              <a:rPr lang="en-US" dirty="0">
-                <a:latin typeface="Courier New" charset="0"/>
-                <a:ea typeface="Courier New" charset="0"/>
-                <a:cs typeface="Courier New" charset="0"/>
-              </a:rPr>
-              <a:t> = W, C</a:t>
-            </a:r>
-          </a:p>
-          <a:p>
-            <a:r>
-              <a:rPr lang="en-US" dirty="0">
-                <a:latin typeface="Courier New" charset="0"/>
-                <a:ea typeface="Courier New" charset="0"/>
-                <a:cs typeface="Courier New" charset="0"/>
-              </a:rPr>
-              <a:t>    for </a:t>
-            </a:r>
-            <a:r>
-              <a:rPr lang="en-US" dirty="0" err="1">
-                <a:latin typeface="Courier New" charset="0"/>
-                <a:ea typeface="Courier New" charset="0"/>
-                <a:cs typeface="Courier New" charset="0"/>
-              </a:rPr>
-              <a:t>i</a:t>
-            </a:r>
-            <a:r>
-              <a:rPr lang="en-US" dirty="0">
-                <a:latin typeface="Courier New" charset="0"/>
-                <a:ea typeface="Courier New" charset="0"/>
-                <a:cs typeface="Courier New" charset="0"/>
-              </a:rPr>
-              <a:t> in range(W):</a:t>
-            </a:r>
-          </a:p>
-          <a:p>
-            <a:r>
-              <a:rPr lang="mr-IN" dirty="0">
-                <a:latin typeface="Courier New" charset="0"/>
-                <a:ea typeface="Courier New" charset="0"/>
-                <a:cs typeface="Courier New" charset="0"/>
-              </a:rPr>
-              <a:t>        </a:t>
-            </a:r>
-            <a:r>
-              <a:rPr lang="mr-IN" dirty="0" err="1">
-                <a:latin typeface="Courier New" charset="0"/>
-                <a:ea typeface="Courier New" charset="0"/>
-                <a:cs typeface="Courier New" charset="0"/>
-              </a:rPr>
-              <a:t>if</a:t>
-            </a:r>
-            <a:r>
-              <a:rPr lang="mr-IN" dirty="0">
-                <a:latin typeface="Courier New" charset="0"/>
-                <a:ea typeface="Courier New" charset="0"/>
-                <a:cs typeface="Courier New" charset="0"/>
-              </a:rPr>
-              <a:t> </a:t>
-            </a:r>
-            <a:r>
-              <a:rPr lang="mr-IN" dirty="0" err="1">
-                <a:latin typeface="Courier New" charset="0"/>
-                <a:ea typeface="Courier New" charset="0"/>
-                <a:cs typeface="Courier New" charset="0"/>
-              </a:rPr>
-              <a:t>np.random.randint</a:t>
-            </a:r>
-            <a:r>
-              <a:rPr lang="mr-IN" dirty="0">
-                <a:latin typeface="Courier New" charset="0"/>
-                <a:ea typeface="Courier New" charset="0"/>
-                <a:cs typeface="Courier New" charset="0"/>
-              </a:rPr>
-              <a:t>(10) &lt; 3:</a:t>
-            </a:r>
-          </a:p>
-          <a:p>
-            <a:r>
-              <a:rPr lang="mr-IN" dirty="0">
-                <a:latin typeface="Courier New" charset="0"/>
-                <a:ea typeface="Courier New" charset="0"/>
-                <a:cs typeface="Courier New" charset="0"/>
-              </a:rPr>
-              <a:t>            </a:t>
-            </a:r>
-            <a:r>
-              <a:rPr lang="mr-IN" dirty="0" err="1">
-                <a:latin typeface="Courier New" charset="0"/>
-                <a:ea typeface="Courier New" charset="0"/>
-                <a:cs typeface="Courier New" charset="0"/>
-              </a:rPr>
-              <a:t>nextW</a:t>
-            </a:r>
-            <a:r>
-              <a:rPr lang="mr-IN" dirty="0">
-                <a:latin typeface="Courier New" charset="0"/>
-                <a:ea typeface="Courier New" charset="0"/>
-                <a:cs typeface="Courier New" charset="0"/>
-              </a:rPr>
-              <a:t> -= 1</a:t>
-            </a:r>
-          </a:p>
-          <a:p>
-            <a:r>
-              <a:rPr lang="mr-IN" dirty="0">
-                <a:latin typeface="Courier New" charset="0"/>
-                <a:ea typeface="Courier New" charset="0"/>
-                <a:cs typeface="Courier New" charset="0"/>
-              </a:rPr>
-              <a:t>            </a:t>
-            </a:r>
-            <a:r>
-              <a:rPr lang="mr-IN" dirty="0" err="1">
-                <a:latin typeface="Courier New" charset="0"/>
-                <a:ea typeface="Courier New" charset="0"/>
-                <a:cs typeface="Courier New" charset="0"/>
-              </a:rPr>
-              <a:t>nextC</a:t>
-            </a:r>
-            <a:r>
-              <a:rPr lang="mr-IN" dirty="0">
-                <a:latin typeface="Courier New" charset="0"/>
-                <a:ea typeface="Courier New" charset="0"/>
-                <a:cs typeface="Courier New" charset="0"/>
-              </a:rPr>
-              <a:t> += 1</a:t>
-            </a:r>
-          </a:p>
-          <a:p>
-            <a:r>
-              <a:rPr lang="en-US" dirty="0">
-                <a:latin typeface="Courier New" charset="0"/>
-                <a:ea typeface="Courier New" charset="0"/>
-                <a:cs typeface="Courier New" charset="0"/>
-              </a:rPr>
-              <a:t>    for </a:t>
-            </a:r>
-            <a:r>
-              <a:rPr lang="en-US" dirty="0" err="1">
-                <a:latin typeface="Courier New" charset="0"/>
-                <a:ea typeface="Courier New" charset="0"/>
-                <a:cs typeface="Courier New" charset="0"/>
-              </a:rPr>
-              <a:t>i</a:t>
-            </a:r>
-            <a:r>
-              <a:rPr lang="en-US" dirty="0">
-                <a:latin typeface="Courier New" charset="0"/>
-                <a:ea typeface="Courier New" charset="0"/>
-                <a:cs typeface="Courier New" charset="0"/>
-              </a:rPr>
-              <a:t> in range(C):</a:t>
-            </a:r>
-          </a:p>
-          <a:p>
-            <a:r>
-              <a:rPr lang="mr-IN" dirty="0">
-                <a:latin typeface="Courier New" charset="0"/>
-                <a:ea typeface="Courier New" charset="0"/>
-                <a:cs typeface="Courier New" charset="0"/>
-              </a:rPr>
-              <a:t>        </a:t>
-            </a:r>
-            <a:r>
-              <a:rPr lang="mr-IN" dirty="0" err="1">
-                <a:latin typeface="Courier New" charset="0"/>
-                <a:ea typeface="Courier New" charset="0"/>
-                <a:cs typeface="Courier New" charset="0"/>
-              </a:rPr>
-              <a:t>if</a:t>
-            </a:r>
-            <a:r>
-              <a:rPr lang="mr-IN" dirty="0">
-                <a:latin typeface="Courier New" charset="0"/>
-                <a:ea typeface="Courier New" charset="0"/>
-                <a:cs typeface="Courier New" charset="0"/>
-              </a:rPr>
-              <a:t> </a:t>
-            </a:r>
-            <a:r>
-              <a:rPr lang="mr-IN" dirty="0" err="1">
-                <a:latin typeface="Courier New" charset="0"/>
-                <a:ea typeface="Courier New" charset="0"/>
-                <a:cs typeface="Courier New" charset="0"/>
-              </a:rPr>
-              <a:t>np.random.randint</a:t>
-            </a:r>
-            <a:r>
-              <a:rPr lang="mr-IN" dirty="0">
-                <a:latin typeface="Courier New" charset="0"/>
-                <a:ea typeface="Courier New" charset="0"/>
-                <a:cs typeface="Courier New" charset="0"/>
-              </a:rPr>
-              <a:t>(10) &lt; 2:</a:t>
-            </a:r>
-          </a:p>
-          <a:p>
-            <a:r>
-              <a:rPr lang="mr-IN" dirty="0">
-                <a:latin typeface="Courier New" charset="0"/>
-                <a:ea typeface="Courier New" charset="0"/>
-                <a:cs typeface="Courier New" charset="0"/>
-              </a:rPr>
-              <a:t>            </a:t>
-            </a:r>
-            <a:r>
-              <a:rPr lang="mr-IN" dirty="0" err="1">
-                <a:latin typeface="Courier New" charset="0"/>
-                <a:ea typeface="Courier New" charset="0"/>
-                <a:cs typeface="Courier New" charset="0"/>
-              </a:rPr>
-              <a:t>nextC</a:t>
-            </a:r>
-            <a:r>
-              <a:rPr lang="mr-IN" dirty="0">
-                <a:latin typeface="Courier New" charset="0"/>
-                <a:ea typeface="Courier New" charset="0"/>
-                <a:cs typeface="Courier New" charset="0"/>
-              </a:rPr>
-              <a:t> -= 1</a:t>
-            </a:r>
-          </a:p>
-          <a:p>
-            <a:r>
-              <a:rPr lang="mr-IN" dirty="0">
-                <a:latin typeface="Courier New" charset="0"/>
-                <a:ea typeface="Courier New" charset="0"/>
-                <a:cs typeface="Courier New" charset="0"/>
-              </a:rPr>
-              <a:t>            </a:t>
-            </a:r>
-            <a:r>
-              <a:rPr lang="mr-IN" dirty="0" err="1">
-                <a:latin typeface="Courier New" charset="0"/>
-                <a:ea typeface="Courier New" charset="0"/>
-                <a:cs typeface="Courier New" charset="0"/>
-              </a:rPr>
-              <a:t>nextW</a:t>
-            </a:r>
-            <a:r>
-              <a:rPr lang="mr-IN" dirty="0">
-                <a:latin typeface="Courier New" charset="0"/>
-                <a:ea typeface="Courier New" charset="0"/>
-                <a:cs typeface="Courier New" charset="0"/>
-              </a:rPr>
-              <a:t> += 1</a:t>
-            </a:r>
-          </a:p>
-          <a:p>
-            <a:r>
-              <a:rPr lang="en-US" dirty="0">
-                <a:latin typeface="Courier New" charset="0"/>
-                <a:ea typeface="Courier New" charset="0"/>
-                <a:cs typeface="Courier New" charset="0"/>
-              </a:rPr>
-              <a:t>    W, C = </a:t>
-            </a:r>
-            <a:r>
-              <a:rPr lang="en-US" dirty="0" err="1">
-                <a:latin typeface="Courier New" charset="0"/>
-                <a:ea typeface="Courier New" charset="0"/>
-                <a:cs typeface="Courier New" charset="0"/>
-              </a:rPr>
-              <a:t>nextW</a:t>
-            </a:r>
-            <a:r>
-              <a:rPr lang="en-US" dirty="0">
-                <a:latin typeface="Courier New" charset="0"/>
-                <a:ea typeface="Courier New" charset="0"/>
-                <a:cs typeface="Courier New" charset="0"/>
-              </a:rPr>
-              <a:t>, </a:t>
-            </a:r>
-            <a:r>
-              <a:rPr lang="en-US" dirty="0" err="1">
-                <a:latin typeface="Courier New" charset="0"/>
-                <a:ea typeface="Courier New" charset="0"/>
-                <a:cs typeface="Courier New" charset="0"/>
-              </a:rPr>
-              <a:t>nextC</a:t>
-            </a:r>
-            <a:endParaRPr lang="en-US" dirty="0">
-              <a:latin typeface="Courier New" charset="0"/>
-              <a:ea typeface="Courier New" charset="0"/>
-              <a:cs typeface="Courier New" charset="0"/>
-            </a:endParaRPr>
-          </a:p>
-          <a:p>
-            <a:r>
-              <a:rPr lang="en-US" dirty="0">
-                <a:latin typeface="Courier New" charset="0"/>
-                <a:ea typeface="Courier New" charset="0"/>
-                <a:cs typeface="Courier New" charset="0"/>
-              </a:rPr>
-              <a:t>    </a:t>
-            </a:r>
-            <a:r>
-              <a:rPr lang="en-US" sz="1600" dirty="0">
-                <a:latin typeface="Courier New" charset="0"/>
-                <a:ea typeface="Courier New" charset="0"/>
-                <a:cs typeface="Courier New" charset="0"/>
-              </a:rPr>
-              <a:t>print('Day %</a:t>
-            </a:r>
-            <a:r>
-              <a:rPr lang="en-US" sz="1600" dirty="0" err="1">
-                <a:latin typeface="Courier New" charset="0"/>
-                <a:ea typeface="Courier New" charset="0"/>
-                <a:cs typeface="Courier New" charset="0"/>
-              </a:rPr>
-              <a:t>i</a:t>
-            </a:r>
-            <a:r>
-              <a:rPr lang="en-US" sz="1600" dirty="0">
-                <a:latin typeface="Courier New" charset="0"/>
-                <a:ea typeface="Courier New" charset="0"/>
-                <a:cs typeface="Courier New" charset="0"/>
-              </a:rPr>
-              <a:t>: %</a:t>
-            </a:r>
-            <a:r>
-              <a:rPr lang="en-US" sz="1600" dirty="0" err="1">
-                <a:latin typeface="Courier New" charset="0"/>
-                <a:ea typeface="Courier New" charset="0"/>
-                <a:cs typeface="Courier New" charset="0"/>
-              </a:rPr>
-              <a:t>i</a:t>
-            </a:r>
-            <a:r>
-              <a:rPr lang="en-US" sz="1600" dirty="0">
-                <a:latin typeface="Courier New" charset="0"/>
-                <a:ea typeface="Courier New" charset="0"/>
-                <a:cs typeface="Courier New" charset="0"/>
-              </a:rPr>
-              <a:t> for Western food, %</a:t>
-            </a:r>
-            <a:r>
-              <a:rPr lang="en-US" sz="1600" dirty="0" err="1">
-                <a:latin typeface="Courier New" charset="0"/>
-                <a:ea typeface="Courier New" charset="0"/>
-                <a:cs typeface="Courier New" charset="0"/>
-              </a:rPr>
-              <a:t>i</a:t>
-            </a:r>
-            <a:r>
-              <a:rPr lang="en-US" sz="1600" dirty="0">
-                <a:latin typeface="Courier New" charset="0"/>
-                <a:ea typeface="Courier New" charset="0"/>
-                <a:cs typeface="Courier New" charset="0"/>
-              </a:rPr>
-              <a:t> for </a:t>
-            </a:r>
-            <a:r>
-              <a:rPr lang="en-US" sz="1600" dirty="0" smtClean="0">
-                <a:latin typeface="Courier New" charset="0"/>
-                <a:ea typeface="Courier New" charset="0"/>
-                <a:cs typeface="Courier New" charset="0"/>
-              </a:rPr>
-              <a:t>Chinese foot</a:t>
-            </a:r>
-            <a:r>
-              <a:rPr lang="en-US" sz="1600" dirty="0">
-                <a:latin typeface="Courier New" charset="0"/>
-                <a:ea typeface="Courier New" charset="0"/>
-                <a:cs typeface="Courier New" charset="0"/>
-              </a:rPr>
-              <a:t>'%(day, W,C))</a:t>
-            </a:r>
-            <a:endParaRPr lang="en-US" dirty="0">
-              <a:latin typeface="Courier New" charset="0"/>
-              <a:ea typeface="Courier New" charset="0"/>
-              <a:cs typeface="Courier New" charset="0"/>
-            </a:endParaRPr>
-          </a:p>
-        </p:txBody>
-      </p:sp>
-    </p:spTree>
-    <p:extLst>
-      <p:ext uri="{BB962C8B-B14F-4D97-AF65-F5344CB8AC3E}">
-        <p14:creationId xmlns:p14="http://schemas.microsoft.com/office/powerpoint/2010/main" val="1220524041"/>
-      </p:ext>
-    </p:extLst>
-  </p:cSld>
-  <p:clrMapOvr>
-    <a:masterClrMapping/>
-  </p:clrMapOvr>
-</p:sld>
-</file>
-
-<file path=ppt/slides/slide4.xml><?xml version="1.0" encoding="utf-8"?>
-<p:sld xmlns:a="http://schemas.openxmlformats.org/drawingml/2006/main" xmlns:r="http://schemas.openxmlformats.org/officeDocument/2006/relationships" xmlns:p="http://schemas.openxmlformats.org/presentationml/2006/main">
-  <p:cSld>
-    <p:spTree>
-      <p:nvGrpSpPr>
-        <p:cNvPr id="1" name=""/>
-        <p:cNvGrpSpPr/>
-        <p:nvPr/>
-      </p:nvGrpSpPr>
-      <p:grpSpPr>
-        <a:xfrm>
-          <a:off x="0" y="0"/>
-          <a:ext cx="0" cy="0"/>
-          <a:chOff x="0" y="0"/>
-          <a:chExt cx="0" cy="0"/>
-        </a:xfrm>
-      </p:grpSpPr>
-      <p:sp>
-        <p:nvSpPr>
-          <p:cNvPr id="3" name="Content Placeholder 2"/>
-          <p:cNvSpPr>
-            <a:spLocks noGrp="1"/>
-          </p:cNvSpPr>
-          <p:nvPr>
-            <p:ph idx="1"/>
-          </p:nvPr>
-        </p:nvSpPr>
-        <p:spPr>
-          <a:xfrm>
-            <a:off x="457200" y="1600201"/>
-            <a:ext cx="8495414" cy="4525963"/>
-          </a:xfrm>
-        </p:spPr>
-        <p:txBody>
-          <a:bodyPr/>
-          <a:lstStyle/>
-          <a:p>
-            <a:r>
-              <a:rPr lang="en-US" dirty="0"/>
-              <a:t>big puzzle of mathematics in history</a:t>
-            </a:r>
-            <a:endParaRPr lang="en-US" dirty="0" smtClean="0"/>
-          </a:p>
-          <a:p>
-            <a:r>
-              <a:rPr lang="en-US" dirty="0" smtClean="0"/>
-              <a:t>~1500 years ago, </a:t>
-            </a:r>
-            <a:r>
-              <a:rPr lang="en-US" altLang="zh-CN" dirty="0" err="1" smtClean="0"/>
-              <a:t>Zu</a:t>
-            </a:r>
-            <a:r>
-              <a:rPr lang="en-US" altLang="zh-CN" dirty="0" smtClean="0"/>
-              <a:t> Chong-</a:t>
-            </a:r>
-            <a:r>
-              <a:rPr lang="en-US" altLang="zh-CN" dirty="0" err="1" smtClean="0"/>
-              <a:t>Zhi</a:t>
-            </a:r>
-            <a:r>
-              <a:rPr lang="en-US" altLang="zh-CN" dirty="0" smtClean="0"/>
-              <a:t> (</a:t>
-            </a:r>
-            <a:r>
-              <a:rPr lang="zh-CN" altLang="en-US" dirty="0" smtClean="0"/>
-              <a:t>祖冲之</a:t>
-            </a:r>
-            <a:r>
-              <a:rPr lang="en-US" altLang="zh-CN" dirty="0" smtClean="0"/>
-              <a:t>)</a:t>
-            </a:r>
-          </a:p>
-          <a:p>
-            <a:pPr lvl="1"/>
-            <a:r>
-              <a:rPr lang="en-US" altLang="zh-CN" dirty="0" smtClean="0"/>
-              <a:t>3.1415926 - 3.1415927</a:t>
-            </a:r>
-            <a:endParaRPr lang="en-US" altLang="zh-CN" dirty="0"/>
-          </a:p>
-          <a:p>
-            <a:endParaRPr lang="en-US" altLang="zh-CN" dirty="0" smtClean="0"/>
-          </a:p>
-        </p:txBody>
-      </p:sp>
-      <p:sp>
-        <p:nvSpPr>
-          <p:cNvPr id="4" name="Rectangle 3"/>
-          <p:cNvSpPr/>
-          <p:nvPr/>
-        </p:nvSpPr>
-        <p:spPr>
-          <a:xfrm>
-            <a:off x="0" y="-7550"/>
-            <a:ext cx="9144000" cy="1228835"/>
-          </a:xfrm>
-          <a:prstGeom prst="rect">
-            <a:avLst/>
-          </a:prstGeom>
-          <a:solidFill>
-            <a:srgbClr val="3DBFDB"/>
-          </a:solidFill>
-          <a:ln>
-            <a:noFill/>
-          </a:ln>
-          <a:effectLst/>
-        </p:spPr>
-        <p:style>
-          <a:lnRef idx="1">
-            <a:schemeClr val="accent1"/>
-          </a:lnRef>
-          <a:fillRef idx="3">
-            <a:schemeClr val="accent1"/>
-          </a:fillRef>
-          <a:effectRef idx="2">
-            <a:schemeClr val="accent1"/>
-          </a:effectRef>
-          <a:fontRef idx="minor">
-            <a:schemeClr val="lt1"/>
-          </a:fontRef>
-        </p:style>
-        <p:txBody>
-          <a:bodyPr rtlCol="0" anchor="ctr"/>
-          <a:lstStyle/>
-          <a:p>
-            <a:r>
-              <a:rPr lang="en-US" sz="4000" i="1" dirty="0"/>
-              <a:t>	</a:t>
-            </a:r>
-            <a:r>
-              <a:rPr lang="en-US" sz="4000" i="1" dirty="0" smtClean="0"/>
-              <a:t>Find out the value of PI</a:t>
-            </a:r>
-            <a:endParaRPr lang="en-US" sz="4000" i="1" dirty="0"/>
-          </a:p>
-        </p:txBody>
-      </p:sp>
-      <p:sp>
-        <p:nvSpPr>
-          <p:cNvPr id="5" name="Rectangle 4"/>
-          <p:cNvSpPr/>
-          <p:nvPr/>
-        </p:nvSpPr>
-        <p:spPr>
-          <a:xfrm>
-            <a:off x="0" y="6737478"/>
-            <a:ext cx="9144000" cy="120522"/>
-          </a:xfrm>
-          <a:prstGeom prst="rect">
-            <a:avLst/>
-          </a:prstGeom>
-          <a:solidFill>
-            <a:srgbClr val="3DBFDB"/>
-          </a:solidFill>
-          <a:ln>
-            <a:noFill/>
-          </a:ln>
-          <a:effectLst/>
-        </p:spPr>
-        <p:style>
-          <a:lnRef idx="1">
-            <a:schemeClr val="accent1"/>
-          </a:lnRef>
-          <a:fillRef idx="3">
-            <a:schemeClr val="accent1"/>
-          </a:fillRef>
-          <a:effectRef idx="2">
-            <a:schemeClr val="accent1"/>
-          </a:effectRef>
-          <a:fontRef idx="minor">
-            <a:schemeClr val="lt1"/>
-          </a:fontRef>
-        </p:style>
-        <p:txBody>
-          <a:bodyPr rtlCol="0" anchor="ctr"/>
-          <a:lstStyle/>
-          <a:p>
-            <a:pPr algn="ctr"/>
-            <a:endParaRPr lang="en-US"/>
-          </a:p>
-        </p:txBody>
-      </p:sp>
-      <p:sp>
-        <p:nvSpPr>
-          <p:cNvPr id="7" name="TextBox 6"/>
-          <p:cNvSpPr txBox="1"/>
-          <p:nvPr/>
-        </p:nvSpPr>
-        <p:spPr>
-          <a:xfrm>
-            <a:off x="8869998" y="6453063"/>
-            <a:ext cx="262662" cy="276999"/>
-          </a:xfrm>
-          <a:prstGeom prst="rect">
-            <a:avLst/>
-          </a:prstGeom>
-          <a:noFill/>
-        </p:spPr>
-        <p:txBody>
-          <a:bodyPr wrap="none" rtlCol="0">
-            <a:spAutoFit/>
-          </a:bodyPr>
-          <a:lstStyle/>
-          <a:p>
-            <a:pPr algn="r"/>
-            <a:r>
-              <a:rPr lang="en-US" sz="1200" dirty="0" smtClean="0">
-                <a:solidFill>
-                  <a:srgbClr val="118EB0"/>
-                </a:solidFill>
-              </a:rPr>
-              <a:t>1</a:t>
-            </a:r>
-            <a:endParaRPr lang="en-US" sz="1200" dirty="0">
-              <a:solidFill>
-                <a:srgbClr val="118EB0"/>
-              </a:solidFill>
-            </a:endParaRPr>
-          </a:p>
-        </p:txBody>
-      </p:sp>
-    </p:spTree>
-    <p:extLst>
-      <p:ext uri="{BB962C8B-B14F-4D97-AF65-F5344CB8AC3E}">
-        <p14:creationId xmlns:p14="http://schemas.microsoft.com/office/powerpoint/2010/main" val="2125338590"/>
-      </p:ext>
-    </p:extLst>
-  </p:cSld>
-  <p:clrMapOvr>
-    <a:masterClrMapping/>
-  </p:clrMapOvr>
-</p:sld>
-</file>
-
-<file path=ppt/slides/slide5.xml><?xml version="1.0" encoding="utf-8"?>
-<p:sld xmlns:a="http://schemas.openxmlformats.org/drawingml/2006/main" xmlns:r="http://schemas.openxmlformats.org/officeDocument/2006/relationships" xmlns:p="http://schemas.openxmlformats.org/presentationml/2006/main">
-  <p:cSld>
-    <p:spTree>
-      <p:nvGrpSpPr>
-        <p:cNvPr id="1" name=""/>
-        <p:cNvGrpSpPr/>
-        <p:nvPr/>
-      </p:nvGrpSpPr>
-      <p:grpSpPr>
-        <a:xfrm>
-          <a:off x="0" y="0"/>
-          <a:ext cx="0" cy="0"/>
-          <a:chOff x="0" y="0"/>
-          <a:chExt cx="0" cy="0"/>
-        </a:xfrm>
-      </p:grpSpPr>
-      <p:sp>
-        <p:nvSpPr>
-          <p:cNvPr id="3" name="Content Placeholder 2"/>
-          <p:cNvSpPr>
-            <a:spLocks noGrp="1"/>
-          </p:cNvSpPr>
-          <p:nvPr>
-            <p:ph idx="1"/>
-          </p:nvPr>
-        </p:nvSpPr>
-        <p:spPr>
-          <a:xfrm>
-            <a:off x="457200" y="1600201"/>
-            <a:ext cx="8495414" cy="4525963"/>
-          </a:xfrm>
-        </p:spPr>
-        <p:txBody>
-          <a:bodyPr/>
-          <a:lstStyle/>
-          <a:p>
-            <a:r>
-              <a:rPr lang="en-US" dirty="0" smtClean="0"/>
-              <a:t>big puzzle of mathematics in history</a:t>
-            </a:r>
-          </a:p>
-          <a:p>
-            <a:r>
-              <a:rPr lang="en-US" dirty="0"/>
-              <a:t>~1500 years ago, </a:t>
-            </a:r>
-            <a:r>
-              <a:rPr lang="en-US" altLang="zh-CN" dirty="0" err="1"/>
-              <a:t>Zu</a:t>
-            </a:r>
-            <a:r>
-              <a:rPr lang="en-US" altLang="zh-CN" dirty="0"/>
-              <a:t> Chong-</a:t>
-            </a:r>
-            <a:r>
-              <a:rPr lang="en-US" altLang="zh-CN" dirty="0" err="1"/>
-              <a:t>Zhi</a:t>
-            </a:r>
-            <a:r>
-              <a:rPr lang="en-US" altLang="zh-CN" dirty="0"/>
-              <a:t> (</a:t>
-            </a:r>
-            <a:r>
-              <a:rPr lang="zh-CN" altLang="en-US" dirty="0"/>
-              <a:t>祖冲之</a:t>
-            </a:r>
-            <a:r>
-              <a:rPr lang="en-US" altLang="zh-CN" dirty="0"/>
-              <a:t>)</a:t>
-            </a:r>
-            <a:endParaRPr lang="en-US" altLang="zh-CN" dirty="0" smtClean="0"/>
-          </a:p>
-          <a:p>
-            <a:pPr lvl="1"/>
-            <a:r>
-              <a:rPr lang="en-US" altLang="zh-CN" dirty="0" smtClean="0"/>
-              <a:t>3.1415926 - 3.1415927</a:t>
-            </a:r>
-          </a:p>
-          <a:p>
-            <a:r>
-              <a:rPr lang="en-US" altLang="zh-CN" dirty="0" smtClean="0"/>
-              <a:t>Not </a:t>
-            </a:r>
-            <a:r>
-              <a:rPr lang="en-US" altLang="zh-CN" dirty="0"/>
-              <a:t>that </a:t>
-            </a:r>
-            <a:r>
-              <a:rPr lang="en-US" altLang="zh-CN" dirty="0" smtClean="0"/>
-              <a:t>difficult for </a:t>
-            </a:r>
-            <a:r>
-              <a:rPr lang="en-US" altLang="zh-CN" dirty="0"/>
-              <a:t>us any </a:t>
-            </a:r>
-            <a:r>
-              <a:rPr lang="en-US" altLang="zh-CN" dirty="0" smtClean="0"/>
-              <a:t>more</a:t>
-            </a:r>
-            <a:r>
-              <a:rPr lang="mr-IN" altLang="zh-CN" dirty="0" smtClean="0"/>
-              <a:t>…</a:t>
-            </a:r>
-            <a:endParaRPr lang="en-US" altLang="zh-CN" dirty="0"/>
-          </a:p>
-          <a:p>
-            <a:endParaRPr lang="en-US" altLang="zh-CN" dirty="0" smtClean="0"/>
-          </a:p>
-        </p:txBody>
-      </p:sp>
-      <p:sp>
-        <p:nvSpPr>
-          <p:cNvPr id="4" name="Rectangle 3"/>
-          <p:cNvSpPr/>
-          <p:nvPr/>
-        </p:nvSpPr>
-        <p:spPr>
-          <a:xfrm>
-            <a:off x="0" y="-7550"/>
-            <a:ext cx="9144000" cy="1228835"/>
-          </a:xfrm>
-          <a:prstGeom prst="rect">
-            <a:avLst/>
-          </a:prstGeom>
-          <a:solidFill>
-            <a:srgbClr val="3DBFDB"/>
-          </a:solidFill>
-          <a:ln>
-            <a:noFill/>
-          </a:ln>
-          <a:effectLst/>
-        </p:spPr>
-        <p:style>
-          <a:lnRef idx="1">
-            <a:schemeClr val="accent1"/>
-          </a:lnRef>
-          <a:fillRef idx="3">
-            <a:schemeClr val="accent1"/>
-          </a:fillRef>
-          <a:effectRef idx="2">
-            <a:schemeClr val="accent1"/>
-          </a:effectRef>
-          <a:fontRef idx="minor">
-            <a:schemeClr val="lt1"/>
-          </a:fontRef>
-        </p:style>
-        <p:txBody>
-          <a:bodyPr rtlCol="0" anchor="ctr"/>
-          <a:lstStyle/>
-          <a:p>
-            <a:r>
-              <a:rPr lang="en-US" sz="4000" i="1" dirty="0"/>
-              <a:t>	</a:t>
-            </a:r>
-            <a:r>
-              <a:rPr lang="en-US" sz="4000" i="1" dirty="0" smtClean="0"/>
-              <a:t>Find out the value of PI</a:t>
-            </a:r>
-            <a:endParaRPr lang="en-US" sz="4000" i="1" dirty="0"/>
-          </a:p>
-        </p:txBody>
-      </p:sp>
-      <p:sp>
-        <p:nvSpPr>
-          <p:cNvPr id="5" name="Rectangle 4"/>
-          <p:cNvSpPr/>
-          <p:nvPr/>
-        </p:nvSpPr>
-        <p:spPr>
-          <a:xfrm>
-            <a:off x="0" y="6737478"/>
-            <a:ext cx="9144000" cy="120522"/>
-          </a:xfrm>
-          <a:prstGeom prst="rect">
-            <a:avLst/>
-          </a:prstGeom>
-          <a:solidFill>
-            <a:srgbClr val="3DBFDB"/>
-          </a:solidFill>
-          <a:ln>
-            <a:noFill/>
-          </a:ln>
-          <a:effectLst/>
-        </p:spPr>
-        <p:style>
-          <a:lnRef idx="1">
-            <a:schemeClr val="accent1"/>
-          </a:lnRef>
-          <a:fillRef idx="3">
-            <a:schemeClr val="accent1"/>
-          </a:fillRef>
-          <a:effectRef idx="2">
-            <a:schemeClr val="accent1"/>
-          </a:effectRef>
-          <a:fontRef idx="minor">
-            <a:schemeClr val="lt1"/>
-          </a:fontRef>
-        </p:style>
-        <p:txBody>
-          <a:bodyPr rtlCol="0" anchor="ctr"/>
-          <a:lstStyle/>
-          <a:p>
-            <a:pPr algn="ctr"/>
-            <a:endParaRPr lang="en-US"/>
-          </a:p>
-        </p:txBody>
-      </p:sp>
-      <p:sp>
-        <p:nvSpPr>
-          <p:cNvPr id="7" name="TextBox 6"/>
-          <p:cNvSpPr txBox="1"/>
-          <p:nvPr/>
-        </p:nvSpPr>
-        <p:spPr>
-          <a:xfrm>
-            <a:off x="8869998" y="6453063"/>
-            <a:ext cx="262662" cy="276999"/>
-          </a:xfrm>
-          <a:prstGeom prst="rect">
-            <a:avLst/>
-          </a:prstGeom>
-          <a:noFill/>
-        </p:spPr>
-        <p:txBody>
-          <a:bodyPr wrap="none" rtlCol="0">
-            <a:spAutoFit/>
-          </a:bodyPr>
-          <a:lstStyle/>
-          <a:p>
-            <a:pPr algn="r"/>
-            <a:r>
-              <a:rPr lang="en-US" sz="1200" dirty="0" smtClean="0">
-                <a:solidFill>
-                  <a:srgbClr val="118EB0"/>
-                </a:solidFill>
-              </a:rPr>
-              <a:t>1</a:t>
-            </a:r>
-            <a:endParaRPr lang="en-US" sz="1200" dirty="0">
-              <a:solidFill>
-                <a:srgbClr val="118EB0"/>
-              </a:solidFill>
-            </a:endParaRPr>
-          </a:p>
-        </p:txBody>
-      </p:sp>
-    </p:spTree>
-    <p:extLst>
-      <p:ext uri="{BB962C8B-B14F-4D97-AF65-F5344CB8AC3E}">
-        <p14:creationId xmlns:p14="http://schemas.microsoft.com/office/powerpoint/2010/main" val="353872463"/>
-      </p:ext>
-    </p:extLst>
-  </p:cSld>
-  <p:clrMapOvr>
-    <a:masterClrMapping/>
-  </p:clrMapOvr>
-</p:sld>
-</file>
-
-<file path=ppt/slides/slide6.xml><?xml version="1.0" encoding="utf-8"?>
-<p:sld xmlns:a="http://schemas.openxmlformats.org/drawingml/2006/main" xmlns:r="http://schemas.openxmlformats.org/officeDocument/2006/relationships" xmlns:p="http://schemas.openxmlformats.org/presentationml/2006/main">
-  <p:cSld>
-    <p:spTree>
-      <p:nvGrpSpPr>
-        <p:cNvPr id="1" name=""/>
-        <p:cNvGrpSpPr/>
-        <p:nvPr/>
-      </p:nvGrpSpPr>
-      <p:grpSpPr>
-        <a:xfrm>
-          <a:off x="0" y="0"/>
-          <a:ext cx="0" cy="0"/>
-          <a:chOff x="0" y="0"/>
-          <a:chExt cx="0" cy="0"/>
-        </a:xfrm>
-      </p:grpSpPr>
-      <p:sp>
-        <p:nvSpPr>
-          <p:cNvPr id="4" name="Rectangle 3"/>
-          <p:cNvSpPr/>
-          <p:nvPr/>
-        </p:nvSpPr>
-        <p:spPr>
-          <a:xfrm>
-            <a:off x="0" y="-7550"/>
-            <a:ext cx="9144000" cy="1228835"/>
-          </a:xfrm>
-          <a:prstGeom prst="rect">
-            <a:avLst/>
-          </a:prstGeom>
-          <a:solidFill>
-            <a:srgbClr val="3DBFDB"/>
-          </a:solidFill>
-          <a:ln>
-            <a:noFill/>
-          </a:ln>
-          <a:effectLst/>
-        </p:spPr>
-        <p:style>
-          <a:lnRef idx="1">
-            <a:schemeClr val="accent1"/>
-          </a:lnRef>
-          <a:fillRef idx="3">
-            <a:schemeClr val="accent1"/>
-          </a:fillRef>
-          <a:effectRef idx="2">
-            <a:schemeClr val="accent1"/>
-          </a:effectRef>
-          <a:fontRef idx="minor">
-            <a:schemeClr val="lt1"/>
-          </a:fontRef>
-        </p:style>
-        <p:txBody>
-          <a:bodyPr rtlCol="0" anchor="ctr"/>
-          <a:lstStyle/>
-          <a:p>
-            <a:r>
-              <a:rPr lang="en-US" sz="4000" i="1" dirty="0"/>
-              <a:t>	</a:t>
-            </a:r>
-            <a:r>
-              <a:rPr lang="en-US" sz="4000" i="1" dirty="0" smtClean="0"/>
-              <a:t>Find out the value of PI</a:t>
-            </a:r>
-            <a:endParaRPr lang="en-US" sz="4000" i="1" dirty="0"/>
-          </a:p>
-        </p:txBody>
-      </p:sp>
-      <p:sp>
-        <p:nvSpPr>
-          <p:cNvPr id="5" name="Rectangle 4"/>
-          <p:cNvSpPr/>
-          <p:nvPr/>
-        </p:nvSpPr>
-        <p:spPr>
-          <a:xfrm>
-            <a:off x="0" y="6737478"/>
-            <a:ext cx="9144000" cy="120522"/>
-          </a:xfrm>
-          <a:prstGeom prst="rect">
-            <a:avLst/>
-          </a:prstGeom>
-          <a:solidFill>
-            <a:srgbClr val="3DBFDB"/>
-          </a:solidFill>
-          <a:ln>
-            <a:noFill/>
-          </a:ln>
-          <a:effectLst/>
-        </p:spPr>
-        <p:style>
-          <a:lnRef idx="1">
-            <a:schemeClr val="accent1"/>
-          </a:lnRef>
-          <a:fillRef idx="3">
-            <a:schemeClr val="accent1"/>
-          </a:fillRef>
-          <a:effectRef idx="2">
-            <a:schemeClr val="accent1"/>
-          </a:effectRef>
-          <a:fontRef idx="minor">
-            <a:schemeClr val="lt1"/>
-          </a:fontRef>
-        </p:style>
-        <p:txBody>
-          <a:bodyPr rtlCol="0" anchor="ctr"/>
-          <a:lstStyle/>
-          <a:p>
-            <a:pPr algn="ctr"/>
-            <a:endParaRPr lang="en-US"/>
-          </a:p>
-        </p:txBody>
-      </p:sp>
-      <p:sp>
-        <p:nvSpPr>
-          <p:cNvPr id="7" name="TextBox 6"/>
-          <p:cNvSpPr txBox="1"/>
-          <p:nvPr/>
-        </p:nvSpPr>
-        <p:spPr>
-          <a:xfrm>
-            <a:off x="8869998" y="6453063"/>
-            <a:ext cx="262662" cy="276999"/>
-          </a:xfrm>
-          <a:prstGeom prst="rect">
-            <a:avLst/>
-          </a:prstGeom>
-          <a:noFill/>
-        </p:spPr>
-        <p:txBody>
-          <a:bodyPr wrap="none" rtlCol="0">
-            <a:spAutoFit/>
-          </a:bodyPr>
-          <a:lstStyle/>
-          <a:p>
-            <a:pPr algn="r"/>
-            <a:r>
-              <a:rPr lang="en-US" sz="1200" dirty="0" smtClean="0">
-                <a:solidFill>
-                  <a:srgbClr val="118EB0"/>
-                </a:solidFill>
-              </a:rPr>
-              <a:t>1</a:t>
-            </a:r>
-            <a:endParaRPr lang="en-US" sz="1200" dirty="0">
-              <a:solidFill>
-                <a:srgbClr val="118EB0"/>
-              </a:solidFill>
-            </a:endParaRPr>
-          </a:p>
-        </p:txBody>
-      </p:sp>
-      <mc:AlternateContent xmlns:mc="http://schemas.openxmlformats.org/markup-compatibility/2006">
-        <mc:Choice xmlns:a14="http://schemas.microsoft.com/office/drawing/2010/main" Requires="a14">
+      <mc:AlternateContent xmlns:mc="http://schemas.openxmlformats.org/markup-compatibility/2006" xmlns:a14="http://schemas.microsoft.com/office/drawing/2010/main">
+        <mc:Choice Requires="a14">
           <p:sp>
             <p:nvSpPr>
               <p:cNvPr id="12" name="TextBox 11"/>
@@ -4933,6 +3527,7 @@
               </a:bodyPr>
               <a:lstStyle/>
               <a:p>
+                <a:pPr/>
                 <a14:m>
                   <m:oMathPara xmlns:m="http://schemas.openxmlformats.org/officeDocument/2006/math">
                     <m:oMathParaPr>
@@ -5111,7 +3706,7 @@
             </p:txBody>
           </p:sp>
         </mc:Choice>
-        <mc:Fallback>
+        <mc:Fallback xmlns="">
           <p:sp>
             <p:nvSpPr>
               <p:cNvPr id="12" name="TextBox 11"/>
@@ -5150,6 +3745,44 @@
           </p:sp>
         </mc:Fallback>
       </mc:AlternateContent>
+      <p:sp>
+        <p:nvSpPr>
+          <p:cNvPr id="2" name="TextBox 1"/>
+          <p:cNvSpPr txBox="1"/>
+          <p:nvPr/>
+        </p:nvSpPr>
+        <p:spPr>
+          <a:xfrm>
+            <a:off x="933763" y="5929843"/>
+            <a:ext cx="7086299" cy="523220"/>
+          </a:xfrm>
+          <a:prstGeom prst="rect">
+            <a:avLst/>
+          </a:prstGeom>
+          <a:noFill/>
+        </p:spPr>
+        <p:txBody>
+          <a:bodyPr wrap="none" rtlCol="0">
+            <a:spAutoFit/>
+          </a:bodyPr>
+          <a:lstStyle/>
+          <a:p>
+            <a:r>
+              <a:rPr lang="en-US" sz="2800" i="1" dirty="0" smtClean="0">
+                <a:solidFill>
+                  <a:srgbClr val="1ACFFF"/>
+                </a:solidFill>
+              </a:rPr>
+              <a:t>Find out PI by generating a ton of random dots!</a:t>
+            </a:r>
+            <a:endParaRPr lang="en-US" sz="2800" i="1" dirty="0">
+              <a:solidFill>
+                <a:srgbClr val="1ACFFF"/>
+              </a:solidFill>
+            </a:endParaRPr>
+          </a:p>
+        </p:txBody>
+      </p:sp>
       <p:pic>
         <p:nvPicPr>
           <p:cNvPr id="13" name="Picture 12"/>
@@ -5203,6 +3836,16 @@
           <a:lstStyle/>
           <a:p>
             <a:r>
+              <a:rPr lang="en-US" sz="1400" smtClean="0">
+                <a:solidFill>
+                  <a:schemeClr val="bg1">
+                    <a:lumMod val="65000"/>
+                  </a:schemeClr>
+                </a:solidFill>
+              </a:rPr>
+              <a:t>animation </a:t>
+            </a:r>
+            <a:r>
               <a:rPr lang="en-US" sz="1400" dirty="0" smtClean="0">
                 <a:solidFill>
                   <a:schemeClr val="bg1">
@@ -5210,7 +3853,7 @@
                   </a:schemeClr>
                 </a:solidFill>
               </a:rPr>
-              <a:t>animation from </a:t>
+              <a:t>from </a:t>
             </a:r>
             <a:r>
               <a:rPr lang="en-US" sz="1400" dirty="0" err="1" smtClean="0">
@@ -5232,10 +3875,3633 @@
           </a:p>
         </p:txBody>
       </p:sp>
+      <p:sp>
+        <p:nvSpPr>
+          <p:cNvPr id="9" name="Rectangle 8"/>
+          <p:cNvSpPr/>
+          <p:nvPr/>
+        </p:nvSpPr>
+        <p:spPr>
+          <a:xfrm>
+            <a:off x="0" y="6451738"/>
+            <a:ext cx="963982" cy="276999"/>
+          </a:xfrm>
+          <a:prstGeom prst="rect">
+            <a:avLst/>
+          </a:prstGeom>
+        </p:spPr>
+        <p:txBody>
+          <a:bodyPr wrap="none">
+            <a:spAutoFit/>
+          </a:bodyPr>
+          <a:lstStyle/>
+          <a:p>
+            <a:r>
+              <a:rPr lang="en-US" sz="1200" dirty="0" smtClean="0">
+                <a:solidFill>
+                  <a:srgbClr val="118EB0"/>
+                </a:solidFill>
+              </a:rPr>
+              <a:t>Monte Carlo</a:t>
+            </a:r>
+            <a:endParaRPr lang="en-US" sz="1200" dirty="0">
+              <a:solidFill>
+                <a:srgbClr val="118EB0"/>
+              </a:solidFill>
+            </a:endParaRPr>
+          </a:p>
+        </p:txBody>
+      </p:sp>
     </p:spTree>
     <p:extLst>
       <p:ext uri="{BB962C8B-B14F-4D97-AF65-F5344CB8AC3E}">
-        <p14:creationId xmlns:p14="http://schemas.microsoft.com/office/powerpoint/2010/main" val="31259930"/>
+        <p14:creationId xmlns:p14="http://schemas.microsoft.com/office/powerpoint/2010/main" val="1969959343"/>
+      </p:ext>
+    </p:extLst>
+  </p:cSld>
+  <p:clrMapOvr>
+    <a:masterClrMapping/>
+  </p:clrMapOvr>
+  <p:timing>
+    <p:tnLst>
+      <p:par>
+        <p:cTn id="1" dur="indefinite" restart="never" nodeType="tmRoot"/>
+      </p:par>
+    </p:tnLst>
+  </p:timing>
+</p:sld>
+</file>
+
+<file path=ppt/slides/slide11.xml><?xml version="1.0" encoding="utf-8"?>
+<p:sld xmlns:a="http://schemas.openxmlformats.org/drawingml/2006/main" xmlns:r="http://schemas.openxmlformats.org/officeDocument/2006/relationships" xmlns:p="http://schemas.openxmlformats.org/presentationml/2006/main">
+  <p:cSld>
+    <p:spTree>
+      <p:nvGrpSpPr>
+        <p:cNvPr id="1" name=""/>
+        <p:cNvGrpSpPr/>
+        <p:nvPr/>
+      </p:nvGrpSpPr>
+      <p:grpSpPr>
+        <a:xfrm>
+          <a:off x="0" y="0"/>
+          <a:ext cx="0" cy="0"/>
+          <a:chOff x="0" y="0"/>
+          <a:chExt cx="0" cy="0"/>
+        </a:xfrm>
+      </p:grpSpPr>
+      <p:sp>
+        <p:nvSpPr>
+          <p:cNvPr id="4" name="Rectangle 3"/>
+          <p:cNvSpPr/>
+          <p:nvPr/>
+        </p:nvSpPr>
+        <p:spPr>
+          <a:xfrm>
+            <a:off x="0" y="-7550"/>
+            <a:ext cx="9144000" cy="1228835"/>
+          </a:xfrm>
+          <a:prstGeom prst="rect">
+            <a:avLst/>
+          </a:prstGeom>
+          <a:solidFill>
+            <a:srgbClr val="3DBFDB"/>
+          </a:solidFill>
+          <a:ln>
+            <a:noFill/>
+          </a:ln>
+          <a:effectLst/>
+        </p:spPr>
+        <p:style>
+          <a:lnRef idx="1">
+            <a:schemeClr val="accent1"/>
+          </a:lnRef>
+          <a:fillRef idx="3">
+            <a:schemeClr val="accent1"/>
+          </a:fillRef>
+          <a:effectRef idx="2">
+            <a:schemeClr val="accent1"/>
+          </a:effectRef>
+          <a:fontRef idx="minor">
+            <a:schemeClr val="lt1"/>
+          </a:fontRef>
+        </p:style>
+        <p:txBody>
+          <a:bodyPr rtlCol="0" anchor="ctr"/>
+          <a:lstStyle/>
+          <a:p>
+            <a:r>
+              <a:rPr lang="en-US" sz="4000" i="1" dirty="0"/>
+              <a:t>	</a:t>
+            </a:r>
+            <a:r>
+              <a:rPr lang="en-US" sz="4000" i="1" dirty="0" smtClean="0"/>
+              <a:t>Find out the value of PI</a:t>
+            </a:r>
+            <a:endParaRPr lang="en-US" sz="4000" i="1" dirty="0"/>
+          </a:p>
+        </p:txBody>
+      </p:sp>
+      <p:sp>
+        <p:nvSpPr>
+          <p:cNvPr id="3" name="Rectangle 2"/>
+          <p:cNvSpPr/>
+          <p:nvPr/>
+        </p:nvSpPr>
+        <p:spPr>
+          <a:xfrm>
+            <a:off x="530941" y="1679815"/>
+            <a:ext cx="6425381" cy="3416320"/>
+          </a:xfrm>
+          <a:prstGeom prst="rect">
+            <a:avLst/>
+          </a:prstGeom>
+        </p:spPr>
+        <p:txBody>
+          <a:bodyPr wrap="square">
+            <a:spAutoFit/>
+          </a:bodyPr>
+          <a:lstStyle/>
+          <a:p>
+            <a:r>
+              <a:rPr lang="en-US" dirty="0">
+                <a:latin typeface="Courier New" charset="0"/>
+                <a:ea typeface="Courier New" charset="0"/>
+                <a:cs typeface="Courier New" charset="0"/>
+              </a:rPr>
+              <a:t>import numpy as np</a:t>
+            </a:r>
+          </a:p>
+          <a:p>
+            <a:r>
+              <a:rPr lang="en-US" dirty="0">
+                <a:latin typeface="Courier New" charset="0"/>
+                <a:ea typeface="Courier New" charset="0"/>
+                <a:cs typeface="Courier New" charset="0"/>
+              </a:rPr>
+              <a:t>def </a:t>
+            </a:r>
+            <a:r>
+              <a:rPr lang="en-US" dirty="0" err="1">
+                <a:latin typeface="Courier New" charset="0"/>
+                <a:ea typeface="Courier New" charset="0"/>
+                <a:cs typeface="Courier New" charset="0"/>
+              </a:rPr>
+              <a:t>myrand</a:t>
+            </a:r>
+            <a:r>
+              <a:rPr lang="en-US" dirty="0">
+                <a:latin typeface="Courier New" charset="0"/>
+                <a:ea typeface="Courier New" charset="0"/>
+                <a:cs typeface="Courier New" charset="0"/>
+              </a:rPr>
+              <a:t>():</a:t>
+            </a:r>
+          </a:p>
+          <a:p>
+            <a:r>
+              <a:rPr lang="mr-IN" dirty="0">
+                <a:latin typeface="Courier New" charset="0"/>
+                <a:ea typeface="Courier New" charset="0"/>
+                <a:cs typeface="Courier New" charset="0"/>
+              </a:rPr>
+              <a:t>    </a:t>
+            </a:r>
+            <a:r>
+              <a:rPr lang="mr-IN" dirty="0" err="1">
+                <a:latin typeface="Courier New" charset="0"/>
+                <a:ea typeface="Courier New" charset="0"/>
+                <a:cs typeface="Courier New" charset="0"/>
+              </a:rPr>
+              <a:t>return</a:t>
+            </a:r>
+            <a:r>
+              <a:rPr lang="mr-IN" dirty="0">
+                <a:latin typeface="Courier New" charset="0"/>
+                <a:ea typeface="Courier New" charset="0"/>
+                <a:cs typeface="Courier New" charset="0"/>
+              </a:rPr>
+              <a:t> </a:t>
+            </a:r>
+            <a:r>
+              <a:rPr lang="mr-IN" dirty="0" err="1">
+                <a:latin typeface="Courier New" charset="0"/>
+                <a:ea typeface="Courier New" charset="0"/>
+                <a:cs typeface="Courier New" charset="0"/>
+              </a:rPr>
+              <a:t>np.random.rand</a:t>
+            </a:r>
+            <a:r>
+              <a:rPr lang="mr-IN" dirty="0">
+                <a:latin typeface="Courier New" charset="0"/>
+                <a:ea typeface="Courier New" charset="0"/>
+                <a:cs typeface="Courier New" charset="0"/>
+              </a:rPr>
+              <a:t>(1,1)[0][0]</a:t>
+            </a:r>
+          </a:p>
+          <a:p>
+            <a:endParaRPr lang="mr-IN" dirty="0">
+              <a:latin typeface="Courier New" charset="0"/>
+              <a:ea typeface="Courier New" charset="0"/>
+              <a:cs typeface="Courier New" charset="0"/>
+            </a:endParaRPr>
+          </a:p>
+          <a:p>
+            <a:r>
+              <a:rPr lang="en-US" dirty="0">
+                <a:latin typeface="Courier New" charset="0"/>
+                <a:ea typeface="Courier New" charset="0"/>
+                <a:cs typeface="Courier New" charset="0"/>
+              </a:rPr>
+              <a:t>samples = </a:t>
+            </a:r>
+            <a:r>
+              <a:rPr lang="en-US" dirty="0" smtClean="0">
+                <a:latin typeface="Courier New" charset="0"/>
+                <a:ea typeface="Courier New" charset="0"/>
+                <a:cs typeface="Courier New" charset="0"/>
+              </a:rPr>
+              <a:t>10000</a:t>
+            </a:r>
+            <a:endParaRPr lang="en-US" dirty="0">
+              <a:latin typeface="Courier New" charset="0"/>
+              <a:ea typeface="Courier New" charset="0"/>
+              <a:cs typeface="Courier New" charset="0"/>
+            </a:endParaRPr>
+          </a:p>
+          <a:p>
+            <a:r>
+              <a:rPr lang="en-US" dirty="0">
+                <a:latin typeface="Courier New" charset="0"/>
+                <a:ea typeface="Courier New" charset="0"/>
+                <a:cs typeface="Courier New" charset="0"/>
+              </a:rPr>
+              <a:t>count = 0</a:t>
+            </a:r>
+          </a:p>
+          <a:p>
+            <a:r>
+              <a:rPr lang="en-US" dirty="0">
+                <a:latin typeface="Courier New" charset="0"/>
+                <a:ea typeface="Courier New" charset="0"/>
+                <a:cs typeface="Courier New" charset="0"/>
+              </a:rPr>
+              <a:t>for </a:t>
+            </a:r>
+            <a:r>
+              <a:rPr lang="en-US" dirty="0" err="1">
+                <a:latin typeface="Courier New" charset="0"/>
+                <a:ea typeface="Courier New" charset="0"/>
+                <a:cs typeface="Courier New" charset="0"/>
+              </a:rPr>
+              <a:t>i</a:t>
+            </a:r>
+            <a:r>
+              <a:rPr lang="en-US" dirty="0">
+                <a:latin typeface="Courier New" charset="0"/>
+                <a:ea typeface="Courier New" charset="0"/>
+                <a:cs typeface="Courier New" charset="0"/>
+              </a:rPr>
+              <a:t> in range(samples):</a:t>
+            </a:r>
+          </a:p>
+          <a:p>
+            <a:r>
+              <a:rPr lang="mr-IN" dirty="0">
+                <a:latin typeface="Courier New" charset="0"/>
+                <a:ea typeface="Courier New" charset="0"/>
+                <a:cs typeface="Courier New" charset="0"/>
+              </a:rPr>
+              <a:t>    </a:t>
+            </a:r>
+            <a:r>
+              <a:rPr lang="mr-IN" dirty="0" err="1">
+                <a:latin typeface="Courier New" charset="0"/>
+                <a:ea typeface="Courier New" charset="0"/>
+                <a:cs typeface="Courier New" charset="0"/>
+              </a:rPr>
+              <a:t>x</a:t>
+            </a:r>
+            <a:r>
+              <a:rPr lang="mr-IN" dirty="0">
+                <a:latin typeface="Courier New" charset="0"/>
+                <a:ea typeface="Courier New" charset="0"/>
+                <a:cs typeface="Courier New" charset="0"/>
+              </a:rPr>
+              <a:t>, </a:t>
+            </a:r>
+            <a:r>
+              <a:rPr lang="mr-IN" dirty="0" err="1">
+                <a:latin typeface="Courier New" charset="0"/>
+                <a:ea typeface="Courier New" charset="0"/>
+                <a:cs typeface="Courier New" charset="0"/>
+              </a:rPr>
+              <a:t>y</a:t>
+            </a:r>
+            <a:r>
+              <a:rPr lang="mr-IN" dirty="0">
+                <a:latin typeface="Courier New" charset="0"/>
+                <a:ea typeface="Courier New" charset="0"/>
+                <a:cs typeface="Courier New" charset="0"/>
+              </a:rPr>
+              <a:t> = </a:t>
+            </a:r>
+            <a:r>
+              <a:rPr lang="mr-IN" dirty="0" err="1">
+                <a:latin typeface="Courier New" charset="0"/>
+                <a:ea typeface="Courier New" charset="0"/>
+                <a:cs typeface="Courier New" charset="0"/>
+              </a:rPr>
+              <a:t>myrand</a:t>
+            </a:r>
+            <a:r>
+              <a:rPr lang="mr-IN" dirty="0">
+                <a:latin typeface="Courier New" charset="0"/>
+                <a:ea typeface="Courier New" charset="0"/>
+                <a:cs typeface="Courier New" charset="0"/>
+              </a:rPr>
+              <a:t>(), </a:t>
+            </a:r>
+            <a:r>
+              <a:rPr lang="mr-IN" dirty="0" err="1">
+                <a:latin typeface="Courier New" charset="0"/>
+                <a:ea typeface="Courier New" charset="0"/>
+                <a:cs typeface="Courier New" charset="0"/>
+              </a:rPr>
+              <a:t>myrand</a:t>
+            </a:r>
+            <a:r>
+              <a:rPr lang="mr-IN" dirty="0">
+                <a:latin typeface="Courier New" charset="0"/>
+                <a:ea typeface="Courier New" charset="0"/>
+                <a:cs typeface="Courier New" charset="0"/>
+              </a:rPr>
+              <a:t>()</a:t>
+            </a:r>
+          </a:p>
+          <a:p>
+            <a:r>
+              <a:rPr lang="mr-IN" dirty="0">
+                <a:latin typeface="Courier New" charset="0"/>
+                <a:ea typeface="Courier New" charset="0"/>
+                <a:cs typeface="Courier New" charset="0"/>
+              </a:rPr>
+              <a:t>    </a:t>
+            </a:r>
+            <a:r>
+              <a:rPr lang="mr-IN" dirty="0" err="1">
+                <a:latin typeface="Courier New" charset="0"/>
+                <a:ea typeface="Courier New" charset="0"/>
+                <a:cs typeface="Courier New" charset="0"/>
+              </a:rPr>
+              <a:t>if</a:t>
+            </a:r>
+            <a:r>
+              <a:rPr lang="mr-IN" dirty="0">
+                <a:latin typeface="Courier New" charset="0"/>
+                <a:ea typeface="Courier New" charset="0"/>
+                <a:cs typeface="Courier New" charset="0"/>
+              </a:rPr>
+              <a:t> </a:t>
+            </a:r>
+            <a:r>
+              <a:rPr lang="mr-IN" dirty="0" smtClean="0">
+                <a:latin typeface="Courier New" charset="0"/>
+                <a:ea typeface="Courier New" charset="0"/>
+                <a:cs typeface="Courier New" charset="0"/>
+              </a:rPr>
+              <a:t>(</a:t>
+            </a:r>
+            <a:r>
+              <a:rPr lang="mr-IN" dirty="0" err="1" smtClean="0">
+                <a:latin typeface="Courier New" charset="0"/>
+                <a:ea typeface="Courier New" charset="0"/>
+                <a:cs typeface="Courier New" charset="0"/>
+              </a:rPr>
+              <a:t>x</a:t>
+            </a:r>
+            <a:r>
+              <a:rPr lang="mr-IN" dirty="0" smtClean="0">
+                <a:latin typeface="Courier New" charset="0"/>
+                <a:ea typeface="Courier New" charset="0"/>
+                <a:cs typeface="Courier New" charset="0"/>
+              </a:rPr>
+              <a:t>**</a:t>
+            </a:r>
+            <a:r>
+              <a:rPr lang="mr-IN" dirty="0">
+                <a:latin typeface="Courier New" charset="0"/>
+                <a:ea typeface="Courier New" charset="0"/>
+                <a:cs typeface="Courier New" charset="0"/>
+              </a:rPr>
+              <a:t>2 + </a:t>
+            </a:r>
+            <a:r>
+              <a:rPr lang="mr-IN" dirty="0" err="1" smtClean="0">
+                <a:latin typeface="Courier New" charset="0"/>
+                <a:ea typeface="Courier New" charset="0"/>
+                <a:cs typeface="Courier New" charset="0"/>
+              </a:rPr>
+              <a:t>y</a:t>
+            </a:r>
+            <a:r>
+              <a:rPr lang="mr-IN" dirty="0" smtClean="0">
+                <a:latin typeface="Courier New" charset="0"/>
+                <a:ea typeface="Courier New" charset="0"/>
+                <a:cs typeface="Courier New" charset="0"/>
+              </a:rPr>
+              <a:t>**</a:t>
+            </a:r>
+            <a:r>
+              <a:rPr lang="mr-IN" dirty="0">
+                <a:latin typeface="Courier New" charset="0"/>
+                <a:ea typeface="Courier New" charset="0"/>
+                <a:cs typeface="Courier New" charset="0"/>
+              </a:rPr>
+              <a:t>2)**0.5 &lt; </a:t>
+            </a:r>
+            <a:r>
+              <a:rPr lang="en-US" dirty="0">
+                <a:latin typeface="Courier New" charset="0"/>
+                <a:ea typeface="Courier New" charset="0"/>
+                <a:cs typeface="Courier New" charset="0"/>
+              </a:rPr>
+              <a:t>1</a:t>
+            </a:r>
+            <a:r>
+              <a:rPr lang="mr-IN" dirty="0" smtClean="0">
+                <a:latin typeface="Courier New" charset="0"/>
+                <a:ea typeface="Courier New" charset="0"/>
+                <a:cs typeface="Courier New" charset="0"/>
+              </a:rPr>
+              <a:t>:</a:t>
+            </a:r>
+            <a:endParaRPr lang="mr-IN" dirty="0">
+              <a:latin typeface="Courier New" charset="0"/>
+              <a:ea typeface="Courier New" charset="0"/>
+              <a:cs typeface="Courier New" charset="0"/>
+            </a:endParaRPr>
+          </a:p>
+          <a:p>
+            <a:r>
+              <a:rPr lang="mr-IN" dirty="0">
+                <a:latin typeface="Courier New" charset="0"/>
+                <a:ea typeface="Courier New" charset="0"/>
+                <a:cs typeface="Courier New" charset="0"/>
+              </a:rPr>
+              <a:t>        </a:t>
+            </a:r>
+            <a:r>
+              <a:rPr lang="mr-IN" dirty="0" err="1">
+                <a:latin typeface="Courier New" charset="0"/>
+                <a:ea typeface="Courier New" charset="0"/>
+                <a:cs typeface="Courier New" charset="0"/>
+              </a:rPr>
+              <a:t>count</a:t>
+            </a:r>
+            <a:r>
+              <a:rPr lang="mr-IN" dirty="0">
+                <a:latin typeface="Courier New" charset="0"/>
+                <a:ea typeface="Courier New" charset="0"/>
+                <a:cs typeface="Courier New" charset="0"/>
+              </a:rPr>
+              <a:t> += 1</a:t>
+            </a:r>
+          </a:p>
+          <a:p>
+            <a:r>
+              <a:rPr lang="en-US" dirty="0">
+                <a:latin typeface="Courier New" charset="0"/>
+                <a:ea typeface="Courier New" charset="0"/>
+                <a:cs typeface="Courier New" charset="0"/>
+              </a:rPr>
+              <a:t>PI = count/samples*4</a:t>
+            </a:r>
+          </a:p>
+          <a:p>
+            <a:r>
+              <a:rPr lang="mr-IN" dirty="0" err="1">
+                <a:latin typeface="Courier New" charset="0"/>
+                <a:ea typeface="Courier New" charset="0"/>
+                <a:cs typeface="Courier New" charset="0"/>
+              </a:rPr>
+              <a:t>print</a:t>
+            </a:r>
+            <a:r>
+              <a:rPr lang="mr-IN" dirty="0">
+                <a:latin typeface="Courier New" charset="0"/>
+                <a:ea typeface="Courier New" charset="0"/>
+                <a:cs typeface="Courier New" charset="0"/>
+              </a:rPr>
+              <a:t>('</a:t>
+            </a:r>
+            <a:r>
+              <a:rPr lang="mr-IN" dirty="0" err="1">
+                <a:latin typeface="Courier New" charset="0"/>
+                <a:ea typeface="Courier New" charset="0"/>
+                <a:cs typeface="Courier New" charset="0"/>
+              </a:rPr>
+              <a:t>Pi</a:t>
+            </a:r>
+            <a:r>
+              <a:rPr lang="mr-IN" dirty="0">
+                <a:latin typeface="Courier New" charset="0"/>
+                <a:ea typeface="Courier New" charset="0"/>
+                <a:cs typeface="Courier New" charset="0"/>
+              </a:rPr>
+              <a:t> = %</a:t>
+            </a:r>
+            <a:r>
+              <a:rPr lang="mr-IN" dirty="0" err="1">
+                <a:latin typeface="Courier New" charset="0"/>
+                <a:ea typeface="Courier New" charset="0"/>
+                <a:cs typeface="Courier New" charset="0"/>
+              </a:rPr>
+              <a:t>f</a:t>
+            </a:r>
+            <a:r>
+              <a:rPr lang="mr-IN" dirty="0">
+                <a:latin typeface="Courier New" charset="0"/>
+                <a:ea typeface="Courier New" charset="0"/>
+                <a:cs typeface="Courier New" charset="0"/>
+              </a:rPr>
+              <a:t>'%PI)</a:t>
+            </a:r>
+            <a:endParaRPr lang="en-US" dirty="0">
+              <a:latin typeface="Courier New" charset="0"/>
+              <a:ea typeface="Courier New" charset="0"/>
+              <a:cs typeface="Courier New" charset="0"/>
+            </a:endParaRPr>
+          </a:p>
+        </p:txBody>
+      </p:sp>
+      <p:sp>
+        <p:nvSpPr>
+          <p:cNvPr id="5" name="Rectangle 4"/>
+          <p:cNvSpPr/>
+          <p:nvPr/>
+        </p:nvSpPr>
+        <p:spPr>
+          <a:xfrm>
+            <a:off x="0" y="6451738"/>
+            <a:ext cx="963982" cy="276999"/>
+          </a:xfrm>
+          <a:prstGeom prst="rect">
+            <a:avLst/>
+          </a:prstGeom>
+        </p:spPr>
+        <p:txBody>
+          <a:bodyPr wrap="none">
+            <a:spAutoFit/>
+          </a:bodyPr>
+          <a:lstStyle/>
+          <a:p>
+            <a:r>
+              <a:rPr lang="en-US" sz="1200" dirty="0" smtClean="0">
+                <a:solidFill>
+                  <a:srgbClr val="118EB0"/>
+                </a:solidFill>
+              </a:rPr>
+              <a:t>Monte Carlo</a:t>
+            </a:r>
+            <a:endParaRPr lang="en-US" sz="1200" dirty="0">
+              <a:solidFill>
+                <a:srgbClr val="118EB0"/>
+              </a:solidFill>
+            </a:endParaRPr>
+          </a:p>
+        </p:txBody>
+      </p:sp>
+      <p:sp>
+        <p:nvSpPr>
+          <p:cNvPr id="6" name="Rectangle 5"/>
+          <p:cNvSpPr/>
+          <p:nvPr/>
+        </p:nvSpPr>
+        <p:spPr>
+          <a:xfrm>
+            <a:off x="0" y="6737478"/>
+            <a:ext cx="9144000" cy="120522"/>
+          </a:xfrm>
+          <a:prstGeom prst="rect">
+            <a:avLst/>
+          </a:prstGeom>
+          <a:solidFill>
+            <a:srgbClr val="3DBFDB"/>
+          </a:solidFill>
+          <a:ln>
+            <a:noFill/>
+          </a:ln>
+          <a:effectLst/>
+        </p:spPr>
+        <p:style>
+          <a:lnRef idx="1">
+            <a:schemeClr val="accent1"/>
+          </a:lnRef>
+          <a:fillRef idx="3">
+            <a:schemeClr val="accent1"/>
+          </a:fillRef>
+          <a:effectRef idx="2">
+            <a:schemeClr val="accent1"/>
+          </a:effectRef>
+          <a:fontRef idx="minor">
+            <a:schemeClr val="lt1"/>
+          </a:fontRef>
+        </p:style>
+        <p:txBody>
+          <a:bodyPr rtlCol="0" anchor="ctr"/>
+          <a:lstStyle/>
+          <a:p>
+            <a:pPr algn="ctr"/>
+            <a:endParaRPr lang="en-US"/>
+          </a:p>
+        </p:txBody>
+      </p:sp>
+    </p:spTree>
+    <p:extLst>
+      <p:ext uri="{BB962C8B-B14F-4D97-AF65-F5344CB8AC3E}">
+        <p14:creationId xmlns:p14="http://schemas.microsoft.com/office/powerpoint/2010/main" val="1557596128"/>
+      </p:ext>
+    </p:extLst>
+  </p:cSld>
+  <p:clrMapOvr>
+    <a:masterClrMapping/>
+  </p:clrMapOvr>
+  <p:timing>
+    <p:tnLst>
+      <p:par>
+        <p:cTn id="1" dur="indefinite" restart="never" nodeType="tmRoot"/>
+      </p:par>
+    </p:tnLst>
+  </p:timing>
+</p:sld>
+</file>
+
+<file path=ppt/slides/slide12.xml><?xml version="1.0" encoding="utf-8"?>
+<p:sld xmlns:a="http://schemas.openxmlformats.org/drawingml/2006/main" xmlns:r="http://schemas.openxmlformats.org/officeDocument/2006/relationships" xmlns:p="http://schemas.openxmlformats.org/presentationml/2006/main">
+  <p:cSld>
+    <p:spTree>
+      <p:nvGrpSpPr>
+        <p:cNvPr id="1" name=""/>
+        <p:cNvGrpSpPr/>
+        <p:nvPr/>
+      </p:nvGrpSpPr>
+      <p:grpSpPr>
+        <a:xfrm>
+          <a:off x="0" y="0"/>
+          <a:ext cx="0" cy="0"/>
+          <a:chOff x="0" y="0"/>
+          <a:chExt cx="0" cy="0"/>
+        </a:xfrm>
+      </p:grpSpPr>
+      <p:sp>
+        <p:nvSpPr>
+          <p:cNvPr id="4" name="Rectangle 3"/>
+          <p:cNvSpPr/>
+          <p:nvPr/>
+        </p:nvSpPr>
+        <p:spPr>
+          <a:xfrm>
+            <a:off x="0" y="-7550"/>
+            <a:ext cx="9144000" cy="1228835"/>
+          </a:xfrm>
+          <a:prstGeom prst="rect">
+            <a:avLst/>
+          </a:prstGeom>
+          <a:solidFill>
+            <a:srgbClr val="3DBFDB"/>
+          </a:solidFill>
+          <a:ln>
+            <a:noFill/>
+          </a:ln>
+          <a:effectLst/>
+        </p:spPr>
+        <p:style>
+          <a:lnRef idx="1">
+            <a:schemeClr val="accent1"/>
+          </a:lnRef>
+          <a:fillRef idx="3">
+            <a:schemeClr val="accent1"/>
+          </a:fillRef>
+          <a:effectRef idx="2">
+            <a:schemeClr val="accent1"/>
+          </a:effectRef>
+          <a:fontRef idx="minor">
+            <a:schemeClr val="lt1"/>
+          </a:fontRef>
+        </p:style>
+        <p:txBody>
+          <a:bodyPr rtlCol="0" anchor="ctr"/>
+          <a:lstStyle/>
+          <a:p>
+            <a:r>
+              <a:rPr lang="en-US" sz="4000" i="1" dirty="0"/>
+              <a:t>	</a:t>
+            </a:r>
+            <a:r>
+              <a:rPr lang="en-US" sz="4000" i="1" dirty="0" smtClean="0"/>
+              <a:t>Monte Carlo methods</a:t>
+            </a:r>
+            <a:endParaRPr lang="en-US" sz="4000" i="1" dirty="0"/>
+          </a:p>
+        </p:txBody>
+      </p:sp>
+      <p:sp>
+        <p:nvSpPr>
+          <p:cNvPr id="5" name="Content Placeholder 2"/>
+          <p:cNvSpPr>
+            <a:spLocks noGrp="1"/>
+          </p:cNvSpPr>
+          <p:nvPr>
+            <p:ph idx="1"/>
+          </p:nvPr>
+        </p:nvSpPr>
+        <p:spPr>
+          <a:xfrm>
+            <a:off x="457200" y="1600201"/>
+            <a:ext cx="8495414" cy="4525963"/>
+          </a:xfrm>
+        </p:spPr>
+        <p:txBody>
+          <a:bodyPr/>
+          <a:lstStyle/>
+          <a:p>
+            <a:r>
+              <a:rPr lang="en-US" dirty="0" smtClean="0"/>
+              <a:t>Use randomness to solve problems that might be deterministic in </a:t>
+            </a:r>
+            <a:r>
+              <a:rPr lang="en-US" dirty="0" smtClean="0"/>
+              <a:t>principle </a:t>
+            </a:r>
+          </a:p>
+          <a:p>
+            <a:pPr lvl="1"/>
+            <a:r>
+              <a:rPr lang="en-US" i="1" dirty="0" smtClean="0"/>
+              <a:t>optimization, statistical inference, biology, computer graphics</a:t>
+            </a:r>
+            <a:endParaRPr lang="en-US" i="1" dirty="0" smtClean="0"/>
+          </a:p>
+          <a:p>
+            <a:r>
+              <a:rPr lang="en-US" dirty="0" smtClean="0"/>
+              <a:t>Simulating random samples is relatively </a:t>
+            </a:r>
+            <a:r>
+              <a:rPr lang="en-US" dirty="0" smtClean="0"/>
+              <a:t>cheap</a:t>
+            </a:r>
+            <a:endParaRPr lang="en-US" dirty="0" smtClean="0"/>
+          </a:p>
+          <a:p>
+            <a:r>
+              <a:rPr lang="en-US" altLang="zh-CN" dirty="0" smtClean="0"/>
+              <a:t>Re-think the nature of computation</a:t>
+            </a:r>
+          </a:p>
+          <a:p>
+            <a:pPr lvl="1"/>
+            <a:r>
+              <a:rPr lang="en-US" altLang="zh-CN" i="1" dirty="0" smtClean="0"/>
+              <a:t>Computation vs. mathematics</a:t>
+            </a:r>
+            <a:endParaRPr lang="en-US" altLang="zh-CN" i="1" dirty="0"/>
+          </a:p>
+          <a:p>
+            <a:endParaRPr lang="en-US" altLang="zh-CN" dirty="0" smtClean="0"/>
+          </a:p>
+        </p:txBody>
+      </p:sp>
+      <p:sp>
+        <p:nvSpPr>
+          <p:cNvPr id="6" name="Rectangle 5"/>
+          <p:cNvSpPr/>
+          <p:nvPr/>
+        </p:nvSpPr>
+        <p:spPr>
+          <a:xfrm>
+            <a:off x="0" y="6451738"/>
+            <a:ext cx="963982" cy="276999"/>
+          </a:xfrm>
+          <a:prstGeom prst="rect">
+            <a:avLst/>
+          </a:prstGeom>
+        </p:spPr>
+        <p:txBody>
+          <a:bodyPr wrap="none">
+            <a:spAutoFit/>
+          </a:bodyPr>
+          <a:lstStyle/>
+          <a:p>
+            <a:r>
+              <a:rPr lang="en-US" sz="1200" dirty="0" smtClean="0">
+                <a:solidFill>
+                  <a:srgbClr val="118EB0"/>
+                </a:solidFill>
+              </a:rPr>
+              <a:t>Monte Carlo</a:t>
+            </a:r>
+            <a:endParaRPr lang="en-US" sz="1200" dirty="0">
+              <a:solidFill>
+                <a:srgbClr val="118EB0"/>
+              </a:solidFill>
+            </a:endParaRPr>
+          </a:p>
+        </p:txBody>
+      </p:sp>
+      <p:sp>
+        <p:nvSpPr>
+          <p:cNvPr id="7" name="Rectangle 6"/>
+          <p:cNvSpPr/>
+          <p:nvPr/>
+        </p:nvSpPr>
+        <p:spPr>
+          <a:xfrm>
+            <a:off x="0" y="6737478"/>
+            <a:ext cx="9144000" cy="120522"/>
+          </a:xfrm>
+          <a:prstGeom prst="rect">
+            <a:avLst/>
+          </a:prstGeom>
+          <a:solidFill>
+            <a:srgbClr val="3DBFDB"/>
+          </a:solidFill>
+          <a:ln>
+            <a:noFill/>
+          </a:ln>
+          <a:effectLst/>
+        </p:spPr>
+        <p:style>
+          <a:lnRef idx="1">
+            <a:schemeClr val="accent1"/>
+          </a:lnRef>
+          <a:fillRef idx="3">
+            <a:schemeClr val="accent1"/>
+          </a:fillRef>
+          <a:effectRef idx="2">
+            <a:schemeClr val="accent1"/>
+          </a:effectRef>
+          <a:fontRef idx="minor">
+            <a:schemeClr val="lt1"/>
+          </a:fontRef>
+        </p:style>
+        <p:txBody>
+          <a:bodyPr rtlCol="0" anchor="ctr"/>
+          <a:lstStyle/>
+          <a:p>
+            <a:pPr algn="ctr"/>
+            <a:endParaRPr lang="en-US"/>
+          </a:p>
+        </p:txBody>
+      </p:sp>
+    </p:spTree>
+    <p:extLst>
+      <p:ext uri="{BB962C8B-B14F-4D97-AF65-F5344CB8AC3E}">
+        <p14:creationId xmlns:p14="http://schemas.microsoft.com/office/powerpoint/2010/main" val="571391952"/>
+      </p:ext>
+    </p:extLst>
+  </p:cSld>
+  <p:clrMapOvr>
+    <a:masterClrMapping/>
+  </p:clrMapOvr>
+  <p:timing>
+    <p:tnLst>
+      <p:par>
+        <p:cTn id="1" dur="indefinite" restart="never" nodeType="tmRoot">
+          <p:childTnLst>
+            <p:seq concurrent="1" nextAc="seek">
+              <p:cTn id="2" dur="indefinite" nodeType="mainSeq">
+                <p:childTnLst>
+                  <p:par>
+                    <p:cTn id="3" fill="hold">
+                      <p:stCondLst>
+                        <p:cond delay="indefinite"/>
+                      </p:stCondLst>
+                      <p:childTnLst>
+                        <p:par>
+                          <p:cTn id="4" fill="hold">
+                            <p:stCondLst>
+                              <p:cond delay="0"/>
+                            </p:stCondLst>
+                            <p:childTnLst>
+                              <p:par>
+                                <p:cTn id="5" presetID="10" presetClass="entr" presetSubtype="0" fill="hold" nodeType="clickEffect">
+                                  <p:stCondLst>
+                                    <p:cond delay="0"/>
+                                  </p:stCondLst>
+                                  <p:childTnLst>
+                                    <p:set>
+                                      <p:cBhvr>
+                                        <p:cTn id="6" dur="1" fill="hold">
+                                          <p:stCondLst>
+                                            <p:cond delay="0"/>
+                                          </p:stCondLst>
+                                        </p:cTn>
+                                        <p:tgtEl>
+                                          <p:spTgt spid="5">
+                                            <p:txEl>
+                                              <p:pRg st="3" end="3"/>
+                                            </p:txEl>
+                                          </p:spTgt>
+                                        </p:tgtEl>
+                                        <p:attrNameLst>
+                                          <p:attrName>style.visibility</p:attrName>
+                                        </p:attrNameLst>
+                                      </p:cBhvr>
+                                      <p:to>
+                                        <p:strVal val="visible"/>
+                                      </p:to>
+                                    </p:set>
+                                    <p:animEffect transition="in" filter="fade">
+                                      <p:cBhvr>
+                                        <p:cTn id="7" dur="500"/>
+                                        <p:tgtEl>
+                                          <p:spTgt spid="5">
+                                            <p:txEl>
+                                              <p:pRg st="3" end="3"/>
+                                            </p:txEl>
+                                          </p:spTgt>
+                                        </p:tgtEl>
+                                      </p:cBhvr>
+                                    </p:animEffect>
+                                  </p:childTnLst>
+                                </p:cTn>
+                              </p:par>
+                              <p:par>
+                                <p:cTn id="8" presetID="10" presetClass="entr" presetSubtype="0" fill="hold" nodeType="withEffect">
+                                  <p:stCondLst>
+                                    <p:cond delay="0"/>
+                                  </p:stCondLst>
+                                  <p:childTnLst>
+                                    <p:set>
+                                      <p:cBhvr>
+                                        <p:cTn id="9" dur="1" fill="hold">
+                                          <p:stCondLst>
+                                            <p:cond delay="0"/>
+                                          </p:stCondLst>
+                                        </p:cTn>
+                                        <p:tgtEl>
+                                          <p:spTgt spid="5">
+                                            <p:txEl>
+                                              <p:pRg st="4" end="4"/>
+                                            </p:txEl>
+                                          </p:spTgt>
+                                        </p:tgtEl>
+                                        <p:attrNameLst>
+                                          <p:attrName>style.visibility</p:attrName>
+                                        </p:attrNameLst>
+                                      </p:cBhvr>
+                                      <p:to>
+                                        <p:strVal val="visible"/>
+                                      </p:to>
+                                    </p:set>
+                                    <p:animEffect transition="in" filter="fade">
+                                      <p:cBhvr>
+                                        <p:cTn id="10" dur="500"/>
+                                        <p:tgtEl>
+                                          <p:spTgt spid="5">
+                                            <p:txEl>
+                                              <p:pRg st="4" end="4"/>
+                                            </p:txEl>
+                                          </p:spTgt>
+                                        </p:tgtEl>
+                                      </p:cBhvr>
+                                    </p:animEffect>
+                                  </p:childTnLst>
+                                </p:cTn>
+                              </p:par>
+                            </p:childTnLst>
+                          </p:cTn>
+                        </p:par>
+                      </p:childTnLst>
+                    </p:cTn>
+                  </p:par>
+                </p:childTnLst>
+              </p:cTn>
+              <p:prevCondLst>
+                <p:cond evt="onPrev" delay="0">
+                  <p:tgtEl>
+                    <p:sldTgt/>
+                  </p:tgtEl>
+                </p:cond>
+              </p:prevCondLst>
+              <p:nextCondLst>
+                <p:cond evt="onNext" delay="0">
+                  <p:tgtEl>
+                    <p:sldTgt/>
+                  </p:tgtEl>
+                </p:cond>
+              </p:nextCondLst>
+            </p:seq>
+          </p:childTnLst>
+        </p:cTn>
+      </p:par>
+    </p:tnLst>
+  </p:timing>
+</p:sld>
+</file>
+
+<file path=ppt/slides/slide13.xml><?xml version="1.0" encoding="utf-8"?>
+<p:sld xmlns:a="http://schemas.openxmlformats.org/drawingml/2006/main" xmlns:r="http://schemas.openxmlformats.org/officeDocument/2006/relationships" xmlns:p="http://schemas.openxmlformats.org/presentationml/2006/main">
+  <p:cSld>
+    <p:spTree>
+      <p:nvGrpSpPr>
+        <p:cNvPr id="1" name=""/>
+        <p:cNvGrpSpPr/>
+        <p:nvPr/>
+      </p:nvGrpSpPr>
+      <p:grpSpPr>
+        <a:xfrm>
+          <a:off x="0" y="0"/>
+          <a:ext cx="0" cy="0"/>
+          <a:chOff x="0" y="0"/>
+          <a:chExt cx="0" cy="0"/>
+        </a:xfrm>
+      </p:grpSpPr>
+      <p:sp>
+        <p:nvSpPr>
+          <p:cNvPr id="4" name="Rectangle 3"/>
+          <p:cNvSpPr/>
+          <p:nvPr/>
+        </p:nvSpPr>
+        <p:spPr>
+          <a:xfrm>
+            <a:off x="0" y="-7550"/>
+            <a:ext cx="9144000" cy="1228835"/>
+          </a:xfrm>
+          <a:prstGeom prst="rect">
+            <a:avLst/>
+          </a:prstGeom>
+          <a:solidFill>
+            <a:srgbClr val="3DBFDB"/>
+          </a:solidFill>
+          <a:ln>
+            <a:noFill/>
+          </a:ln>
+          <a:effectLst/>
+        </p:spPr>
+        <p:style>
+          <a:lnRef idx="1">
+            <a:schemeClr val="accent1"/>
+          </a:lnRef>
+          <a:fillRef idx="3">
+            <a:schemeClr val="accent1"/>
+          </a:fillRef>
+          <a:effectRef idx="2">
+            <a:schemeClr val="accent1"/>
+          </a:effectRef>
+          <a:fontRef idx="minor">
+            <a:schemeClr val="lt1"/>
+          </a:fontRef>
+        </p:style>
+        <p:txBody>
+          <a:bodyPr rtlCol="0" anchor="ctr"/>
+          <a:lstStyle/>
+          <a:p>
+            <a:r>
+              <a:rPr lang="en-US" sz="4000" i="1" dirty="0"/>
+              <a:t>	</a:t>
+            </a:r>
+            <a:r>
+              <a:rPr lang="en-US" sz="4000" i="1" dirty="0" smtClean="0"/>
+              <a:t>Monte Carlo methods</a:t>
+            </a:r>
+            <a:endParaRPr lang="en-US" sz="4000" i="1" dirty="0"/>
+          </a:p>
+        </p:txBody>
+      </p:sp>
+      <p:sp>
+        <p:nvSpPr>
+          <p:cNvPr id="3" name="Oval 2"/>
+          <p:cNvSpPr/>
+          <p:nvPr/>
+        </p:nvSpPr>
+        <p:spPr>
+          <a:xfrm>
+            <a:off x="2782340" y="2249249"/>
+            <a:ext cx="3692324" cy="1273215"/>
+          </a:xfrm>
+          <a:prstGeom prst="ellipse">
+            <a:avLst/>
+          </a:prstGeom>
+        </p:spPr>
+        <p:style>
+          <a:lnRef idx="1">
+            <a:schemeClr val="accent1"/>
+          </a:lnRef>
+          <a:fillRef idx="3">
+            <a:schemeClr val="accent1"/>
+          </a:fillRef>
+          <a:effectRef idx="2">
+            <a:schemeClr val="accent1"/>
+          </a:effectRef>
+          <a:fontRef idx="minor">
+            <a:schemeClr val="lt1"/>
+          </a:fontRef>
+        </p:style>
+        <p:txBody>
+          <a:bodyPr rtlCol="0" anchor="ctr"/>
+          <a:lstStyle/>
+          <a:p>
+            <a:pPr algn="ctr"/>
+            <a:r>
+              <a:rPr lang="en-US" sz="3200" b="1" i="1" dirty="0" smtClean="0">
+                <a:solidFill>
+                  <a:srgbClr val="FFFF00"/>
+                </a:solidFill>
+              </a:rPr>
+              <a:t>Knowledge</a:t>
+            </a:r>
+            <a:endParaRPr lang="en-US" sz="3200" b="1" i="1" dirty="0">
+              <a:solidFill>
+                <a:srgbClr val="FFFF00"/>
+              </a:solidFill>
+            </a:endParaRPr>
+          </a:p>
+        </p:txBody>
+      </p:sp>
+      <p:sp>
+        <p:nvSpPr>
+          <p:cNvPr id="6" name="Rounded Rectangle 5"/>
+          <p:cNvSpPr/>
+          <p:nvPr/>
+        </p:nvSpPr>
+        <p:spPr>
+          <a:xfrm>
+            <a:off x="1354238" y="4618299"/>
+            <a:ext cx="2696901" cy="659757"/>
+          </a:xfrm>
+          <a:prstGeom prst="roundRect">
+            <a:avLst/>
+          </a:prstGeom>
+        </p:spPr>
+        <p:style>
+          <a:lnRef idx="1">
+            <a:schemeClr val="accent1"/>
+          </a:lnRef>
+          <a:fillRef idx="3">
+            <a:schemeClr val="accent1"/>
+          </a:fillRef>
+          <a:effectRef idx="2">
+            <a:schemeClr val="accent1"/>
+          </a:effectRef>
+          <a:fontRef idx="minor">
+            <a:schemeClr val="lt1"/>
+          </a:fontRef>
+        </p:style>
+        <p:txBody>
+          <a:bodyPr rtlCol="0" anchor="ctr"/>
+          <a:lstStyle/>
+          <a:p>
+            <a:pPr algn="ctr"/>
+            <a:r>
+              <a:rPr lang="en-US" sz="2800" dirty="0" smtClean="0"/>
+              <a:t>Mathematics</a:t>
+            </a:r>
+            <a:endParaRPr lang="en-US" sz="2800" dirty="0"/>
+          </a:p>
+        </p:txBody>
+      </p:sp>
+      <p:sp>
+        <p:nvSpPr>
+          <p:cNvPr id="7" name="Right Arrow 6"/>
+          <p:cNvSpPr/>
+          <p:nvPr/>
+        </p:nvSpPr>
+        <p:spPr>
+          <a:xfrm rot="19022241">
+            <a:off x="2800177" y="3766820"/>
+            <a:ext cx="1253126" cy="545491"/>
+          </a:xfrm>
+          <a:prstGeom prst="rightArrow">
+            <a:avLst/>
+          </a:prstGeom>
+          <a:noFill/>
+        </p:spPr>
+        <p:style>
+          <a:lnRef idx="1">
+            <a:schemeClr val="accent1"/>
+          </a:lnRef>
+          <a:fillRef idx="3">
+            <a:schemeClr val="accent1"/>
+          </a:fillRef>
+          <a:effectRef idx="2">
+            <a:schemeClr val="accent1"/>
+          </a:effectRef>
+          <a:fontRef idx="minor">
+            <a:schemeClr val="lt1"/>
+          </a:fontRef>
+        </p:style>
+        <p:txBody>
+          <a:bodyPr rtlCol="0" anchor="ctr"/>
+          <a:lstStyle/>
+          <a:p>
+            <a:pPr algn="ctr"/>
+            <a:endParaRPr lang="en-US"/>
+          </a:p>
+        </p:txBody>
+      </p:sp>
+      <p:sp>
+        <p:nvSpPr>
+          <p:cNvPr id="8" name="Rounded Rectangle 7"/>
+          <p:cNvSpPr/>
+          <p:nvPr/>
+        </p:nvSpPr>
+        <p:spPr>
+          <a:xfrm>
+            <a:off x="5126213" y="4618298"/>
+            <a:ext cx="2696901" cy="659757"/>
+          </a:xfrm>
+          <a:prstGeom prst="roundRect">
+            <a:avLst/>
+          </a:prstGeom>
+        </p:spPr>
+        <p:style>
+          <a:lnRef idx="1">
+            <a:schemeClr val="accent1"/>
+          </a:lnRef>
+          <a:fillRef idx="3">
+            <a:schemeClr val="accent1"/>
+          </a:fillRef>
+          <a:effectRef idx="2">
+            <a:schemeClr val="accent1"/>
+          </a:effectRef>
+          <a:fontRef idx="minor">
+            <a:schemeClr val="lt1"/>
+          </a:fontRef>
+        </p:style>
+        <p:txBody>
+          <a:bodyPr rtlCol="0" anchor="ctr"/>
+          <a:lstStyle/>
+          <a:p>
+            <a:pPr algn="ctr"/>
+            <a:r>
+              <a:rPr lang="en-US" sz="2800" b="1" i="1" dirty="0" smtClean="0"/>
+              <a:t>Computation!</a:t>
+            </a:r>
+            <a:endParaRPr lang="en-US" sz="2800" b="1" i="1" dirty="0"/>
+          </a:p>
+        </p:txBody>
+      </p:sp>
+      <p:sp>
+        <p:nvSpPr>
+          <p:cNvPr id="9" name="Right Arrow 8"/>
+          <p:cNvSpPr/>
+          <p:nvPr/>
+        </p:nvSpPr>
+        <p:spPr>
+          <a:xfrm rot="13375006">
+            <a:off x="5076380" y="3774487"/>
+            <a:ext cx="1253126" cy="545491"/>
+          </a:xfrm>
+          <a:prstGeom prst="rightArrow">
+            <a:avLst/>
+          </a:prstGeom>
+          <a:noFill/>
+        </p:spPr>
+        <p:style>
+          <a:lnRef idx="1">
+            <a:schemeClr val="accent1"/>
+          </a:lnRef>
+          <a:fillRef idx="3">
+            <a:schemeClr val="accent1"/>
+          </a:fillRef>
+          <a:effectRef idx="2">
+            <a:schemeClr val="accent1"/>
+          </a:effectRef>
+          <a:fontRef idx="minor">
+            <a:schemeClr val="lt1"/>
+          </a:fontRef>
+        </p:style>
+        <p:txBody>
+          <a:bodyPr rtlCol="0" anchor="ctr"/>
+          <a:lstStyle/>
+          <a:p>
+            <a:pPr algn="ctr"/>
+            <a:endParaRPr lang="en-US"/>
+          </a:p>
+        </p:txBody>
+      </p:sp>
+      <p:sp>
+        <p:nvSpPr>
+          <p:cNvPr id="10" name="Rectangle 9"/>
+          <p:cNvSpPr/>
+          <p:nvPr/>
+        </p:nvSpPr>
+        <p:spPr>
+          <a:xfrm>
+            <a:off x="0" y="6451738"/>
+            <a:ext cx="963982" cy="276999"/>
+          </a:xfrm>
+          <a:prstGeom prst="rect">
+            <a:avLst/>
+          </a:prstGeom>
+        </p:spPr>
+        <p:txBody>
+          <a:bodyPr wrap="none">
+            <a:spAutoFit/>
+          </a:bodyPr>
+          <a:lstStyle/>
+          <a:p>
+            <a:r>
+              <a:rPr lang="en-US" sz="1200" dirty="0" smtClean="0">
+                <a:solidFill>
+                  <a:srgbClr val="118EB0"/>
+                </a:solidFill>
+              </a:rPr>
+              <a:t>Monte Carlo</a:t>
+            </a:r>
+            <a:endParaRPr lang="en-US" sz="1200" dirty="0">
+              <a:solidFill>
+                <a:srgbClr val="118EB0"/>
+              </a:solidFill>
+            </a:endParaRPr>
+          </a:p>
+        </p:txBody>
+      </p:sp>
+      <p:sp>
+        <p:nvSpPr>
+          <p:cNvPr id="11" name="Rectangle 10"/>
+          <p:cNvSpPr/>
+          <p:nvPr/>
+        </p:nvSpPr>
+        <p:spPr>
+          <a:xfrm>
+            <a:off x="0" y="6737478"/>
+            <a:ext cx="9144000" cy="120522"/>
+          </a:xfrm>
+          <a:prstGeom prst="rect">
+            <a:avLst/>
+          </a:prstGeom>
+          <a:solidFill>
+            <a:srgbClr val="3DBFDB"/>
+          </a:solidFill>
+          <a:ln>
+            <a:noFill/>
+          </a:ln>
+          <a:effectLst/>
+        </p:spPr>
+        <p:style>
+          <a:lnRef idx="1">
+            <a:schemeClr val="accent1"/>
+          </a:lnRef>
+          <a:fillRef idx="3">
+            <a:schemeClr val="accent1"/>
+          </a:fillRef>
+          <a:effectRef idx="2">
+            <a:schemeClr val="accent1"/>
+          </a:effectRef>
+          <a:fontRef idx="minor">
+            <a:schemeClr val="lt1"/>
+          </a:fontRef>
+        </p:style>
+        <p:txBody>
+          <a:bodyPr rtlCol="0" anchor="ctr"/>
+          <a:lstStyle/>
+          <a:p>
+            <a:pPr algn="ctr"/>
+            <a:endParaRPr lang="en-US"/>
+          </a:p>
+        </p:txBody>
+      </p:sp>
+    </p:spTree>
+    <p:extLst>
+      <p:ext uri="{BB962C8B-B14F-4D97-AF65-F5344CB8AC3E}">
+        <p14:creationId xmlns:p14="http://schemas.microsoft.com/office/powerpoint/2010/main" val="523515528"/>
+      </p:ext>
+    </p:extLst>
+  </p:cSld>
+  <p:clrMapOvr>
+    <a:masterClrMapping/>
+  </p:clrMapOvr>
+  <p:timing>
+    <p:tnLst>
+      <p:par>
+        <p:cTn id="1" dur="indefinite" restart="never" nodeType="tmRoot">
+          <p:childTnLst>
+            <p:seq concurrent="1" nextAc="seek">
+              <p:cTn id="2" dur="indefinite" nodeType="mainSeq">
+                <p:childTnLst>
+                  <p:par>
+                    <p:cTn id="3" fill="hold">
+                      <p:stCondLst>
+                        <p:cond delay="indefinite"/>
+                      </p:stCondLst>
+                      <p:childTnLst>
+                        <p:par>
+                          <p:cTn id="4" fill="hold">
+                            <p:stCondLst>
+                              <p:cond delay="0"/>
+                            </p:stCondLst>
+                            <p:childTnLst>
+                              <p:par>
+                                <p:cTn id="5" presetID="2" presetClass="entr" presetSubtype="4" fill="hold" grpId="0" nodeType="clickEffect">
+                                  <p:stCondLst>
+                                    <p:cond delay="0"/>
+                                  </p:stCondLst>
+                                  <p:childTnLst>
+                                    <p:set>
+                                      <p:cBhvr>
+                                        <p:cTn id="6" dur="1" fill="hold">
+                                          <p:stCondLst>
+                                            <p:cond delay="0"/>
+                                          </p:stCondLst>
+                                        </p:cTn>
+                                        <p:tgtEl>
+                                          <p:spTgt spid="8"/>
+                                        </p:tgtEl>
+                                        <p:attrNameLst>
+                                          <p:attrName>style.visibility</p:attrName>
+                                        </p:attrNameLst>
+                                      </p:cBhvr>
+                                      <p:to>
+                                        <p:strVal val="visible"/>
+                                      </p:to>
+                                    </p:set>
+                                    <p:anim calcmode="lin" valueType="num">
+                                      <p:cBhvr additive="base">
+                                        <p:cTn id="7" dur="500" fill="hold"/>
+                                        <p:tgtEl>
+                                          <p:spTgt spid="8"/>
+                                        </p:tgtEl>
+                                        <p:attrNameLst>
+                                          <p:attrName>ppt_x</p:attrName>
+                                        </p:attrNameLst>
+                                      </p:cBhvr>
+                                      <p:tavLst>
+                                        <p:tav tm="0">
+                                          <p:val>
+                                            <p:strVal val="#ppt_x"/>
+                                          </p:val>
+                                        </p:tav>
+                                        <p:tav tm="100000">
+                                          <p:val>
+                                            <p:strVal val="#ppt_x"/>
+                                          </p:val>
+                                        </p:tav>
+                                      </p:tavLst>
+                                    </p:anim>
+                                    <p:anim calcmode="lin" valueType="num">
+                                      <p:cBhvr additive="base">
+                                        <p:cTn id="8" dur="500" fill="hold"/>
+                                        <p:tgtEl>
+                                          <p:spTgt spid="8"/>
+                                        </p:tgtEl>
+                                        <p:attrNameLst>
+                                          <p:attrName>ppt_y</p:attrName>
+                                        </p:attrNameLst>
+                                      </p:cBhvr>
+                                      <p:tavLst>
+                                        <p:tav tm="0">
+                                          <p:val>
+                                            <p:strVal val="1+#ppt_h/2"/>
+                                          </p:val>
+                                        </p:tav>
+                                        <p:tav tm="100000">
+                                          <p:val>
+                                            <p:strVal val="#ppt_y"/>
+                                          </p:val>
+                                        </p:tav>
+                                      </p:tavLst>
+                                    </p:anim>
+                                  </p:childTnLst>
+                                </p:cTn>
+                              </p:par>
+                              <p:par>
+                                <p:cTn id="9" presetID="2" presetClass="entr" presetSubtype="4" fill="hold" grpId="0" nodeType="withEffect">
+                                  <p:stCondLst>
+                                    <p:cond delay="0"/>
+                                  </p:stCondLst>
+                                  <p:childTnLst>
+                                    <p:set>
+                                      <p:cBhvr>
+                                        <p:cTn id="10" dur="1" fill="hold">
+                                          <p:stCondLst>
+                                            <p:cond delay="0"/>
+                                          </p:stCondLst>
+                                        </p:cTn>
+                                        <p:tgtEl>
+                                          <p:spTgt spid="9"/>
+                                        </p:tgtEl>
+                                        <p:attrNameLst>
+                                          <p:attrName>style.visibility</p:attrName>
+                                        </p:attrNameLst>
+                                      </p:cBhvr>
+                                      <p:to>
+                                        <p:strVal val="visible"/>
+                                      </p:to>
+                                    </p:set>
+                                    <p:anim calcmode="lin" valueType="num">
+                                      <p:cBhvr additive="base">
+                                        <p:cTn id="11" dur="500" fill="hold"/>
+                                        <p:tgtEl>
+                                          <p:spTgt spid="9"/>
+                                        </p:tgtEl>
+                                        <p:attrNameLst>
+                                          <p:attrName>ppt_x</p:attrName>
+                                        </p:attrNameLst>
+                                      </p:cBhvr>
+                                      <p:tavLst>
+                                        <p:tav tm="0">
+                                          <p:val>
+                                            <p:strVal val="#ppt_x"/>
+                                          </p:val>
+                                        </p:tav>
+                                        <p:tav tm="100000">
+                                          <p:val>
+                                            <p:strVal val="#ppt_x"/>
+                                          </p:val>
+                                        </p:tav>
+                                      </p:tavLst>
+                                    </p:anim>
+                                    <p:anim calcmode="lin" valueType="num">
+                                      <p:cBhvr additive="base">
+                                        <p:cTn id="12" dur="500" fill="hold"/>
+                                        <p:tgtEl>
+                                          <p:spTgt spid="9"/>
+                                        </p:tgtEl>
+                                        <p:attrNameLst>
+                                          <p:attrName>ppt_y</p:attrName>
+                                        </p:attrNameLst>
+                                      </p:cBhvr>
+                                      <p:tavLst>
+                                        <p:tav tm="0">
+                                          <p:val>
+                                            <p:strVal val="1+#ppt_h/2"/>
+                                          </p:val>
+                                        </p:tav>
+                                        <p:tav tm="100000">
+                                          <p:val>
+                                            <p:strVal val="#ppt_y"/>
+                                          </p:val>
+                                        </p:tav>
+                                      </p:tavLst>
+                                    </p:anim>
+                                  </p:childTnLst>
+                                </p:cTn>
+                              </p:par>
+                            </p:childTnLst>
+                          </p:cTn>
+                        </p:par>
+                      </p:childTnLst>
+                    </p:cTn>
+                  </p:par>
+                </p:childTnLst>
+              </p:cTn>
+              <p:prevCondLst>
+                <p:cond evt="onPrev" delay="0">
+                  <p:tgtEl>
+                    <p:sldTgt/>
+                  </p:tgtEl>
+                </p:cond>
+              </p:prevCondLst>
+              <p:nextCondLst>
+                <p:cond evt="onNext" delay="0">
+                  <p:tgtEl>
+                    <p:sldTgt/>
+                  </p:tgtEl>
+                </p:cond>
+              </p:nextCondLst>
+            </p:seq>
+          </p:childTnLst>
+        </p:cTn>
+      </p:par>
+    </p:tnLst>
+    <p:bldLst>
+      <p:bldP spid="8" grpId="0" animBg="1"/>
+      <p:bldP spid="9" grpId="0" animBg="1"/>
+    </p:bldLst>
+  </p:timing>
+</p:sld>
+</file>
+
+<file path=ppt/slides/slide2.xml><?xml version="1.0" encoding="utf-8"?>
+<p:sld xmlns:a="http://schemas.openxmlformats.org/drawingml/2006/main" xmlns:r="http://schemas.openxmlformats.org/officeDocument/2006/relationships" xmlns:p="http://schemas.openxmlformats.org/presentationml/2006/main">
+  <p:cSld>
+    <p:spTree>
+      <p:nvGrpSpPr>
+        <p:cNvPr id="1" name=""/>
+        <p:cNvGrpSpPr/>
+        <p:nvPr/>
+      </p:nvGrpSpPr>
+      <p:grpSpPr>
+        <a:xfrm>
+          <a:off x="0" y="0"/>
+          <a:ext cx="0" cy="0"/>
+          <a:chOff x="0" y="0"/>
+          <a:chExt cx="0" cy="0"/>
+        </a:xfrm>
+      </p:grpSpPr>
+      <p:sp>
+        <p:nvSpPr>
+          <p:cNvPr id="4" name="Rectangle 3"/>
+          <p:cNvSpPr/>
+          <p:nvPr/>
+        </p:nvSpPr>
+        <p:spPr>
+          <a:xfrm>
+            <a:off x="0" y="-7550"/>
+            <a:ext cx="9144000" cy="1228835"/>
+          </a:xfrm>
+          <a:prstGeom prst="rect">
+            <a:avLst/>
+          </a:prstGeom>
+          <a:solidFill>
+            <a:srgbClr val="3DBFDB"/>
+          </a:solidFill>
+          <a:ln>
+            <a:noFill/>
+          </a:ln>
+          <a:effectLst/>
+        </p:spPr>
+        <p:style>
+          <a:lnRef idx="1">
+            <a:schemeClr val="accent1"/>
+          </a:lnRef>
+          <a:fillRef idx="3">
+            <a:schemeClr val="accent1"/>
+          </a:fillRef>
+          <a:effectRef idx="2">
+            <a:schemeClr val="accent1"/>
+          </a:effectRef>
+          <a:fontRef idx="minor">
+            <a:schemeClr val="lt1"/>
+          </a:fontRef>
+        </p:style>
+        <p:txBody>
+          <a:bodyPr rtlCol="0" anchor="ctr"/>
+          <a:lstStyle/>
+          <a:p>
+            <a:r>
+              <a:rPr lang="en-US" sz="4000" i="1" dirty="0"/>
+              <a:t>	</a:t>
+            </a:r>
+            <a:r>
+              <a:rPr lang="en-US" sz="4000" i="1" dirty="0" smtClean="0"/>
+              <a:t>Mid-term I </a:t>
+            </a:r>
+            <a:r>
+              <a:rPr lang="en-US" sz="4000" i="1" dirty="0" smtClean="0"/>
+              <a:t>statistics (all)</a:t>
+            </a:r>
+            <a:endParaRPr lang="en-US" sz="4000" i="1" dirty="0"/>
+          </a:p>
+        </p:txBody>
+      </p:sp>
+      <p:sp>
+        <p:nvSpPr>
+          <p:cNvPr id="5" name="Rectangle 4"/>
+          <p:cNvSpPr/>
+          <p:nvPr/>
+        </p:nvSpPr>
+        <p:spPr>
+          <a:xfrm>
+            <a:off x="0" y="6737478"/>
+            <a:ext cx="9144000" cy="120522"/>
+          </a:xfrm>
+          <a:prstGeom prst="rect">
+            <a:avLst/>
+          </a:prstGeom>
+          <a:solidFill>
+            <a:srgbClr val="3DBFDB"/>
+          </a:solidFill>
+          <a:ln>
+            <a:noFill/>
+          </a:ln>
+          <a:effectLst/>
+        </p:spPr>
+        <p:style>
+          <a:lnRef idx="1">
+            <a:schemeClr val="accent1"/>
+          </a:lnRef>
+          <a:fillRef idx="3">
+            <a:schemeClr val="accent1"/>
+          </a:fillRef>
+          <a:effectRef idx="2">
+            <a:schemeClr val="accent1"/>
+          </a:effectRef>
+          <a:fontRef idx="minor">
+            <a:schemeClr val="lt1"/>
+          </a:fontRef>
+        </p:style>
+        <p:txBody>
+          <a:bodyPr rtlCol="0" anchor="ctr"/>
+          <a:lstStyle/>
+          <a:p>
+            <a:pPr algn="ctr"/>
+            <a:endParaRPr lang="en-US"/>
+          </a:p>
+        </p:txBody>
+      </p:sp>
+      <p:sp>
+        <p:nvSpPr>
+          <p:cNvPr id="7" name="TextBox 6"/>
+          <p:cNvSpPr txBox="1"/>
+          <p:nvPr/>
+        </p:nvSpPr>
+        <p:spPr>
+          <a:xfrm>
+            <a:off x="8869998" y="6453063"/>
+            <a:ext cx="262662" cy="276999"/>
+          </a:xfrm>
+          <a:prstGeom prst="rect">
+            <a:avLst/>
+          </a:prstGeom>
+          <a:noFill/>
+        </p:spPr>
+        <p:txBody>
+          <a:bodyPr wrap="none" rtlCol="0">
+            <a:spAutoFit/>
+          </a:bodyPr>
+          <a:lstStyle/>
+          <a:p>
+            <a:pPr algn="r"/>
+            <a:r>
+              <a:rPr lang="en-US" sz="1200" dirty="0" smtClean="0">
+                <a:solidFill>
+                  <a:srgbClr val="118EB0"/>
+                </a:solidFill>
+              </a:rPr>
+              <a:t>1</a:t>
+            </a:r>
+            <a:endParaRPr lang="en-US" sz="1200" dirty="0">
+              <a:solidFill>
+                <a:srgbClr val="118EB0"/>
+              </a:solidFill>
+            </a:endParaRPr>
+          </a:p>
+        </p:txBody>
+      </p:sp>
+      <p:pic>
+        <p:nvPicPr>
+          <p:cNvPr id="9" name="Picture 8"/>
+          <p:cNvPicPr>
+            <a:picLocks noChangeAspect="1"/>
+          </p:cNvPicPr>
+          <p:nvPr/>
+        </p:nvPicPr>
+        <p:blipFill>
+          <a:blip r:embed="rId2">
+            <a:extLst>
+              <a:ext uri="{28A0092B-C50C-407E-A947-70E740481C1C}">
+                <a14:useLocalDpi xmlns:a14="http://schemas.microsoft.com/office/drawing/2010/main" val="0"/>
+              </a:ext>
+            </a:extLst>
+          </a:blip>
+          <a:stretch>
+            <a:fillRect/>
+          </a:stretch>
+        </p:blipFill>
+        <p:spPr>
+          <a:xfrm>
+            <a:off x="5123925" y="1589120"/>
+            <a:ext cx="3995149" cy="2987469"/>
+          </a:xfrm>
+          <a:prstGeom prst="rect">
+            <a:avLst/>
+          </a:prstGeom>
+        </p:spPr>
+      </p:pic>
+      <p:sp>
+        <p:nvSpPr>
+          <p:cNvPr id="12" name="TextBox 11"/>
+          <p:cNvSpPr txBox="1"/>
+          <p:nvPr/>
+        </p:nvSpPr>
+        <p:spPr>
+          <a:xfrm>
+            <a:off x="6637564" y="4194725"/>
+            <a:ext cx="900055" cy="369332"/>
+          </a:xfrm>
+          <a:prstGeom prst="rect">
+            <a:avLst/>
+          </a:prstGeom>
+          <a:noFill/>
+        </p:spPr>
+        <p:txBody>
+          <a:bodyPr wrap="none" rtlCol="0">
+            <a:spAutoFit/>
+          </a:bodyPr>
+          <a:lstStyle/>
+          <a:p>
+            <a:r>
+              <a:rPr lang="en-US" smtClean="0"/>
+              <a:t>Boxplot</a:t>
+            </a:r>
+            <a:endParaRPr lang="en-US" dirty="0"/>
+          </a:p>
+        </p:txBody>
+      </p:sp>
+      <p:sp>
+        <p:nvSpPr>
+          <p:cNvPr id="13" name="TextBox 12"/>
+          <p:cNvSpPr txBox="1"/>
+          <p:nvPr/>
+        </p:nvSpPr>
+        <p:spPr>
+          <a:xfrm>
+            <a:off x="671332" y="4932010"/>
+            <a:ext cx="3225307" cy="1200329"/>
+          </a:xfrm>
+          <a:prstGeom prst="rect">
+            <a:avLst/>
+          </a:prstGeom>
+          <a:noFill/>
+        </p:spPr>
+        <p:txBody>
+          <a:bodyPr wrap="none" rtlCol="0">
+            <a:spAutoFit/>
+          </a:bodyPr>
+          <a:lstStyle/>
+          <a:p>
+            <a:r>
+              <a:rPr lang="en-US" dirty="0" smtClean="0"/>
+              <a:t>Mean: 14.5</a:t>
+            </a:r>
+          </a:p>
+          <a:p>
+            <a:r>
+              <a:rPr lang="en-US" dirty="0" smtClean="0"/>
+              <a:t>Median: 15</a:t>
+            </a:r>
+          </a:p>
+          <a:p>
+            <a:r>
+              <a:rPr lang="en-US" dirty="0" smtClean="0"/>
+              <a:t>Percentile(25, 50, 75): 12, 15, 17</a:t>
+            </a:r>
+          </a:p>
+          <a:p>
+            <a:r>
+              <a:rPr lang="en-US" dirty="0" smtClean="0"/>
+              <a:t>Highest: </a:t>
+            </a:r>
+            <a:r>
+              <a:rPr lang="en-US" b="1" dirty="0" smtClean="0">
+                <a:solidFill>
+                  <a:srgbClr val="FF0000"/>
+                </a:solidFill>
+              </a:rPr>
+              <a:t>26!</a:t>
+            </a:r>
+            <a:endParaRPr lang="en-US" b="1" dirty="0">
+              <a:solidFill>
+                <a:srgbClr val="FF0000"/>
+              </a:solidFill>
+            </a:endParaRPr>
+          </a:p>
+        </p:txBody>
+      </p:sp>
+      <p:pic>
+        <p:nvPicPr>
+          <p:cNvPr id="8" name="Picture 7"/>
+          <p:cNvPicPr>
+            <a:picLocks noChangeAspect="1"/>
+          </p:cNvPicPr>
+          <p:nvPr/>
+        </p:nvPicPr>
+        <p:blipFill rotWithShape="1">
+          <a:blip r:embed="rId3">
+            <a:extLst>
+              <a:ext uri="{28A0092B-C50C-407E-A947-70E740481C1C}">
+                <a14:useLocalDpi xmlns:a14="http://schemas.microsoft.com/office/drawing/2010/main" val="0"/>
+              </a:ext>
+            </a:extLst>
+          </a:blip>
+          <a:srcRect r="7139"/>
+          <a:stretch/>
+        </p:blipFill>
+        <p:spPr>
+          <a:xfrm>
+            <a:off x="0" y="1228702"/>
+            <a:ext cx="5266482" cy="3127110"/>
+          </a:xfrm>
+          <a:prstGeom prst="rect">
+            <a:avLst/>
+          </a:prstGeom>
+        </p:spPr>
+      </p:pic>
+      <p:sp>
+        <p:nvSpPr>
+          <p:cNvPr id="10" name="TextBox 9"/>
+          <p:cNvSpPr txBox="1"/>
+          <p:nvPr/>
+        </p:nvSpPr>
+        <p:spPr>
+          <a:xfrm>
+            <a:off x="2134284" y="4171145"/>
+            <a:ext cx="684739" cy="369332"/>
+          </a:xfrm>
+          <a:prstGeom prst="rect">
+            <a:avLst/>
+          </a:prstGeom>
+          <a:noFill/>
+        </p:spPr>
+        <p:txBody>
+          <a:bodyPr wrap="none" rtlCol="0">
+            <a:spAutoFit/>
+          </a:bodyPr>
+          <a:lstStyle/>
+          <a:p>
+            <a:r>
+              <a:rPr lang="en-US" smtClean="0"/>
+              <a:t>score</a:t>
+            </a:r>
+            <a:endParaRPr lang="en-US"/>
+          </a:p>
+        </p:txBody>
+      </p:sp>
+      <p:sp>
+        <p:nvSpPr>
+          <p:cNvPr id="11" name="TextBox 10"/>
+          <p:cNvSpPr txBox="1"/>
+          <p:nvPr/>
+        </p:nvSpPr>
+        <p:spPr>
+          <a:xfrm rot="16200000">
+            <a:off x="-5200" y="2719708"/>
+            <a:ext cx="720967" cy="369332"/>
+          </a:xfrm>
+          <a:prstGeom prst="rect">
+            <a:avLst/>
+          </a:prstGeom>
+          <a:noFill/>
+        </p:spPr>
+        <p:txBody>
+          <a:bodyPr wrap="none" rtlCol="0">
+            <a:spAutoFit/>
+          </a:bodyPr>
+          <a:lstStyle/>
+          <a:p>
+            <a:r>
+              <a:rPr lang="en-US" smtClean="0"/>
+              <a:t>count</a:t>
+            </a:r>
+            <a:endParaRPr lang="en-US"/>
+          </a:p>
+        </p:txBody>
+      </p:sp>
+    </p:spTree>
+    <p:extLst>
+      <p:ext uri="{BB962C8B-B14F-4D97-AF65-F5344CB8AC3E}">
+        <p14:creationId xmlns:p14="http://schemas.microsoft.com/office/powerpoint/2010/main" val="2501662931"/>
+      </p:ext>
+    </p:extLst>
+  </p:cSld>
+  <p:clrMapOvr>
+    <a:masterClrMapping/>
+  </p:clrMapOvr>
+  <p:timing>
+    <p:tnLst>
+      <p:par>
+        <p:cTn id="1" dur="indefinite" restart="never" nodeType="tmRoot"/>
+      </p:par>
+    </p:tnLst>
+  </p:timing>
+</p:sld>
+</file>
+
+<file path=ppt/slides/slide3.xml><?xml version="1.0" encoding="utf-8"?>
+<p:sld xmlns:a="http://schemas.openxmlformats.org/drawingml/2006/main" xmlns:r="http://schemas.openxmlformats.org/officeDocument/2006/relationships" xmlns:p="http://schemas.openxmlformats.org/presentationml/2006/main">
+  <p:cSld>
+    <p:spTree>
+      <p:nvGrpSpPr>
+        <p:cNvPr id="1" name=""/>
+        <p:cNvGrpSpPr/>
+        <p:nvPr/>
+      </p:nvGrpSpPr>
+      <p:grpSpPr>
+        <a:xfrm>
+          <a:off x="0" y="0"/>
+          <a:ext cx="0" cy="0"/>
+          <a:chOff x="0" y="0"/>
+          <a:chExt cx="0" cy="0"/>
+        </a:xfrm>
+      </p:grpSpPr>
+      <p:pic>
+        <p:nvPicPr>
+          <p:cNvPr id="2" name="Picture 1"/>
+          <p:cNvPicPr>
+            <a:picLocks noChangeAspect="1"/>
+          </p:cNvPicPr>
+          <p:nvPr/>
+        </p:nvPicPr>
+        <p:blipFill rotWithShape="1">
+          <a:blip r:embed="rId2">
+            <a:extLst>
+              <a:ext uri="{28A0092B-C50C-407E-A947-70E740481C1C}">
+                <a14:useLocalDpi xmlns:a14="http://schemas.microsoft.com/office/drawing/2010/main" val="0"/>
+              </a:ext>
+            </a:extLst>
+          </a:blip>
+          <a:srcRect l="7718" r="8341" b="4035"/>
+          <a:stretch/>
+        </p:blipFill>
+        <p:spPr>
+          <a:xfrm>
+            <a:off x="326286" y="2145572"/>
+            <a:ext cx="4853620" cy="2122822"/>
+          </a:xfrm>
+          <a:prstGeom prst="rect">
+            <a:avLst/>
+          </a:prstGeom>
+        </p:spPr>
+      </p:pic>
+      <p:pic>
+        <p:nvPicPr>
+          <p:cNvPr id="3" name="Picture 2"/>
+          <p:cNvPicPr>
+            <a:picLocks noChangeAspect="1"/>
+          </p:cNvPicPr>
+          <p:nvPr/>
+        </p:nvPicPr>
+        <p:blipFill>
+          <a:blip r:embed="rId3">
+            <a:extLst>
+              <a:ext uri="{28A0092B-C50C-407E-A947-70E740481C1C}">
+                <a14:useLocalDpi xmlns:a14="http://schemas.microsoft.com/office/drawing/2010/main" val="0"/>
+              </a:ext>
+            </a:extLst>
+          </a:blip>
+          <a:stretch>
+            <a:fillRect/>
+          </a:stretch>
+        </p:blipFill>
+        <p:spPr>
+          <a:xfrm>
+            <a:off x="5122264" y="1565186"/>
+            <a:ext cx="4010396" cy="2998871"/>
+          </a:xfrm>
+          <a:prstGeom prst="rect">
+            <a:avLst/>
+          </a:prstGeom>
+        </p:spPr>
+      </p:pic>
+      <p:sp>
+        <p:nvSpPr>
+          <p:cNvPr id="4" name="Rectangle 3"/>
+          <p:cNvSpPr/>
+          <p:nvPr/>
+        </p:nvSpPr>
+        <p:spPr>
+          <a:xfrm>
+            <a:off x="0" y="-7550"/>
+            <a:ext cx="9144000" cy="1228835"/>
+          </a:xfrm>
+          <a:prstGeom prst="rect">
+            <a:avLst/>
+          </a:prstGeom>
+          <a:solidFill>
+            <a:srgbClr val="3DBFDB"/>
+          </a:solidFill>
+          <a:ln>
+            <a:noFill/>
+          </a:ln>
+          <a:effectLst/>
+        </p:spPr>
+        <p:style>
+          <a:lnRef idx="1">
+            <a:schemeClr val="accent1"/>
+          </a:lnRef>
+          <a:fillRef idx="3">
+            <a:schemeClr val="accent1"/>
+          </a:fillRef>
+          <a:effectRef idx="2">
+            <a:schemeClr val="accent1"/>
+          </a:effectRef>
+          <a:fontRef idx="minor">
+            <a:schemeClr val="lt1"/>
+          </a:fontRef>
+        </p:style>
+        <p:txBody>
+          <a:bodyPr rtlCol="0" anchor="ctr"/>
+          <a:lstStyle/>
+          <a:p>
+            <a:r>
+              <a:rPr lang="en-US" sz="4000" i="1" dirty="0"/>
+              <a:t>	</a:t>
+            </a:r>
+            <a:r>
+              <a:rPr lang="en-US" sz="4000" i="1" dirty="0" smtClean="0"/>
+              <a:t>Mid-term I </a:t>
+            </a:r>
+            <a:r>
+              <a:rPr lang="en-US" sz="4000" i="1" dirty="0" smtClean="0"/>
+              <a:t>statistics (session A)</a:t>
+            </a:r>
+            <a:endParaRPr lang="en-US" sz="4000" i="1" dirty="0"/>
+          </a:p>
+        </p:txBody>
+      </p:sp>
+      <p:sp>
+        <p:nvSpPr>
+          <p:cNvPr id="5" name="Rectangle 4"/>
+          <p:cNvSpPr/>
+          <p:nvPr/>
+        </p:nvSpPr>
+        <p:spPr>
+          <a:xfrm>
+            <a:off x="0" y="6737478"/>
+            <a:ext cx="9144000" cy="120522"/>
+          </a:xfrm>
+          <a:prstGeom prst="rect">
+            <a:avLst/>
+          </a:prstGeom>
+          <a:solidFill>
+            <a:srgbClr val="3DBFDB"/>
+          </a:solidFill>
+          <a:ln>
+            <a:noFill/>
+          </a:ln>
+          <a:effectLst/>
+        </p:spPr>
+        <p:style>
+          <a:lnRef idx="1">
+            <a:schemeClr val="accent1"/>
+          </a:lnRef>
+          <a:fillRef idx="3">
+            <a:schemeClr val="accent1"/>
+          </a:fillRef>
+          <a:effectRef idx="2">
+            <a:schemeClr val="accent1"/>
+          </a:effectRef>
+          <a:fontRef idx="minor">
+            <a:schemeClr val="lt1"/>
+          </a:fontRef>
+        </p:style>
+        <p:txBody>
+          <a:bodyPr rtlCol="0" anchor="ctr"/>
+          <a:lstStyle/>
+          <a:p>
+            <a:pPr algn="ctr"/>
+            <a:endParaRPr lang="en-US"/>
+          </a:p>
+        </p:txBody>
+      </p:sp>
+      <p:sp>
+        <p:nvSpPr>
+          <p:cNvPr id="7" name="TextBox 6"/>
+          <p:cNvSpPr txBox="1"/>
+          <p:nvPr/>
+        </p:nvSpPr>
+        <p:spPr>
+          <a:xfrm>
+            <a:off x="8869998" y="6453063"/>
+            <a:ext cx="262662" cy="276999"/>
+          </a:xfrm>
+          <a:prstGeom prst="rect">
+            <a:avLst/>
+          </a:prstGeom>
+          <a:noFill/>
+        </p:spPr>
+        <p:txBody>
+          <a:bodyPr wrap="none" rtlCol="0">
+            <a:spAutoFit/>
+          </a:bodyPr>
+          <a:lstStyle/>
+          <a:p>
+            <a:pPr algn="r"/>
+            <a:r>
+              <a:rPr lang="en-US" sz="1200" dirty="0" smtClean="0">
+                <a:solidFill>
+                  <a:srgbClr val="118EB0"/>
+                </a:solidFill>
+              </a:rPr>
+              <a:t>1</a:t>
+            </a:r>
+            <a:endParaRPr lang="en-US" sz="1200" dirty="0">
+              <a:solidFill>
+                <a:srgbClr val="118EB0"/>
+              </a:solidFill>
+            </a:endParaRPr>
+          </a:p>
+        </p:txBody>
+      </p:sp>
+      <p:sp>
+        <p:nvSpPr>
+          <p:cNvPr id="10" name="TextBox 9"/>
+          <p:cNvSpPr txBox="1"/>
+          <p:nvPr/>
+        </p:nvSpPr>
+        <p:spPr>
+          <a:xfrm>
+            <a:off x="2134284" y="4171145"/>
+            <a:ext cx="684739" cy="369332"/>
+          </a:xfrm>
+          <a:prstGeom prst="rect">
+            <a:avLst/>
+          </a:prstGeom>
+          <a:noFill/>
+        </p:spPr>
+        <p:txBody>
+          <a:bodyPr wrap="none" rtlCol="0">
+            <a:spAutoFit/>
+          </a:bodyPr>
+          <a:lstStyle/>
+          <a:p>
+            <a:r>
+              <a:rPr lang="en-US" smtClean="0"/>
+              <a:t>score</a:t>
+            </a:r>
+            <a:endParaRPr lang="en-US"/>
+          </a:p>
+        </p:txBody>
+      </p:sp>
+      <p:sp>
+        <p:nvSpPr>
+          <p:cNvPr id="11" name="TextBox 10"/>
+          <p:cNvSpPr txBox="1"/>
+          <p:nvPr/>
+        </p:nvSpPr>
+        <p:spPr>
+          <a:xfrm rot="16200000">
+            <a:off x="-5200" y="2719708"/>
+            <a:ext cx="720967" cy="369332"/>
+          </a:xfrm>
+          <a:prstGeom prst="rect">
+            <a:avLst/>
+          </a:prstGeom>
+          <a:noFill/>
+        </p:spPr>
+        <p:txBody>
+          <a:bodyPr wrap="none" rtlCol="0">
+            <a:spAutoFit/>
+          </a:bodyPr>
+          <a:lstStyle/>
+          <a:p>
+            <a:r>
+              <a:rPr lang="en-US" smtClean="0"/>
+              <a:t>count</a:t>
+            </a:r>
+            <a:endParaRPr lang="en-US"/>
+          </a:p>
+        </p:txBody>
+      </p:sp>
+      <p:sp>
+        <p:nvSpPr>
+          <p:cNvPr id="12" name="TextBox 11"/>
+          <p:cNvSpPr txBox="1"/>
+          <p:nvPr/>
+        </p:nvSpPr>
+        <p:spPr>
+          <a:xfrm>
+            <a:off x="6637564" y="4194725"/>
+            <a:ext cx="900055" cy="369332"/>
+          </a:xfrm>
+          <a:prstGeom prst="rect">
+            <a:avLst/>
+          </a:prstGeom>
+          <a:noFill/>
+        </p:spPr>
+        <p:txBody>
+          <a:bodyPr wrap="none" rtlCol="0">
+            <a:spAutoFit/>
+          </a:bodyPr>
+          <a:lstStyle/>
+          <a:p>
+            <a:r>
+              <a:rPr lang="en-US" smtClean="0"/>
+              <a:t>Boxplot</a:t>
+            </a:r>
+            <a:endParaRPr lang="en-US" dirty="0"/>
+          </a:p>
+        </p:txBody>
+      </p:sp>
+      <p:sp>
+        <p:nvSpPr>
+          <p:cNvPr id="13" name="TextBox 12"/>
+          <p:cNvSpPr txBox="1"/>
+          <p:nvPr/>
+        </p:nvSpPr>
+        <p:spPr>
+          <a:xfrm>
+            <a:off x="671332" y="4932010"/>
+            <a:ext cx="3225307" cy="1200329"/>
+          </a:xfrm>
+          <a:prstGeom prst="rect">
+            <a:avLst/>
+          </a:prstGeom>
+          <a:noFill/>
+        </p:spPr>
+        <p:txBody>
+          <a:bodyPr wrap="none" rtlCol="0">
+            <a:spAutoFit/>
+          </a:bodyPr>
+          <a:lstStyle/>
+          <a:p>
+            <a:r>
+              <a:rPr lang="en-US" dirty="0" smtClean="0"/>
+              <a:t>Mean: 13.9</a:t>
+            </a:r>
+          </a:p>
+          <a:p>
+            <a:r>
+              <a:rPr lang="en-US" dirty="0" smtClean="0"/>
+              <a:t>Median: 14</a:t>
+            </a:r>
+          </a:p>
+          <a:p>
+            <a:r>
+              <a:rPr lang="en-US" dirty="0" smtClean="0"/>
+              <a:t>Percentile(25, 50, 75): 11, 14, 16</a:t>
+            </a:r>
+          </a:p>
+          <a:p>
+            <a:r>
+              <a:rPr lang="en-US" dirty="0" smtClean="0"/>
+              <a:t>Highest: </a:t>
+            </a:r>
+            <a:r>
+              <a:rPr lang="en-US" b="1" dirty="0" smtClean="0">
+                <a:solidFill>
+                  <a:srgbClr val="FF0000"/>
+                </a:solidFill>
+              </a:rPr>
+              <a:t>26!</a:t>
+            </a:r>
+            <a:endParaRPr lang="en-US" b="1" dirty="0">
+              <a:solidFill>
+                <a:srgbClr val="FF0000"/>
+              </a:solidFill>
+            </a:endParaRPr>
+          </a:p>
+        </p:txBody>
+      </p:sp>
+    </p:spTree>
+    <p:extLst>
+      <p:ext uri="{BB962C8B-B14F-4D97-AF65-F5344CB8AC3E}">
+        <p14:creationId xmlns:p14="http://schemas.microsoft.com/office/powerpoint/2010/main" val="746145085"/>
+      </p:ext>
+    </p:extLst>
+  </p:cSld>
+  <p:clrMapOvr>
+    <a:masterClrMapping/>
+  </p:clrMapOvr>
+  <p:timing>
+    <p:tnLst>
+      <p:par>
+        <p:cTn id="1" dur="indefinite" restart="never" nodeType="tmRoot"/>
+      </p:par>
+    </p:tnLst>
+  </p:timing>
+</p:sld>
+</file>
+
+<file path=ppt/slides/slide4.xml><?xml version="1.0" encoding="utf-8"?>
+<p:sld xmlns:a="http://schemas.openxmlformats.org/drawingml/2006/main" xmlns:r="http://schemas.openxmlformats.org/officeDocument/2006/relationships" xmlns:p="http://schemas.openxmlformats.org/presentationml/2006/main">
+  <p:cSld>
+    <p:spTree>
+      <p:nvGrpSpPr>
+        <p:cNvPr id="1" name=""/>
+        <p:cNvGrpSpPr/>
+        <p:nvPr/>
+      </p:nvGrpSpPr>
+      <p:grpSpPr>
+        <a:xfrm>
+          <a:off x="0" y="0"/>
+          <a:ext cx="0" cy="0"/>
+          <a:chOff x="0" y="0"/>
+          <a:chExt cx="0" cy="0"/>
+        </a:xfrm>
+      </p:grpSpPr>
+      <p:pic>
+        <p:nvPicPr>
+          <p:cNvPr id="2" name="Picture 1"/>
+          <p:cNvPicPr>
+            <a:picLocks noChangeAspect="1"/>
+          </p:cNvPicPr>
+          <p:nvPr/>
+        </p:nvPicPr>
+        <p:blipFill rotWithShape="1">
+          <a:blip r:embed="rId2">
+            <a:extLst>
+              <a:ext uri="{28A0092B-C50C-407E-A947-70E740481C1C}">
+                <a14:useLocalDpi xmlns:a14="http://schemas.microsoft.com/office/drawing/2010/main" val="0"/>
+              </a:ext>
+            </a:extLst>
+          </a:blip>
+          <a:srcRect l="10025" t="19826"/>
+          <a:stretch/>
+        </p:blipFill>
+        <p:spPr>
+          <a:xfrm>
+            <a:off x="439837" y="1354237"/>
+            <a:ext cx="5625297" cy="3186239"/>
+          </a:xfrm>
+          <a:prstGeom prst="rect">
+            <a:avLst/>
+          </a:prstGeom>
+        </p:spPr>
+      </p:pic>
+      <p:pic>
+        <p:nvPicPr>
+          <p:cNvPr id="3" name="Picture 2"/>
+          <p:cNvPicPr>
+            <a:picLocks noChangeAspect="1"/>
+          </p:cNvPicPr>
+          <p:nvPr/>
+        </p:nvPicPr>
+        <p:blipFill rotWithShape="1">
+          <a:blip r:embed="rId3">
+            <a:extLst>
+              <a:ext uri="{28A0092B-C50C-407E-A947-70E740481C1C}">
+                <a14:useLocalDpi xmlns:a14="http://schemas.microsoft.com/office/drawing/2010/main" val="0"/>
+              </a:ext>
+            </a:extLst>
+          </a:blip>
+          <a:srcRect l="9241" t="4474" r="6231" b="9098"/>
+          <a:stretch/>
+        </p:blipFill>
+        <p:spPr>
+          <a:xfrm>
+            <a:off x="5495860" y="1703744"/>
+            <a:ext cx="3374138" cy="2579823"/>
+          </a:xfrm>
+          <a:prstGeom prst="rect">
+            <a:avLst/>
+          </a:prstGeom>
+        </p:spPr>
+      </p:pic>
+      <p:sp>
+        <p:nvSpPr>
+          <p:cNvPr id="4" name="Rectangle 3"/>
+          <p:cNvSpPr/>
+          <p:nvPr/>
+        </p:nvSpPr>
+        <p:spPr>
+          <a:xfrm>
+            <a:off x="0" y="-7550"/>
+            <a:ext cx="9144000" cy="1228835"/>
+          </a:xfrm>
+          <a:prstGeom prst="rect">
+            <a:avLst/>
+          </a:prstGeom>
+          <a:solidFill>
+            <a:srgbClr val="3DBFDB"/>
+          </a:solidFill>
+          <a:ln>
+            <a:noFill/>
+          </a:ln>
+          <a:effectLst/>
+        </p:spPr>
+        <p:style>
+          <a:lnRef idx="1">
+            <a:schemeClr val="accent1"/>
+          </a:lnRef>
+          <a:fillRef idx="3">
+            <a:schemeClr val="accent1"/>
+          </a:fillRef>
+          <a:effectRef idx="2">
+            <a:schemeClr val="accent1"/>
+          </a:effectRef>
+          <a:fontRef idx="minor">
+            <a:schemeClr val="lt1"/>
+          </a:fontRef>
+        </p:style>
+        <p:txBody>
+          <a:bodyPr rtlCol="0" anchor="ctr"/>
+          <a:lstStyle/>
+          <a:p>
+            <a:r>
+              <a:rPr lang="en-US" sz="4000" i="1" dirty="0"/>
+              <a:t>	</a:t>
+            </a:r>
+            <a:r>
+              <a:rPr lang="en-US" sz="4000" i="1" dirty="0" smtClean="0"/>
+              <a:t>Mid-term I </a:t>
+            </a:r>
+            <a:r>
+              <a:rPr lang="en-US" sz="4000" i="1" dirty="0" smtClean="0"/>
+              <a:t>statistics (session B)</a:t>
+            </a:r>
+            <a:endParaRPr lang="en-US" sz="4000" i="1" dirty="0"/>
+          </a:p>
+        </p:txBody>
+      </p:sp>
+      <p:sp>
+        <p:nvSpPr>
+          <p:cNvPr id="5" name="Rectangle 4"/>
+          <p:cNvSpPr/>
+          <p:nvPr/>
+        </p:nvSpPr>
+        <p:spPr>
+          <a:xfrm>
+            <a:off x="0" y="6737478"/>
+            <a:ext cx="9144000" cy="120522"/>
+          </a:xfrm>
+          <a:prstGeom prst="rect">
+            <a:avLst/>
+          </a:prstGeom>
+          <a:solidFill>
+            <a:srgbClr val="3DBFDB"/>
+          </a:solidFill>
+          <a:ln>
+            <a:noFill/>
+          </a:ln>
+          <a:effectLst/>
+        </p:spPr>
+        <p:style>
+          <a:lnRef idx="1">
+            <a:schemeClr val="accent1"/>
+          </a:lnRef>
+          <a:fillRef idx="3">
+            <a:schemeClr val="accent1"/>
+          </a:fillRef>
+          <a:effectRef idx="2">
+            <a:schemeClr val="accent1"/>
+          </a:effectRef>
+          <a:fontRef idx="minor">
+            <a:schemeClr val="lt1"/>
+          </a:fontRef>
+        </p:style>
+        <p:txBody>
+          <a:bodyPr rtlCol="0" anchor="ctr"/>
+          <a:lstStyle/>
+          <a:p>
+            <a:pPr algn="ctr"/>
+            <a:endParaRPr lang="en-US"/>
+          </a:p>
+        </p:txBody>
+      </p:sp>
+      <p:sp>
+        <p:nvSpPr>
+          <p:cNvPr id="7" name="TextBox 6"/>
+          <p:cNvSpPr txBox="1"/>
+          <p:nvPr/>
+        </p:nvSpPr>
+        <p:spPr>
+          <a:xfrm>
+            <a:off x="8869998" y="6453063"/>
+            <a:ext cx="262662" cy="276999"/>
+          </a:xfrm>
+          <a:prstGeom prst="rect">
+            <a:avLst/>
+          </a:prstGeom>
+          <a:noFill/>
+        </p:spPr>
+        <p:txBody>
+          <a:bodyPr wrap="none" rtlCol="0">
+            <a:spAutoFit/>
+          </a:bodyPr>
+          <a:lstStyle/>
+          <a:p>
+            <a:pPr algn="r"/>
+            <a:r>
+              <a:rPr lang="en-US" sz="1200" dirty="0" smtClean="0">
+                <a:solidFill>
+                  <a:srgbClr val="118EB0"/>
+                </a:solidFill>
+              </a:rPr>
+              <a:t>1</a:t>
+            </a:r>
+            <a:endParaRPr lang="en-US" sz="1200" dirty="0">
+              <a:solidFill>
+                <a:srgbClr val="118EB0"/>
+              </a:solidFill>
+            </a:endParaRPr>
+          </a:p>
+        </p:txBody>
+      </p:sp>
+      <p:sp>
+        <p:nvSpPr>
+          <p:cNvPr id="10" name="TextBox 9"/>
+          <p:cNvSpPr txBox="1"/>
+          <p:nvPr/>
+        </p:nvSpPr>
+        <p:spPr>
+          <a:xfrm>
+            <a:off x="2134284" y="4171145"/>
+            <a:ext cx="684739" cy="369332"/>
+          </a:xfrm>
+          <a:prstGeom prst="rect">
+            <a:avLst/>
+          </a:prstGeom>
+          <a:noFill/>
+        </p:spPr>
+        <p:txBody>
+          <a:bodyPr wrap="none" rtlCol="0">
+            <a:spAutoFit/>
+          </a:bodyPr>
+          <a:lstStyle/>
+          <a:p>
+            <a:r>
+              <a:rPr lang="en-US" smtClean="0"/>
+              <a:t>score</a:t>
+            </a:r>
+            <a:endParaRPr lang="en-US"/>
+          </a:p>
+        </p:txBody>
+      </p:sp>
+      <p:sp>
+        <p:nvSpPr>
+          <p:cNvPr id="11" name="TextBox 10"/>
+          <p:cNvSpPr txBox="1"/>
+          <p:nvPr/>
+        </p:nvSpPr>
+        <p:spPr>
+          <a:xfrm rot="16200000">
+            <a:off x="-5200" y="2719708"/>
+            <a:ext cx="720967" cy="369332"/>
+          </a:xfrm>
+          <a:prstGeom prst="rect">
+            <a:avLst/>
+          </a:prstGeom>
+          <a:noFill/>
+        </p:spPr>
+        <p:txBody>
+          <a:bodyPr wrap="none" rtlCol="0">
+            <a:spAutoFit/>
+          </a:bodyPr>
+          <a:lstStyle/>
+          <a:p>
+            <a:r>
+              <a:rPr lang="en-US" smtClean="0"/>
+              <a:t>count</a:t>
+            </a:r>
+            <a:endParaRPr lang="en-US"/>
+          </a:p>
+        </p:txBody>
+      </p:sp>
+      <p:sp>
+        <p:nvSpPr>
+          <p:cNvPr id="12" name="TextBox 11"/>
+          <p:cNvSpPr txBox="1"/>
+          <p:nvPr/>
+        </p:nvSpPr>
+        <p:spPr>
+          <a:xfrm>
+            <a:off x="6637564" y="4194725"/>
+            <a:ext cx="900055" cy="369332"/>
+          </a:xfrm>
+          <a:prstGeom prst="rect">
+            <a:avLst/>
+          </a:prstGeom>
+          <a:noFill/>
+        </p:spPr>
+        <p:txBody>
+          <a:bodyPr wrap="none" rtlCol="0">
+            <a:spAutoFit/>
+          </a:bodyPr>
+          <a:lstStyle/>
+          <a:p>
+            <a:r>
+              <a:rPr lang="en-US" smtClean="0"/>
+              <a:t>Boxplot</a:t>
+            </a:r>
+            <a:endParaRPr lang="en-US" dirty="0"/>
+          </a:p>
+        </p:txBody>
+      </p:sp>
+      <p:sp>
+        <p:nvSpPr>
+          <p:cNvPr id="13" name="TextBox 12"/>
+          <p:cNvSpPr txBox="1"/>
+          <p:nvPr/>
+        </p:nvSpPr>
+        <p:spPr>
+          <a:xfrm>
+            <a:off x="671332" y="4932010"/>
+            <a:ext cx="3225307" cy="1200329"/>
+          </a:xfrm>
+          <a:prstGeom prst="rect">
+            <a:avLst/>
+          </a:prstGeom>
+          <a:noFill/>
+        </p:spPr>
+        <p:txBody>
+          <a:bodyPr wrap="none" rtlCol="0">
+            <a:spAutoFit/>
+          </a:bodyPr>
+          <a:lstStyle/>
+          <a:p>
+            <a:r>
+              <a:rPr lang="en-US" dirty="0" smtClean="0"/>
+              <a:t>Mean: 15.0</a:t>
+            </a:r>
+          </a:p>
+          <a:p>
+            <a:r>
+              <a:rPr lang="en-US" dirty="0" smtClean="0"/>
+              <a:t>Median: 15</a:t>
+            </a:r>
+          </a:p>
+          <a:p>
+            <a:r>
+              <a:rPr lang="en-US" dirty="0" smtClean="0"/>
+              <a:t>Percentile(25, 50, 75): 13, 15, 17</a:t>
+            </a:r>
+          </a:p>
+          <a:p>
+            <a:r>
+              <a:rPr lang="en-US" dirty="0" smtClean="0"/>
+              <a:t>Highest: </a:t>
+            </a:r>
+            <a:r>
+              <a:rPr lang="en-US" b="1" dirty="0" smtClean="0">
+                <a:solidFill>
+                  <a:srgbClr val="FF0000"/>
+                </a:solidFill>
+              </a:rPr>
+              <a:t>24</a:t>
+            </a:r>
+            <a:endParaRPr lang="en-US" b="1" dirty="0">
+              <a:solidFill>
+                <a:srgbClr val="FF0000"/>
+              </a:solidFill>
+            </a:endParaRPr>
+          </a:p>
+        </p:txBody>
+      </p:sp>
+    </p:spTree>
+    <p:extLst>
+      <p:ext uri="{BB962C8B-B14F-4D97-AF65-F5344CB8AC3E}">
+        <p14:creationId xmlns:p14="http://schemas.microsoft.com/office/powerpoint/2010/main" val="1842272471"/>
+      </p:ext>
+    </p:extLst>
+  </p:cSld>
+  <p:clrMapOvr>
+    <a:masterClrMapping/>
+  </p:clrMapOvr>
+  <p:timing>
+    <p:tnLst>
+      <p:par>
+        <p:cTn id="1" dur="indefinite" restart="never" nodeType="tmRoot"/>
+      </p:par>
+    </p:tnLst>
+  </p:timing>
+</p:sld>
+</file>
+
+<file path=ppt/slides/slide5.xml><?xml version="1.0" encoding="utf-8"?>
+<p:sld xmlns:a="http://schemas.openxmlformats.org/drawingml/2006/main" xmlns:r="http://schemas.openxmlformats.org/officeDocument/2006/relationships" xmlns:p="http://schemas.openxmlformats.org/presentationml/2006/main">
+  <p:cSld>
+    <p:spTree>
+      <p:nvGrpSpPr>
+        <p:cNvPr id="1" name=""/>
+        <p:cNvGrpSpPr/>
+        <p:nvPr/>
+      </p:nvGrpSpPr>
+      <p:grpSpPr>
+        <a:xfrm>
+          <a:off x="0" y="0"/>
+          <a:ext cx="0" cy="0"/>
+          <a:chOff x="0" y="0"/>
+          <a:chExt cx="0" cy="0"/>
+        </a:xfrm>
+      </p:grpSpPr>
+      <p:sp>
+        <p:nvSpPr>
+          <p:cNvPr id="3" name="Content Placeholder 2"/>
+          <p:cNvSpPr>
+            <a:spLocks noGrp="1"/>
+          </p:cNvSpPr>
+          <p:nvPr>
+            <p:ph idx="1"/>
+          </p:nvPr>
+        </p:nvSpPr>
+        <p:spPr>
+          <a:xfrm>
+            <a:off x="457200" y="1600201"/>
+            <a:ext cx="8675460" cy="4525963"/>
+          </a:xfrm>
+        </p:spPr>
+        <p:txBody>
+          <a:bodyPr/>
+          <a:lstStyle/>
+          <a:p>
+            <a:r>
+              <a:rPr lang="en-US" dirty="0" smtClean="0"/>
+              <a:t>Predict the number of people </a:t>
+            </a:r>
+            <a:r>
+              <a:rPr lang="en-US" dirty="0"/>
+              <a:t>taking Western/Chinese </a:t>
+            </a:r>
+            <a:r>
+              <a:rPr lang="en-US" dirty="0" smtClean="0"/>
+              <a:t>food in a month</a:t>
+            </a:r>
+            <a:endParaRPr lang="en-US" dirty="0"/>
+          </a:p>
+          <a:p>
+            <a:pPr lvl="1"/>
+            <a:r>
+              <a:rPr lang="en-US" dirty="0" smtClean="0"/>
+              <a:t>Write a python script to simulate it!</a:t>
+            </a:r>
+          </a:p>
+          <a:p>
+            <a:pPr lvl="1"/>
+            <a:r>
+              <a:rPr lang="en-US" dirty="0" smtClean="0"/>
+              <a:t>No complicated mathematics</a:t>
+            </a:r>
+          </a:p>
+        </p:txBody>
+      </p:sp>
+      <p:sp>
+        <p:nvSpPr>
+          <p:cNvPr id="4" name="Rectangle 3"/>
+          <p:cNvSpPr/>
+          <p:nvPr/>
+        </p:nvSpPr>
+        <p:spPr>
+          <a:xfrm>
+            <a:off x="0" y="-7550"/>
+            <a:ext cx="9144000" cy="1228835"/>
+          </a:xfrm>
+          <a:prstGeom prst="rect">
+            <a:avLst/>
+          </a:prstGeom>
+          <a:solidFill>
+            <a:srgbClr val="3DBFDB"/>
+          </a:solidFill>
+          <a:ln>
+            <a:noFill/>
+          </a:ln>
+          <a:effectLst/>
+        </p:spPr>
+        <p:style>
+          <a:lnRef idx="1">
+            <a:schemeClr val="accent1"/>
+          </a:lnRef>
+          <a:fillRef idx="3">
+            <a:schemeClr val="accent1"/>
+          </a:fillRef>
+          <a:effectRef idx="2">
+            <a:schemeClr val="accent1"/>
+          </a:effectRef>
+          <a:fontRef idx="minor">
+            <a:schemeClr val="lt1"/>
+          </a:fontRef>
+        </p:style>
+        <p:txBody>
+          <a:bodyPr rtlCol="0" anchor="ctr"/>
+          <a:lstStyle/>
+          <a:p>
+            <a:r>
+              <a:rPr lang="en-US" sz="4000" i="1" dirty="0"/>
+              <a:t>	</a:t>
+            </a:r>
+            <a:r>
+              <a:rPr lang="en-US" sz="4000" i="1" dirty="0" smtClean="0"/>
+              <a:t>Finding solution </a:t>
+            </a:r>
+            <a:r>
+              <a:rPr lang="en-US" sz="4000" i="1" dirty="0"/>
+              <a:t>by </a:t>
+            </a:r>
+            <a:r>
+              <a:rPr lang="en-US" sz="4000" i="1" dirty="0" smtClean="0"/>
+              <a:t>Simulation</a:t>
+            </a:r>
+            <a:endParaRPr lang="en-US" sz="4000" i="1" dirty="0"/>
+          </a:p>
+        </p:txBody>
+      </p:sp>
+      <p:sp>
+        <p:nvSpPr>
+          <p:cNvPr id="5" name="Rectangle 4"/>
+          <p:cNvSpPr/>
+          <p:nvPr/>
+        </p:nvSpPr>
+        <p:spPr>
+          <a:xfrm>
+            <a:off x="0" y="6737478"/>
+            <a:ext cx="9144000" cy="120522"/>
+          </a:xfrm>
+          <a:prstGeom prst="rect">
+            <a:avLst/>
+          </a:prstGeom>
+          <a:solidFill>
+            <a:srgbClr val="3DBFDB"/>
+          </a:solidFill>
+          <a:ln>
+            <a:noFill/>
+          </a:ln>
+          <a:effectLst/>
+        </p:spPr>
+        <p:style>
+          <a:lnRef idx="1">
+            <a:schemeClr val="accent1"/>
+          </a:lnRef>
+          <a:fillRef idx="3">
+            <a:schemeClr val="accent1"/>
+          </a:fillRef>
+          <a:effectRef idx="2">
+            <a:schemeClr val="accent1"/>
+          </a:effectRef>
+          <a:fontRef idx="minor">
+            <a:schemeClr val="lt1"/>
+          </a:fontRef>
+        </p:style>
+        <p:txBody>
+          <a:bodyPr rtlCol="0" anchor="ctr"/>
+          <a:lstStyle/>
+          <a:p>
+            <a:pPr algn="ctr"/>
+            <a:endParaRPr lang="en-US"/>
+          </a:p>
+        </p:txBody>
+      </p:sp>
+      <p:sp>
+        <p:nvSpPr>
+          <p:cNvPr id="7" name="TextBox 6"/>
+          <p:cNvSpPr txBox="1"/>
+          <p:nvPr/>
+        </p:nvSpPr>
+        <p:spPr>
+          <a:xfrm>
+            <a:off x="8869998" y="6453063"/>
+            <a:ext cx="262662" cy="276999"/>
+          </a:xfrm>
+          <a:prstGeom prst="rect">
+            <a:avLst/>
+          </a:prstGeom>
+          <a:noFill/>
+        </p:spPr>
+        <p:txBody>
+          <a:bodyPr wrap="none" rtlCol="0">
+            <a:spAutoFit/>
+          </a:bodyPr>
+          <a:lstStyle/>
+          <a:p>
+            <a:pPr algn="r"/>
+            <a:r>
+              <a:rPr lang="en-US" sz="1200" dirty="0" smtClean="0">
+                <a:solidFill>
+                  <a:srgbClr val="118EB0"/>
+                </a:solidFill>
+              </a:rPr>
+              <a:t>1</a:t>
+            </a:r>
+            <a:endParaRPr lang="en-US" sz="1200" dirty="0">
+              <a:solidFill>
+                <a:srgbClr val="118EB0"/>
+              </a:solidFill>
+            </a:endParaRPr>
+          </a:p>
+        </p:txBody>
+      </p:sp>
+    </p:spTree>
+    <p:extLst>
+      <p:ext uri="{BB962C8B-B14F-4D97-AF65-F5344CB8AC3E}">
+        <p14:creationId xmlns:p14="http://schemas.microsoft.com/office/powerpoint/2010/main" val="1515995902"/>
+      </p:ext>
+    </p:extLst>
+  </p:cSld>
+  <p:clrMapOvr>
+    <a:masterClrMapping/>
+  </p:clrMapOvr>
+  <p:timing>
+    <p:tnLst>
+      <p:par>
+        <p:cTn id="1" dur="indefinite" restart="never" nodeType="tmRoot"/>
+      </p:par>
+    </p:tnLst>
+  </p:timing>
+</p:sld>
+</file>
+
+<file path=ppt/slides/slide6.xml><?xml version="1.0" encoding="utf-8"?>
+<p:sld xmlns:a="http://schemas.openxmlformats.org/drawingml/2006/main" xmlns:r="http://schemas.openxmlformats.org/officeDocument/2006/relationships" xmlns:p="http://schemas.openxmlformats.org/presentationml/2006/main">
+  <p:cSld>
+    <p:spTree>
+      <p:nvGrpSpPr>
+        <p:cNvPr id="1" name=""/>
+        <p:cNvGrpSpPr/>
+        <p:nvPr/>
+      </p:nvGrpSpPr>
+      <p:grpSpPr>
+        <a:xfrm>
+          <a:off x="0" y="0"/>
+          <a:ext cx="0" cy="0"/>
+          <a:chOff x="0" y="0"/>
+          <a:chExt cx="0" cy="0"/>
+        </a:xfrm>
+      </p:grpSpPr>
+      <p:sp>
+        <p:nvSpPr>
+          <p:cNvPr id="4" name="Rectangle 3"/>
+          <p:cNvSpPr/>
+          <p:nvPr/>
+        </p:nvSpPr>
+        <p:spPr>
+          <a:xfrm>
+            <a:off x="0" y="-7550"/>
+            <a:ext cx="9144000" cy="1228835"/>
+          </a:xfrm>
+          <a:prstGeom prst="rect">
+            <a:avLst/>
+          </a:prstGeom>
+          <a:solidFill>
+            <a:srgbClr val="3DBFDB"/>
+          </a:solidFill>
+          <a:ln>
+            <a:noFill/>
+          </a:ln>
+          <a:effectLst/>
+        </p:spPr>
+        <p:style>
+          <a:lnRef idx="1">
+            <a:schemeClr val="accent1"/>
+          </a:lnRef>
+          <a:fillRef idx="3">
+            <a:schemeClr val="accent1"/>
+          </a:fillRef>
+          <a:effectRef idx="2">
+            <a:schemeClr val="accent1"/>
+          </a:effectRef>
+          <a:fontRef idx="minor">
+            <a:schemeClr val="lt1"/>
+          </a:fontRef>
+        </p:style>
+        <p:txBody>
+          <a:bodyPr rtlCol="0" anchor="ctr"/>
+          <a:lstStyle/>
+          <a:p>
+            <a:r>
+              <a:rPr lang="en-US" sz="4000" i="1" dirty="0" smtClean="0"/>
+              <a:t>	Finding solution by Simulation</a:t>
+            </a:r>
+            <a:endParaRPr lang="en-US" sz="4000" i="1" dirty="0"/>
+          </a:p>
+        </p:txBody>
+      </p:sp>
+      <p:sp>
+        <p:nvSpPr>
+          <p:cNvPr id="5" name="Rectangle 4"/>
+          <p:cNvSpPr/>
+          <p:nvPr/>
+        </p:nvSpPr>
+        <p:spPr>
+          <a:xfrm>
+            <a:off x="0" y="6737478"/>
+            <a:ext cx="9144000" cy="120522"/>
+          </a:xfrm>
+          <a:prstGeom prst="rect">
+            <a:avLst/>
+          </a:prstGeom>
+          <a:solidFill>
+            <a:srgbClr val="3DBFDB"/>
+          </a:solidFill>
+          <a:ln>
+            <a:noFill/>
+          </a:ln>
+          <a:effectLst/>
+        </p:spPr>
+        <p:style>
+          <a:lnRef idx="1">
+            <a:schemeClr val="accent1"/>
+          </a:lnRef>
+          <a:fillRef idx="3">
+            <a:schemeClr val="accent1"/>
+          </a:fillRef>
+          <a:effectRef idx="2">
+            <a:schemeClr val="accent1"/>
+          </a:effectRef>
+          <a:fontRef idx="minor">
+            <a:schemeClr val="lt1"/>
+          </a:fontRef>
+        </p:style>
+        <p:txBody>
+          <a:bodyPr rtlCol="0" anchor="ctr"/>
+          <a:lstStyle/>
+          <a:p>
+            <a:pPr algn="ctr"/>
+            <a:endParaRPr lang="en-US"/>
+          </a:p>
+        </p:txBody>
+      </p:sp>
+      <p:sp>
+        <p:nvSpPr>
+          <p:cNvPr id="7" name="TextBox 6"/>
+          <p:cNvSpPr txBox="1"/>
+          <p:nvPr/>
+        </p:nvSpPr>
+        <p:spPr>
+          <a:xfrm>
+            <a:off x="8869998" y="6453063"/>
+            <a:ext cx="262662" cy="276999"/>
+          </a:xfrm>
+          <a:prstGeom prst="rect">
+            <a:avLst/>
+          </a:prstGeom>
+          <a:noFill/>
+        </p:spPr>
+        <p:txBody>
+          <a:bodyPr wrap="none" rtlCol="0">
+            <a:spAutoFit/>
+          </a:bodyPr>
+          <a:lstStyle/>
+          <a:p>
+            <a:pPr algn="r"/>
+            <a:r>
+              <a:rPr lang="en-US" sz="1200" dirty="0" smtClean="0">
+                <a:solidFill>
+                  <a:srgbClr val="118EB0"/>
+                </a:solidFill>
+              </a:rPr>
+              <a:t>1</a:t>
+            </a:r>
+            <a:endParaRPr lang="en-US" sz="1200" dirty="0">
+              <a:solidFill>
+                <a:srgbClr val="118EB0"/>
+              </a:solidFill>
+            </a:endParaRPr>
+          </a:p>
+        </p:txBody>
+      </p:sp>
+      <p:sp>
+        <p:nvSpPr>
+          <p:cNvPr id="8" name="Rectangle 7"/>
+          <p:cNvSpPr/>
+          <p:nvPr/>
+        </p:nvSpPr>
+        <p:spPr>
+          <a:xfrm>
+            <a:off x="0" y="1440225"/>
+            <a:ext cx="9824483" cy="4524315"/>
+          </a:xfrm>
+          <a:prstGeom prst="rect">
+            <a:avLst/>
+          </a:prstGeom>
+        </p:spPr>
+        <p:txBody>
+          <a:bodyPr wrap="square">
+            <a:spAutoFit/>
+          </a:bodyPr>
+          <a:lstStyle/>
+          <a:p>
+            <a:r>
+              <a:rPr lang="en-US" dirty="0">
+                <a:latin typeface="Courier New" charset="0"/>
+                <a:ea typeface="Courier New" charset="0"/>
+                <a:cs typeface="Courier New" charset="0"/>
+              </a:rPr>
+              <a:t>import numpy as np</a:t>
+            </a:r>
+          </a:p>
+          <a:p>
+            <a:r>
+              <a:rPr lang="mr-IN" dirty="0" err="1">
+                <a:latin typeface="Courier New" charset="0"/>
+                <a:ea typeface="Courier New" charset="0"/>
+                <a:cs typeface="Courier New" charset="0"/>
+              </a:rPr>
+              <a:t>W</a:t>
+            </a:r>
+            <a:r>
+              <a:rPr lang="mr-IN" dirty="0">
+                <a:latin typeface="Courier New" charset="0"/>
+                <a:ea typeface="Courier New" charset="0"/>
+                <a:cs typeface="Courier New" charset="0"/>
+              </a:rPr>
+              <a:t> = 250</a:t>
+            </a:r>
+          </a:p>
+          <a:p>
+            <a:r>
+              <a:rPr lang="mr-IN" dirty="0">
+                <a:latin typeface="Courier New" charset="0"/>
+                <a:ea typeface="Courier New" charset="0"/>
+                <a:cs typeface="Courier New" charset="0"/>
+              </a:rPr>
+              <a:t>C = 250</a:t>
+            </a:r>
+          </a:p>
+          <a:p>
+            <a:endParaRPr lang="en-US" dirty="0">
+              <a:latin typeface="Courier New" charset="0"/>
+              <a:ea typeface="Courier New" charset="0"/>
+              <a:cs typeface="Courier New" charset="0"/>
+            </a:endParaRPr>
+          </a:p>
+          <a:p>
+            <a:r>
+              <a:rPr lang="en-US" dirty="0">
+                <a:latin typeface="Courier New" charset="0"/>
+                <a:ea typeface="Courier New" charset="0"/>
+                <a:cs typeface="Courier New" charset="0"/>
+              </a:rPr>
+              <a:t>for day in range(1,31):</a:t>
+            </a:r>
+          </a:p>
+          <a:p>
+            <a:r>
+              <a:rPr lang="en-US" dirty="0">
+                <a:latin typeface="Courier New" charset="0"/>
+                <a:ea typeface="Courier New" charset="0"/>
+                <a:cs typeface="Courier New" charset="0"/>
+              </a:rPr>
+              <a:t>    </a:t>
+            </a:r>
+            <a:r>
+              <a:rPr lang="en-US" dirty="0" err="1">
+                <a:latin typeface="Courier New" charset="0"/>
+                <a:ea typeface="Courier New" charset="0"/>
+                <a:cs typeface="Courier New" charset="0"/>
+              </a:rPr>
+              <a:t>nextW</a:t>
+            </a:r>
+            <a:r>
+              <a:rPr lang="en-US" dirty="0">
+                <a:latin typeface="Courier New" charset="0"/>
+                <a:ea typeface="Courier New" charset="0"/>
+                <a:cs typeface="Courier New" charset="0"/>
+              </a:rPr>
+              <a:t>, </a:t>
+            </a:r>
+            <a:r>
+              <a:rPr lang="en-US" dirty="0" err="1">
+                <a:latin typeface="Courier New" charset="0"/>
+                <a:ea typeface="Courier New" charset="0"/>
+                <a:cs typeface="Courier New" charset="0"/>
+              </a:rPr>
+              <a:t>nextC</a:t>
+            </a:r>
+            <a:r>
+              <a:rPr lang="en-US" dirty="0">
+                <a:latin typeface="Courier New" charset="0"/>
+                <a:ea typeface="Courier New" charset="0"/>
+                <a:cs typeface="Courier New" charset="0"/>
+              </a:rPr>
+              <a:t> = W, C</a:t>
+            </a:r>
+          </a:p>
+          <a:p>
+            <a:r>
+              <a:rPr lang="en-US" dirty="0">
+                <a:latin typeface="Courier New" charset="0"/>
+                <a:ea typeface="Courier New" charset="0"/>
+                <a:cs typeface="Courier New" charset="0"/>
+              </a:rPr>
+              <a:t>    for </a:t>
+            </a:r>
+            <a:r>
+              <a:rPr lang="en-US" dirty="0" err="1">
+                <a:latin typeface="Courier New" charset="0"/>
+                <a:ea typeface="Courier New" charset="0"/>
+                <a:cs typeface="Courier New" charset="0"/>
+              </a:rPr>
+              <a:t>i</a:t>
+            </a:r>
+            <a:r>
+              <a:rPr lang="en-US" dirty="0">
+                <a:latin typeface="Courier New" charset="0"/>
+                <a:ea typeface="Courier New" charset="0"/>
+                <a:cs typeface="Courier New" charset="0"/>
+              </a:rPr>
+              <a:t> in range(W):</a:t>
+            </a:r>
+          </a:p>
+          <a:p>
+            <a:r>
+              <a:rPr lang="mr-IN" dirty="0">
+                <a:latin typeface="Courier New" charset="0"/>
+                <a:ea typeface="Courier New" charset="0"/>
+                <a:cs typeface="Courier New" charset="0"/>
+              </a:rPr>
+              <a:t>        </a:t>
+            </a:r>
+            <a:r>
+              <a:rPr lang="mr-IN" dirty="0" err="1">
+                <a:latin typeface="Courier New" charset="0"/>
+                <a:ea typeface="Courier New" charset="0"/>
+                <a:cs typeface="Courier New" charset="0"/>
+              </a:rPr>
+              <a:t>if</a:t>
+            </a:r>
+            <a:r>
+              <a:rPr lang="mr-IN" dirty="0">
+                <a:latin typeface="Courier New" charset="0"/>
+                <a:ea typeface="Courier New" charset="0"/>
+                <a:cs typeface="Courier New" charset="0"/>
+              </a:rPr>
+              <a:t> </a:t>
+            </a:r>
+            <a:r>
+              <a:rPr lang="mr-IN" dirty="0" err="1">
+                <a:latin typeface="Courier New" charset="0"/>
+                <a:ea typeface="Courier New" charset="0"/>
+                <a:cs typeface="Courier New" charset="0"/>
+              </a:rPr>
+              <a:t>np.random.randint</a:t>
+            </a:r>
+            <a:r>
+              <a:rPr lang="mr-IN" dirty="0">
+                <a:latin typeface="Courier New" charset="0"/>
+                <a:ea typeface="Courier New" charset="0"/>
+                <a:cs typeface="Courier New" charset="0"/>
+              </a:rPr>
+              <a:t>(10) &lt; 3:</a:t>
+            </a:r>
+          </a:p>
+          <a:p>
+            <a:r>
+              <a:rPr lang="mr-IN" dirty="0">
+                <a:latin typeface="Courier New" charset="0"/>
+                <a:ea typeface="Courier New" charset="0"/>
+                <a:cs typeface="Courier New" charset="0"/>
+              </a:rPr>
+              <a:t>            </a:t>
+            </a:r>
+            <a:r>
+              <a:rPr lang="mr-IN" dirty="0" err="1">
+                <a:latin typeface="Courier New" charset="0"/>
+                <a:ea typeface="Courier New" charset="0"/>
+                <a:cs typeface="Courier New" charset="0"/>
+              </a:rPr>
+              <a:t>nextW</a:t>
+            </a:r>
+            <a:r>
+              <a:rPr lang="mr-IN" dirty="0">
+                <a:latin typeface="Courier New" charset="0"/>
+                <a:ea typeface="Courier New" charset="0"/>
+                <a:cs typeface="Courier New" charset="0"/>
+              </a:rPr>
+              <a:t> -= 1</a:t>
+            </a:r>
+          </a:p>
+          <a:p>
+            <a:r>
+              <a:rPr lang="mr-IN" dirty="0">
+                <a:latin typeface="Courier New" charset="0"/>
+                <a:ea typeface="Courier New" charset="0"/>
+                <a:cs typeface="Courier New" charset="0"/>
+              </a:rPr>
+              <a:t>            </a:t>
+            </a:r>
+            <a:r>
+              <a:rPr lang="mr-IN" dirty="0" err="1">
+                <a:latin typeface="Courier New" charset="0"/>
+                <a:ea typeface="Courier New" charset="0"/>
+                <a:cs typeface="Courier New" charset="0"/>
+              </a:rPr>
+              <a:t>nextC</a:t>
+            </a:r>
+            <a:r>
+              <a:rPr lang="mr-IN" dirty="0">
+                <a:latin typeface="Courier New" charset="0"/>
+                <a:ea typeface="Courier New" charset="0"/>
+                <a:cs typeface="Courier New" charset="0"/>
+              </a:rPr>
+              <a:t> += 1</a:t>
+            </a:r>
+          </a:p>
+          <a:p>
+            <a:r>
+              <a:rPr lang="en-US" dirty="0">
+                <a:latin typeface="Courier New" charset="0"/>
+                <a:ea typeface="Courier New" charset="0"/>
+                <a:cs typeface="Courier New" charset="0"/>
+              </a:rPr>
+              <a:t>    for </a:t>
+            </a:r>
+            <a:r>
+              <a:rPr lang="en-US" dirty="0" err="1">
+                <a:latin typeface="Courier New" charset="0"/>
+                <a:ea typeface="Courier New" charset="0"/>
+                <a:cs typeface="Courier New" charset="0"/>
+              </a:rPr>
+              <a:t>i</a:t>
+            </a:r>
+            <a:r>
+              <a:rPr lang="en-US" dirty="0">
+                <a:latin typeface="Courier New" charset="0"/>
+                <a:ea typeface="Courier New" charset="0"/>
+                <a:cs typeface="Courier New" charset="0"/>
+              </a:rPr>
+              <a:t> in range(C):</a:t>
+            </a:r>
+          </a:p>
+          <a:p>
+            <a:r>
+              <a:rPr lang="mr-IN" dirty="0">
+                <a:latin typeface="Courier New" charset="0"/>
+                <a:ea typeface="Courier New" charset="0"/>
+                <a:cs typeface="Courier New" charset="0"/>
+              </a:rPr>
+              <a:t>        </a:t>
+            </a:r>
+            <a:r>
+              <a:rPr lang="mr-IN" dirty="0" err="1">
+                <a:latin typeface="Courier New" charset="0"/>
+                <a:ea typeface="Courier New" charset="0"/>
+                <a:cs typeface="Courier New" charset="0"/>
+              </a:rPr>
+              <a:t>if</a:t>
+            </a:r>
+            <a:r>
+              <a:rPr lang="mr-IN" dirty="0">
+                <a:latin typeface="Courier New" charset="0"/>
+                <a:ea typeface="Courier New" charset="0"/>
+                <a:cs typeface="Courier New" charset="0"/>
+              </a:rPr>
+              <a:t> </a:t>
+            </a:r>
+            <a:r>
+              <a:rPr lang="mr-IN" dirty="0" err="1">
+                <a:latin typeface="Courier New" charset="0"/>
+                <a:ea typeface="Courier New" charset="0"/>
+                <a:cs typeface="Courier New" charset="0"/>
+              </a:rPr>
+              <a:t>np.random.randint</a:t>
+            </a:r>
+            <a:r>
+              <a:rPr lang="mr-IN" dirty="0">
+                <a:latin typeface="Courier New" charset="0"/>
+                <a:ea typeface="Courier New" charset="0"/>
+                <a:cs typeface="Courier New" charset="0"/>
+              </a:rPr>
+              <a:t>(10) &lt; 2:</a:t>
+            </a:r>
+          </a:p>
+          <a:p>
+            <a:r>
+              <a:rPr lang="mr-IN" dirty="0">
+                <a:latin typeface="Courier New" charset="0"/>
+                <a:ea typeface="Courier New" charset="0"/>
+                <a:cs typeface="Courier New" charset="0"/>
+              </a:rPr>
+              <a:t>            </a:t>
+            </a:r>
+            <a:r>
+              <a:rPr lang="mr-IN" dirty="0" err="1">
+                <a:latin typeface="Courier New" charset="0"/>
+                <a:ea typeface="Courier New" charset="0"/>
+                <a:cs typeface="Courier New" charset="0"/>
+              </a:rPr>
+              <a:t>nextC</a:t>
+            </a:r>
+            <a:r>
+              <a:rPr lang="mr-IN" dirty="0">
+                <a:latin typeface="Courier New" charset="0"/>
+                <a:ea typeface="Courier New" charset="0"/>
+                <a:cs typeface="Courier New" charset="0"/>
+              </a:rPr>
+              <a:t> -= 1</a:t>
+            </a:r>
+          </a:p>
+          <a:p>
+            <a:r>
+              <a:rPr lang="mr-IN" dirty="0">
+                <a:latin typeface="Courier New" charset="0"/>
+                <a:ea typeface="Courier New" charset="0"/>
+                <a:cs typeface="Courier New" charset="0"/>
+              </a:rPr>
+              <a:t>            </a:t>
+            </a:r>
+            <a:r>
+              <a:rPr lang="mr-IN" dirty="0" err="1">
+                <a:latin typeface="Courier New" charset="0"/>
+                <a:ea typeface="Courier New" charset="0"/>
+                <a:cs typeface="Courier New" charset="0"/>
+              </a:rPr>
+              <a:t>nextW</a:t>
+            </a:r>
+            <a:r>
+              <a:rPr lang="mr-IN" dirty="0">
+                <a:latin typeface="Courier New" charset="0"/>
+                <a:ea typeface="Courier New" charset="0"/>
+                <a:cs typeface="Courier New" charset="0"/>
+              </a:rPr>
+              <a:t> += 1</a:t>
+            </a:r>
+          </a:p>
+          <a:p>
+            <a:r>
+              <a:rPr lang="en-US" dirty="0">
+                <a:latin typeface="Courier New" charset="0"/>
+                <a:ea typeface="Courier New" charset="0"/>
+                <a:cs typeface="Courier New" charset="0"/>
+              </a:rPr>
+              <a:t>    W, C = </a:t>
+            </a:r>
+            <a:r>
+              <a:rPr lang="en-US" dirty="0" err="1">
+                <a:latin typeface="Courier New" charset="0"/>
+                <a:ea typeface="Courier New" charset="0"/>
+                <a:cs typeface="Courier New" charset="0"/>
+              </a:rPr>
+              <a:t>nextW</a:t>
+            </a:r>
+            <a:r>
+              <a:rPr lang="en-US" dirty="0">
+                <a:latin typeface="Courier New" charset="0"/>
+                <a:ea typeface="Courier New" charset="0"/>
+                <a:cs typeface="Courier New" charset="0"/>
+              </a:rPr>
+              <a:t>, </a:t>
+            </a:r>
+            <a:r>
+              <a:rPr lang="en-US" dirty="0" err="1">
+                <a:latin typeface="Courier New" charset="0"/>
+                <a:ea typeface="Courier New" charset="0"/>
+                <a:cs typeface="Courier New" charset="0"/>
+              </a:rPr>
+              <a:t>nextC</a:t>
+            </a:r>
+            <a:endParaRPr lang="en-US" dirty="0">
+              <a:latin typeface="Courier New" charset="0"/>
+              <a:ea typeface="Courier New" charset="0"/>
+              <a:cs typeface="Courier New" charset="0"/>
+            </a:endParaRPr>
+          </a:p>
+          <a:p>
+            <a:r>
+              <a:rPr lang="en-US" dirty="0">
+                <a:latin typeface="Courier New" charset="0"/>
+                <a:ea typeface="Courier New" charset="0"/>
+                <a:cs typeface="Courier New" charset="0"/>
+              </a:rPr>
+              <a:t>    </a:t>
+            </a:r>
+            <a:r>
+              <a:rPr lang="en-US" sz="1600" dirty="0">
+                <a:latin typeface="Courier New" charset="0"/>
+                <a:ea typeface="Courier New" charset="0"/>
+                <a:cs typeface="Courier New" charset="0"/>
+              </a:rPr>
+              <a:t>print('Day %</a:t>
+            </a:r>
+            <a:r>
+              <a:rPr lang="en-US" sz="1600" dirty="0" err="1">
+                <a:latin typeface="Courier New" charset="0"/>
+                <a:ea typeface="Courier New" charset="0"/>
+                <a:cs typeface="Courier New" charset="0"/>
+              </a:rPr>
+              <a:t>i</a:t>
+            </a:r>
+            <a:r>
+              <a:rPr lang="en-US" sz="1600" dirty="0">
+                <a:latin typeface="Courier New" charset="0"/>
+                <a:ea typeface="Courier New" charset="0"/>
+                <a:cs typeface="Courier New" charset="0"/>
+              </a:rPr>
+              <a:t>: %</a:t>
+            </a:r>
+            <a:r>
+              <a:rPr lang="en-US" sz="1600" dirty="0" err="1">
+                <a:latin typeface="Courier New" charset="0"/>
+                <a:ea typeface="Courier New" charset="0"/>
+                <a:cs typeface="Courier New" charset="0"/>
+              </a:rPr>
+              <a:t>i</a:t>
+            </a:r>
+            <a:r>
+              <a:rPr lang="en-US" sz="1600" dirty="0">
+                <a:latin typeface="Courier New" charset="0"/>
+                <a:ea typeface="Courier New" charset="0"/>
+                <a:cs typeface="Courier New" charset="0"/>
+              </a:rPr>
+              <a:t> for Western food, %</a:t>
+            </a:r>
+            <a:r>
+              <a:rPr lang="en-US" sz="1600" dirty="0" err="1">
+                <a:latin typeface="Courier New" charset="0"/>
+                <a:ea typeface="Courier New" charset="0"/>
+                <a:cs typeface="Courier New" charset="0"/>
+              </a:rPr>
+              <a:t>i</a:t>
+            </a:r>
+            <a:r>
+              <a:rPr lang="en-US" sz="1600" dirty="0">
+                <a:latin typeface="Courier New" charset="0"/>
+                <a:ea typeface="Courier New" charset="0"/>
+                <a:cs typeface="Courier New" charset="0"/>
+              </a:rPr>
+              <a:t> for </a:t>
+            </a:r>
+            <a:r>
+              <a:rPr lang="en-US" sz="1600" dirty="0" smtClean="0">
+                <a:latin typeface="Courier New" charset="0"/>
+                <a:ea typeface="Courier New" charset="0"/>
+                <a:cs typeface="Courier New" charset="0"/>
+              </a:rPr>
+              <a:t>Chinese foot</a:t>
+            </a:r>
+            <a:r>
+              <a:rPr lang="en-US" sz="1600" dirty="0">
+                <a:latin typeface="Courier New" charset="0"/>
+                <a:ea typeface="Courier New" charset="0"/>
+                <a:cs typeface="Courier New" charset="0"/>
+              </a:rPr>
+              <a:t>'%(day, W,C))</a:t>
+            </a:r>
+            <a:endParaRPr lang="en-US" dirty="0">
+              <a:latin typeface="Courier New" charset="0"/>
+              <a:ea typeface="Courier New" charset="0"/>
+              <a:cs typeface="Courier New" charset="0"/>
+            </a:endParaRPr>
+          </a:p>
+        </p:txBody>
+      </p:sp>
+    </p:spTree>
+    <p:extLst>
+      <p:ext uri="{BB962C8B-B14F-4D97-AF65-F5344CB8AC3E}">
+        <p14:creationId xmlns:p14="http://schemas.microsoft.com/office/powerpoint/2010/main" val="1220524041"/>
       </p:ext>
     </p:extLst>
   </p:cSld>
@@ -5271,6 +7537,60 @@
       </p:grpSpPr>
       <p:sp>
         <p:nvSpPr>
+          <p:cNvPr id="3" name="Content Placeholder 2"/>
+          <p:cNvSpPr>
+            <a:spLocks noGrp="1"/>
+          </p:cNvSpPr>
+          <p:nvPr>
+            <p:ph idx="1"/>
+          </p:nvPr>
+        </p:nvSpPr>
+        <p:spPr>
+          <a:xfrm>
+            <a:off x="457200" y="1600201"/>
+            <a:ext cx="8495414" cy="4525963"/>
+          </a:xfrm>
+        </p:spPr>
+        <p:txBody>
+          <a:bodyPr/>
+          <a:lstStyle/>
+          <a:p>
+            <a:r>
+              <a:rPr lang="en-US" dirty="0" smtClean="0"/>
+              <a:t>Historical puzzle </a:t>
+            </a:r>
+            <a:r>
+              <a:rPr lang="en-US" dirty="0" smtClean="0"/>
+              <a:t>in mathematics</a:t>
+            </a:r>
+            <a:endParaRPr lang="en-US" dirty="0" smtClean="0"/>
+          </a:p>
+          <a:p>
+            <a:r>
+              <a:rPr lang="en-US" dirty="0" smtClean="0"/>
+              <a:t>~1500 years </a:t>
+            </a:r>
+            <a:r>
+              <a:rPr lang="en-US" dirty="0" smtClean="0"/>
+              <a:t>ago</a:t>
+            </a:r>
+            <a:endParaRPr lang="en-US" altLang="zh-CN" dirty="0" smtClean="0"/>
+          </a:p>
+          <a:p>
+            <a:pPr lvl="1"/>
+            <a:r>
+              <a:rPr lang="en-US" altLang="zh-CN" dirty="0" smtClean="0"/>
+              <a:t>3.1415926 - 3.1415927</a:t>
+            </a:r>
+            <a:endParaRPr lang="en-US" altLang="zh-CN" dirty="0"/>
+          </a:p>
+          <a:p>
+            <a:endParaRPr lang="en-US" altLang="zh-CN" dirty="0" smtClean="0"/>
+          </a:p>
+        </p:txBody>
+      </p:sp>
+      <p:sp>
+        <p:nvSpPr>
           <p:cNvPr id="4" name="Rectangle 3"/>
           <p:cNvSpPr/>
           <p:nvPr/>
@@ -5405,8 +7725,507 @@
           </a:p>
         </p:txBody>
       </p:sp>
-      <mc:AlternateContent xmlns:mc="http://schemas.openxmlformats.org/markup-compatibility/2006">
-        <mc:Choice xmlns:a14="http://schemas.microsoft.com/office/drawing/2010/main" Requires="a14">
+      <p:sp>
+        <p:nvSpPr>
+          <p:cNvPr id="6" name="Rectangle 5"/>
+          <p:cNvSpPr/>
+          <p:nvPr/>
+        </p:nvSpPr>
+        <p:spPr>
+          <a:xfrm>
+            <a:off x="0" y="6451738"/>
+            <a:ext cx="963982" cy="276999"/>
+          </a:xfrm>
+          <a:prstGeom prst="rect">
+            <a:avLst/>
+          </a:prstGeom>
+        </p:spPr>
+        <p:txBody>
+          <a:bodyPr wrap="none">
+            <a:spAutoFit/>
+          </a:bodyPr>
+          <a:lstStyle/>
+          <a:p>
+            <a:r>
+              <a:rPr lang="en-US" sz="1200" dirty="0" smtClean="0">
+                <a:solidFill>
+                  <a:srgbClr val="118EB0"/>
+                </a:solidFill>
+              </a:rPr>
+              <a:t>Monte Carlo</a:t>
+            </a:r>
+            <a:endParaRPr lang="en-US" sz="1200" dirty="0">
+              <a:solidFill>
+                <a:srgbClr val="118EB0"/>
+              </a:solidFill>
+            </a:endParaRPr>
+          </a:p>
+        </p:txBody>
+      </p:sp>
+    </p:spTree>
+    <p:extLst>
+      <p:ext uri="{BB962C8B-B14F-4D97-AF65-F5344CB8AC3E}">
+        <p14:creationId xmlns:p14="http://schemas.microsoft.com/office/powerpoint/2010/main" val="2125338590"/>
+      </p:ext>
+    </p:extLst>
+  </p:cSld>
+  <p:clrMapOvr>
+    <a:masterClrMapping/>
+  </p:clrMapOvr>
+  <p:timing>
+    <p:tnLst>
+      <p:par>
+        <p:cTn id="1" dur="indefinite" restart="never" nodeType="tmRoot"/>
+      </p:par>
+    </p:tnLst>
+  </p:timing>
+</p:sld>
+</file>
+
+<file path=ppt/slides/slide8.xml><?xml version="1.0" encoding="utf-8"?>
+<p:sld xmlns:a="http://schemas.openxmlformats.org/drawingml/2006/main" xmlns:r="http://schemas.openxmlformats.org/officeDocument/2006/relationships" xmlns:p="http://schemas.openxmlformats.org/presentationml/2006/main">
+  <p:cSld>
+    <p:spTree>
+      <p:nvGrpSpPr>
+        <p:cNvPr id="1" name=""/>
+        <p:cNvGrpSpPr/>
+        <p:nvPr/>
+      </p:nvGrpSpPr>
+      <p:grpSpPr>
+        <a:xfrm>
+          <a:off x="0" y="0"/>
+          <a:ext cx="0" cy="0"/>
+          <a:chOff x="0" y="0"/>
+          <a:chExt cx="0" cy="0"/>
+        </a:xfrm>
+      </p:grpSpPr>
+      <p:sp>
+        <p:nvSpPr>
+          <p:cNvPr id="3" name="Content Placeholder 2"/>
+          <p:cNvSpPr>
+            <a:spLocks noGrp="1"/>
+          </p:cNvSpPr>
+          <p:nvPr>
+            <p:ph idx="1"/>
+          </p:nvPr>
+        </p:nvSpPr>
+        <p:spPr>
+          <a:xfrm>
+            <a:off x="457200" y="1600201"/>
+            <a:ext cx="8495414" cy="4525963"/>
+          </a:xfrm>
+        </p:spPr>
+        <p:txBody>
+          <a:bodyPr/>
+          <a:lstStyle/>
+          <a:p>
+            <a:r>
+              <a:rPr lang="en-US" dirty="0"/>
+              <a:t>Historical puzzle in mathematics</a:t>
+            </a:r>
+          </a:p>
+          <a:p>
+            <a:r>
+              <a:rPr lang="en-US" dirty="0" smtClean="0"/>
+              <a:t>~</a:t>
+            </a:r>
+            <a:r>
+              <a:rPr lang="en-US" dirty="0"/>
+              <a:t>1500 years </a:t>
+            </a:r>
+            <a:r>
+              <a:rPr lang="en-US" dirty="0" smtClean="0"/>
+              <a:t>ago</a:t>
+            </a:r>
+            <a:endParaRPr lang="en-US" altLang="zh-CN" dirty="0" smtClean="0"/>
+          </a:p>
+          <a:p>
+            <a:pPr lvl="1"/>
+            <a:r>
+              <a:rPr lang="en-US" altLang="zh-CN" dirty="0" smtClean="0"/>
+              <a:t>3.1415926 - 3.1415927</a:t>
+            </a:r>
+          </a:p>
+          <a:p>
+            <a:r>
+              <a:rPr lang="en-US" altLang="zh-CN" dirty="0" smtClean="0"/>
+              <a:t>Not </a:t>
+            </a:r>
+            <a:r>
+              <a:rPr lang="en-US" altLang="zh-CN" dirty="0"/>
+              <a:t>that </a:t>
+            </a:r>
+            <a:r>
+              <a:rPr lang="en-US" altLang="zh-CN" dirty="0" smtClean="0"/>
+              <a:t>difficult for </a:t>
+            </a:r>
+            <a:r>
+              <a:rPr lang="en-US" altLang="zh-CN" dirty="0"/>
+              <a:t>us any </a:t>
+            </a:r>
+            <a:r>
+              <a:rPr lang="en-US" altLang="zh-CN" dirty="0" smtClean="0"/>
+              <a:t>more</a:t>
+            </a:r>
+            <a:r>
+              <a:rPr lang="mr-IN" altLang="zh-CN" dirty="0" smtClean="0"/>
+              <a:t>…</a:t>
+            </a:r>
+            <a:endParaRPr lang="en-US" altLang="zh-CN" dirty="0"/>
+          </a:p>
+          <a:p>
+            <a:endParaRPr lang="en-US" altLang="zh-CN" dirty="0" smtClean="0"/>
+          </a:p>
+        </p:txBody>
+      </p:sp>
+      <p:sp>
+        <p:nvSpPr>
+          <p:cNvPr id="4" name="Rectangle 3"/>
+          <p:cNvSpPr/>
+          <p:nvPr/>
+        </p:nvSpPr>
+        <p:spPr>
+          <a:xfrm>
+            <a:off x="0" y="-7550"/>
+            <a:ext cx="9144000" cy="1228835"/>
+          </a:xfrm>
+          <a:prstGeom prst="rect">
+            <a:avLst/>
+          </a:prstGeom>
+          <a:solidFill>
+            <a:srgbClr val="3DBFDB"/>
+          </a:solidFill>
+          <a:ln>
+            <a:noFill/>
+          </a:ln>
+          <a:effectLst/>
+        </p:spPr>
+        <p:style>
+          <a:lnRef idx="1">
+            <a:schemeClr val="accent1"/>
+          </a:lnRef>
+          <a:fillRef idx="3">
+            <a:schemeClr val="accent1"/>
+          </a:fillRef>
+          <a:effectRef idx="2">
+            <a:schemeClr val="accent1"/>
+          </a:effectRef>
+          <a:fontRef idx="minor">
+            <a:schemeClr val="lt1"/>
+          </a:fontRef>
+        </p:style>
+        <p:txBody>
+          <a:bodyPr rtlCol="0" anchor="ctr"/>
+          <a:lstStyle/>
+          <a:p>
+            <a:r>
+              <a:rPr lang="en-US" sz="4000" i="1" dirty="0"/>
+              <a:t>	</a:t>
+            </a:r>
+            <a:r>
+              <a:rPr lang="en-US" sz="4000" i="1" dirty="0" smtClean="0"/>
+              <a:t>Find out the value of PI</a:t>
+            </a:r>
+            <a:endParaRPr lang="en-US" sz="4000" i="1" dirty="0"/>
+          </a:p>
+        </p:txBody>
+      </p:sp>
+      <p:sp>
+        <p:nvSpPr>
+          <p:cNvPr id="5" name="Rectangle 4"/>
+          <p:cNvSpPr/>
+          <p:nvPr/>
+        </p:nvSpPr>
+        <p:spPr>
+          <a:xfrm>
+            <a:off x="0" y="6737478"/>
+            <a:ext cx="9144000" cy="120522"/>
+          </a:xfrm>
+          <a:prstGeom prst="rect">
+            <a:avLst/>
+          </a:prstGeom>
+          <a:solidFill>
+            <a:srgbClr val="3DBFDB"/>
+          </a:solidFill>
+          <a:ln>
+            <a:noFill/>
+          </a:ln>
+          <a:effectLst/>
+        </p:spPr>
+        <p:style>
+          <a:lnRef idx="1">
+            <a:schemeClr val="accent1"/>
+          </a:lnRef>
+          <a:fillRef idx="3">
+            <a:schemeClr val="accent1"/>
+          </a:fillRef>
+          <a:effectRef idx="2">
+            <a:schemeClr val="accent1"/>
+          </a:effectRef>
+          <a:fontRef idx="minor">
+            <a:schemeClr val="lt1"/>
+          </a:fontRef>
+        </p:style>
+        <p:txBody>
+          <a:bodyPr rtlCol="0" anchor="ctr"/>
+          <a:lstStyle/>
+          <a:p>
+            <a:pPr algn="ctr"/>
+            <a:endParaRPr lang="en-US"/>
+          </a:p>
+        </p:txBody>
+      </p:sp>
+      <p:sp>
+        <p:nvSpPr>
+          <p:cNvPr id="7" name="TextBox 6"/>
+          <p:cNvSpPr txBox="1"/>
+          <p:nvPr/>
+        </p:nvSpPr>
+        <p:spPr>
+          <a:xfrm>
+            <a:off x="8869998" y="6453063"/>
+            <a:ext cx="262662" cy="276999"/>
+          </a:xfrm>
+          <a:prstGeom prst="rect">
+            <a:avLst/>
+          </a:prstGeom>
+          <a:noFill/>
+        </p:spPr>
+        <p:txBody>
+          <a:bodyPr wrap="none" rtlCol="0">
+            <a:spAutoFit/>
+          </a:bodyPr>
+          <a:lstStyle/>
+          <a:p>
+            <a:pPr algn="r"/>
+            <a:r>
+              <a:rPr lang="en-US" sz="1200" dirty="0" smtClean="0">
+                <a:solidFill>
+                  <a:srgbClr val="118EB0"/>
+                </a:solidFill>
+              </a:rPr>
+              <a:t>1</a:t>
+            </a:r>
+            <a:endParaRPr lang="en-US" sz="1200" dirty="0">
+              <a:solidFill>
+                <a:srgbClr val="118EB0"/>
+              </a:solidFill>
+            </a:endParaRPr>
+          </a:p>
+        </p:txBody>
+      </p:sp>
+      <p:sp>
+        <p:nvSpPr>
+          <p:cNvPr id="6" name="Rectangle 5"/>
+          <p:cNvSpPr/>
+          <p:nvPr/>
+        </p:nvSpPr>
+        <p:spPr>
+          <a:xfrm>
+            <a:off x="0" y="6451738"/>
+            <a:ext cx="963982" cy="276999"/>
+          </a:xfrm>
+          <a:prstGeom prst="rect">
+            <a:avLst/>
+          </a:prstGeom>
+        </p:spPr>
+        <p:txBody>
+          <a:bodyPr wrap="none">
+            <a:spAutoFit/>
+          </a:bodyPr>
+          <a:lstStyle/>
+          <a:p>
+            <a:r>
+              <a:rPr lang="en-US" sz="1200" dirty="0" smtClean="0">
+                <a:solidFill>
+                  <a:srgbClr val="118EB0"/>
+                </a:solidFill>
+              </a:rPr>
+              <a:t>Monte Carlo</a:t>
+            </a:r>
+            <a:endParaRPr lang="en-US" sz="1200" dirty="0">
+              <a:solidFill>
+                <a:srgbClr val="118EB0"/>
+              </a:solidFill>
+            </a:endParaRPr>
+          </a:p>
+        </p:txBody>
+      </p:sp>
+    </p:spTree>
+    <p:extLst>
+      <p:ext uri="{BB962C8B-B14F-4D97-AF65-F5344CB8AC3E}">
+        <p14:creationId xmlns:p14="http://schemas.microsoft.com/office/powerpoint/2010/main" val="353872463"/>
+      </p:ext>
+    </p:extLst>
+  </p:cSld>
+  <p:clrMapOvr>
+    <a:masterClrMapping/>
+  </p:clrMapOvr>
+  <p:timing>
+    <p:tnLst>
+      <p:par>
+        <p:cTn id="1" dur="indefinite" restart="never" nodeType="tmRoot"/>
+      </p:par>
+    </p:tnLst>
+  </p:timing>
+</p:sld>
+</file>
+
+<file path=ppt/slides/slide9.xml><?xml version="1.0" encoding="utf-8"?>
+<p:sld xmlns:a="http://schemas.openxmlformats.org/drawingml/2006/main" xmlns:r="http://schemas.openxmlformats.org/officeDocument/2006/relationships" xmlns:p="http://schemas.openxmlformats.org/presentationml/2006/main">
+  <p:cSld>
+    <p:spTree>
+      <p:nvGrpSpPr>
+        <p:cNvPr id="1" name=""/>
+        <p:cNvGrpSpPr/>
+        <p:nvPr/>
+      </p:nvGrpSpPr>
+      <p:grpSpPr>
+        <a:xfrm>
+          <a:off x="0" y="0"/>
+          <a:ext cx="0" cy="0"/>
+          <a:chOff x="0" y="0"/>
+          <a:chExt cx="0" cy="0"/>
+        </a:xfrm>
+      </p:grpSpPr>
+      <p:sp>
+        <p:nvSpPr>
+          <p:cNvPr id="4" name="Rectangle 3"/>
+          <p:cNvSpPr/>
+          <p:nvPr/>
+        </p:nvSpPr>
+        <p:spPr>
+          <a:xfrm>
+            <a:off x="0" y="-7550"/>
+            <a:ext cx="9144000" cy="1228835"/>
+          </a:xfrm>
+          <a:prstGeom prst="rect">
+            <a:avLst/>
+          </a:prstGeom>
+          <a:solidFill>
+            <a:srgbClr val="3DBFDB"/>
+          </a:solidFill>
+          <a:ln>
+            <a:noFill/>
+          </a:ln>
+          <a:effectLst/>
+        </p:spPr>
+        <p:style>
+          <a:lnRef idx="1">
+            <a:schemeClr val="accent1"/>
+          </a:lnRef>
+          <a:fillRef idx="3">
+            <a:schemeClr val="accent1"/>
+          </a:fillRef>
+          <a:effectRef idx="2">
+            <a:schemeClr val="accent1"/>
+          </a:effectRef>
+          <a:fontRef idx="minor">
+            <a:schemeClr val="lt1"/>
+          </a:fontRef>
+        </p:style>
+        <p:txBody>
+          <a:bodyPr rtlCol="0" anchor="ctr"/>
+          <a:lstStyle/>
+          <a:p>
+            <a:r>
+              <a:rPr lang="en-US" sz="4000" i="1" dirty="0"/>
+              <a:t>	</a:t>
+            </a:r>
+            <a:r>
+              <a:rPr lang="en-US" sz="4000" i="1" dirty="0" smtClean="0"/>
+              <a:t>Find out the value of PI</a:t>
+            </a:r>
+            <a:endParaRPr lang="en-US" sz="4000" i="1" dirty="0"/>
+          </a:p>
+        </p:txBody>
+      </p:sp>
+      <p:sp>
+        <p:nvSpPr>
+          <p:cNvPr id="5" name="Rectangle 4"/>
+          <p:cNvSpPr/>
+          <p:nvPr/>
+        </p:nvSpPr>
+        <p:spPr>
+          <a:xfrm>
+            <a:off x="0" y="6737478"/>
+            <a:ext cx="9144000" cy="120522"/>
+          </a:xfrm>
+          <a:prstGeom prst="rect">
+            <a:avLst/>
+          </a:prstGeom>
+          <a:solidFill>
+            <a:srgbClr val="3DBFDB"/>
+          </a:solidFill>
+          <a:ln>
+            <a:noFill/>
+          </a:ln>
+          <a:effectLst/>
+        </p:spPr>
+        <p:style>
+          <a:lnRef idx="1">
+            <a:schemeClr val="accent1"/>
+          </a:lnRef>
+          <a:fillRef idx="3">
+            <a:schemeClr val="accent1"/>
+          </a:fillRef>
+          <a:effectRef idx="2">
+            <a:schemeClr val="accent1"/>
+          </a:effectRef>
+          <a:fontRef idx="minor">
+            <a:schemeClr val="lt1"/>
+          </a:fontRef>
+        </p:style>
+        <p:txBody>
+          <a:bodyPr rtlCol="0" anchor="ctr"/>
+          <a:lstStyle/>
+          <a:p>
+            <a:pPr algn="ctr"/>
+            <a:endParaRPr lang="en-US"/>
+          </a:p>
+        </p:txBody>
+      </p:sp>
+      <p:sp>
+        <p:nvSpPr>
+          <p:cNvPr id="7" name="TextBox 6"/>
+          <p:cNvSpPr txBox="1"/>
+          <p:nvPr/>
+        </p:nvSpPr>
+        <p:spPr>
+          <a:xfrm>
+            <a:off x="8869998" y="6453063"/>
+            <a:ext cx="262662" cy="276999"/>
+          </a:xfrm>
+          <a:prstGeom prst="rect">
+            <a:avLst/>
+          </a:prstGeom>
+          <a:noFill/>
+        </p:spPr>
+        <p:txBody>
+          <a:bodyPr wrap="none" rtlCol="0">
+            <a:spAutoFit/>
+          </a:bodyPr>
+          <a:lstStyle/>
+          <a:p>
+            <a:pPr algn="r"/>
+            <a:r>
+              <a:rPr lang="en-US" sz="1200" dirty="0" smtClean="0">
+                <a:solidFill>
+                  <a:srgbClr val="118EB0"/>
+                </a:solidFill>
+              </a:rPr>
+              <a:t>1</a:t>
+            </a:r>
+            <a:endParaRPr lang="en-US" sz="1200" dirty="0">
+              <a:solidFill>
+                <a:srgbClr val="118EB0"/>
+              </a:solidFill>
+            </a:endParaRPr>
+          </a:p>
+        </p:txBody>
+      </p:sp>
+      <mc:AlternateContent xmlns:mc="http://schemas.openxmlformats.org/markup-compatibility/2006" xmlns:a14="http://schemas.microsoft.com/office/drawing/2010/main">
+        <mc:Choice Requires="a14">
           <p:sp>
             <p:nvSpPr>
               <p:cNvPr id="12" name="TextBox 11"/>
@@ -5429,6 +8248,7 @@
               </a:bodyPr>
               <a:lstStyle/>
               <a:p>
+                <a:pPr/>
                 <a14:m>
                   <m:oMathPara xmlns:m="http://schemas.openxmlformats.org/officeDocument/2006/math">
                     <m:oMathParaPr>
@@ -5607,7 +8427,7 @@
             </p:txBody>
           </p:sp>
         </mc:Choice>
-        <mc:Fallback>
+        <mc:Fallback xmlns="">
           <p:sp>
             <p:nvSpPr>
               <p:cNvPr id="12" name="TextBox 11"/>
@@ -5646,44 +8466,6 @@
           </p:sp>
         </mc:Fallback>
       </mc:AlternateContent>
-      <p:sp>
-        <p:nvSpPr>
-          <p:cNvPr id="2" name="TextBox 1"/>
-          <p:cNvSpPr txBox="1"/>
-          <p:nvPr/>
-        </p:nvSpPr>
-        <p:spPr>
-          <a:xfrm>
-            <a:off x="933763" y="5929843"/>
-            <a:ext cx="7086299" cy="523220"/>
-          </a:xfrm>
-          <a:prstGeom prst="rect">
-            <a:avLst/>
-          </a:prstGeom>
-          <a:noFill/>
-        </p:spPr>
-        <p:txBody>
-          <a:bodyPr wrap="none" rtlCol="0">
-            <a:spAutoFit/>
-          </a:bodyPr>
-          <a:lstStyle/>
-          <a:p>
-            <a:r>
-              <a:rPr lang="en-US" sz="2800" i="1" dirty="0" smtClean="0">
-                <a:solidFill>
-                  <a:srgbClr val="1ACFFF"/>
-                </a:solidFill>
-              </a:rPr>
-              <a:t>Find out PI by generating a ton of random dots!</a:t>
-            </a:r>
-            <a:endParaRPr lang="en-US" sz="2800" i="1" dirty="0">
-              <a:solidFill>
-                <a:srgbClr val="1ACFFF"/>
-              </a:solidFill>
-            </a:endParaRPr>
-          </a:p>
-        </p:txBody>
-      </p:sp>
       <p:pic>
         <p:nvPicPr>
           <p:cNvPr id="13" name="Picture 12"/>
@@ -5737,16 +8519,6 @@
           <a:lstStyle/>
           <a:p>
             <a:r>
-              <a:rPr lang="en-US" sz="1400" smtClean="0">
-                <a:solidFill>
-                  <a:schemeClr val="bg1">
-                    <a:lumMod val="65000"/>
-                  </a:schemeClr>
-                </a:solidFill>
-              </a:rPr>
-              <a:t>animation </a:t>
-            </a:r>
-            <a:r>
               <a:rPr lang="en-US" sz="1400" dirty="0" smtClean="0">
                 <a:solidFill>
                   <a:schemeClr val="bg1">
@@ -5754,7 +8526,7 @@
                   </a:schemeClr>
                 </a:solidFill>
               </a:rPr>
-              <a:t>from </a:t>
+              <a:t>animation from </a:t>
             </a:r>
             <a:r>
               <a:rPr lang="en-US" sz="1400" dirty="0" err="1" smtClean="0">
@@ -5776,657 +8548,60 @@
           </a:p>
         </p:txBody>
       </p:sp>
+      <p:sp>
+        <p:nvSpPr>
+          <p:cNvPr id="8" name="Rectangle 7"/>
+          <p:cNvSpPr/>
+          <p:nvPr/>
+        </p:nvSpPr>
+        <p:spPr>
+          <a:xfrm>
+            <a:off x="0" y="6451738"/>
+            <a:ext cx="963982" cy="276999"/>
+          </a:xfrm>
+          <a:prstGeom prst="rect">
+            <a:avLst/>
+          </a:prstGeom>
+        </p:spPr>
+        <p:txBody>
+          <a:bodyPr wrap="none">
+            <a:spAutoFit/>
+          </a:bodyPr>
+          <a:lstStyle/>
+          <a:p>
+            <a:r>
+              <a:rPr lang="en-US" sz="1200" dirty="0" smtClean="0">
+                <a:solidFill>
+                  <a:srgbClr val="118EB0"/>
+                </a:solidFill>
+              </a:rPr>
+              <a:t>Monte Carlo</a:t>
+            </a:r>
+            <a:endParaRPr lang="en-US" sz="1200" dirty="0">
+              <a:solidFill>
+                <a:srgbClr val="118EB0"/>
+              </a:solidFill>
+            </a:endParaRPr>
+          </a:p>
+        </p:txBody>
+      </p:sp>
     </p:spTree>
     <p:extLst>
       <p:ext uri="{BB962C8B-B14F-4D97-AF65-F5344CB8AC3E}">
-        <p14:creationId xmlns:p14="http://schemas.microsoft.com/office/powerpoint/2010/main" val="1969959343"/>
+        <p14:creationId xmlns:p14="http://schemas.microsoft.com/office/powerpoint/2010/main" val="31259930"/>
       </p:ext>
     </p:extLst>
   </p:cSld>
   <p:clrMapOvr>
     <a:masterClrMapping/>
   </p:clrMapOvr>
-</p:sld>
-</file>
-
-<file path=ppt/slides/slide8.xml><?xml version="1.0" encoding="utf-8"?>
-<p:sld xmlns:a="http://schemas.openxmlformats.org/drawingml/2006/main" xmlns:r="http://schemas.openxmlformats.org/officeDocument/2006/relationships" xmlns:p="http://schemas.openxmlformats.org/presentationml/2006/main">
-  <p:cSld>
-    <p:spTree>
-      <p:nvGrpSpPr>
-        <p:cNvPr id="1" name=""/>
-        <p:cNvGrpSpPr/>
-        <p:nvPr/>
-      </p:nvGrpSpPr>
-      <p:grpSpPr>
-        <a:xfrm>
-          <a:off x="0" y="0"/>
-          <a:ext cx="0" cy="0"/>
-          <a:chOff x="0" y="0"/>
-          <a:chExt cx="0" cy="0"/>
-        </a:xfrm>
-      </p:grpSpPr>
-      <p:sp>
-        <p:nvSpPr>
-          <p:cNvPr id="4" name="Rectangle 3"/>
-          <p:cNvSpPr/>
-          <p:nvPr/>
-        </p:nvSpPr>
-        <p:spPr>
-          <a:xfrm>
-            <a:off x="0" y="-7550"/>
-            <a:ext cx="9144000" cy="1228835"/>
-          </a:xfrm>
-          <a:prstGeom prst="rect">
-            <a:avLst/>
-          </a:prstGeom>
-          <a:solidFill>
-            <a:srgbClr val="3DBFDB"/>
-          </a:solidFill>
-          <a:ln>
-            <a:noFill/>
-          </a:ln>
-          <a:effectLst/>
-        </p:spPr>
-        <p:style>
-          <a:lnRef idx="1">
-            <a:schemeClr val="accent1"/>
-          </a:lnRef>
-          <a:fillRef idx="3">
-            <a:schemeClr val="accent1"/>
-          </a:fillRef>
-          <a:effectRef idx="2">
-            <a:schemeClr val="accent1"/>
-          </a:effectRef>
-          <a:fontRef idx="minor">
-            <a:schemeClr val="lt1"/>
-          </a:fontRef>
-        </p:style>
-        <p:txBody>
-          <a:bodyPr rtlCol="0" anchor="ctr"/>
-          <a:lstStyle/>
-          <a:p>
-            <a:r>
-              <a:rPr lang="en-US" sz="4000" i="1" dirty="0"/>
-              <a:t>	</a:t>
-            </a:r>
-            <a:r>
-              <a:rPr lang="en-US" sz="4000" i="1" dirty="0" smtClean="0"/>
-              <a:t>Find out the value of PI</a:t>
-            </a:r>
-            <a:endParaRPr lang="en-US" sz="4000" i="1" dirty="0"/>
-          </a:p>
-        </p:txBody>
-      </p:sp>
-      <p:sp>
-        <p:nvSpPr>
-          <p:cNvPr id="3" name="Rectangle 2"/>
-          <p:cNvSpPr/>
-          <p:nvPr/>
-        </p:nvSpPr>
-        <p:spPr>
-          <a:xfrm>
-            <a:off x="530941" y="1679815"/>
-            <a:ext cx="6425381" cy="3416320"/>
-          </a:xfrm>
-          <a:prstGeom prst="rect">
-            <a:avLst/>
-          </a:prstGeom>
-        </p:spPr>
-        <p:txBody>
-          <a:bodyPr wrap="square">
-            <a:spAutoFit/>
-          </a:bodyPr>
-          <a:lstStyle/>
-          <a:p>
-            <a:r>
-              <a:rPr lang="en-US" dirty="0">
-                <a:latin typeface="Courier New" charset="0"/>
-                <a:ea typeface="Courier New" charset="0"/>
-                <a:cs typeface="Courier New" charset="0"/>
-              </a:rPr>
-              <a:t>import numpy as np</a:t>
-            </a:r>
-          </a:p>
-          <a:p>
-            <a:r>
-              <a:rPr lang="en-US" dirty="0">
-                <a:latin typeface="Courier New" charset="0"/>
-                <a:ea typeface="Courier New" charset="0"/>
-                <a:cs typeface="Courier New" charset="0"/>
-              </a:rPr>
-              <a:t>def </a:t>
-            </a:r>
-            <a:r>
-              <a:rPr lang="en-US" dirty="0" err="1">
-                <a:latin typeface="Courier New" charset="0"/>
-                <a:ea typeface="Courier New" charset="0"/>
-                <a:cs typeface="Courier New" charset="0"/>
-              </a:rPr>
-              <a:t>myrand</a:t>
-            </a:r>
-            <a:r>
-              <a:rPr lang="en-US" dirty="0">
-                <a:latin typeface="Courier New" charset="0"/>
-                <a:ea typeface="Courier New" charset="0"/>
-                <a:cs typeface="Courier New" charset="0"/>
-              </a:rPr>
-              <a:t>():</a:t>
-            </a:r>
-          </a:p>
-          <a:p>
-            <a:r>
-              <a:rPr lang="mr-IN" dirty="0">
-                <a:latin typeface="Courier New" charset="0"/>
-                <a:ea typeface="Courier New" charset="0"/>
-                <a:cs typeface="Courier New" charset="0"/>
-              </a:rPr>
-              <a:t>    </a:t>
-            </a:r>
-            <a:r>
-              <a:rPr lang="mr-IN" dirty="0" err="1">
-                <a:latin typeface="Courier New" charset="0"/>
-                <a:ea typeface="Courier New" charset="0"/>
-                <a:cs typeface="Courier New" charset="0"/>
-              </a:rPr>
-              <a:t>return</a:t>
-            </a:r>
-            <a:r>
-              <a:rPr lang="mr-IN" dirty="0">
-                <a:latin typeface="Courier New" charset="0"/>
-                <a:ea typeface="Courier New" charset="0"/>
-                <a:cs typeface="Courier New" charset="0"/>
-              </a:rPr>
-              <a:t> </a:t>
-            </a:r>
-            <a:r>
-              <a:rPr lang="mr-IN" dirty="0" err="1">
-                <a:latin typeface="Courier New" charset="0"/>
-                <a:ea typeface="Courier New" charset="0"/>
-                <a:cs typeface="Courier New" charset="0"/>
-              </a:rPr>
-              <a:t>np.random.rand</a:t>
-            </a:r>
-            <a:r>
-              <a:rPr lang="mr-IN" dirty="0">
-                <a:latin typeface="Courier New" charset="0"/>
-                <a:ea typeface="Courier New" charset="0"/>
-                <a:cs typeface="Courier New" charset="0"/>
-              </a:rPr>
-              <a:t>(1,1)[0][0]</a:t>
-            </a:r>
-          </a:p>
-          <a:p>
-            <a:endParaRPr lang="mr-IN" dirty="0">
-              <a:latin typeface="Courier New" charset="0"/>
-              <a:ea typeface="Courier New" charset="0"/>
-              <a:cs typeface="Courier New" charset="0"/>
-            </a:endParaRPr>
-          </a:p>
-          <a:p>
-            <a:r>
-              <a:rPr lang="en-US" dirty="0">
-                <a:latin typeface="Courier New" charset="0"/>
-                <a:ea typeface="Courier New" charset="0"/>
-                <a:cs typeface="Courier New" charset="0"/>
-              </a:rPr>
-              <a:t>samples = </a:t>
-            </a:r>
-            <a:r>
-              <a:rPr lang="en-US" dirty="0" smtClean="0">
-                <a:latin typeface="Courier New" charset="0"/>
-                <a:ea typeface="Courier New" charset="0"/>
-                <a:cs typeface="Courier New" charset="0"/>
-              </a:rPr>
-              <a:t>10000</a:t>
-            </a:r>
-            <a:endParaRPr lang="en-US" dirty="0">
-              <a:latin typeface="Courier New" charset="0"/>
-              <a:ea typeface="Courier New" charset="0"/>
-              <a:cs typeface="Courier New" charset="0"/>
-            </a:endParaRPr>
-          </a:p>
-          <a:p>
-            <a:r>
-              <a:rPr lang="en-US" dirty="0">
-                <a:latin typeface="Courier New" charset="0"/>
-                <a:ea typeface="Courier New" charset="0"/>
-                <a:cs typeface="Courier New" charset="0"/>
-              </a:rPr>
-              <a:t>count = 0</a:t>
-            </a:r>
-          </a:p>
-          <a:p>
-            <a:r>
-              <a:rPr lang="en-US" dirty="0">
-                <a:latin typeface="Courier New" charset="0"/>
-                <a:ea typeface="Courier New" charset="0"/>
-                <a:cs typeface="Courier New" charset="0"/>
-              </a:rPr>
-              <a:t>for </a:t>
-            </a:r>
-            <a:r>
-              <a:rPr lang="en-US" dirty="0" err="1">
-                <a:latin typeface="Courier New" charset="0"/>
-                <a:ea typeface="Courier New" charset="0"/>
-                <a:cs typeface="Courier New" charset="0"/>
-              </a:rPr>
-              <a:t>i</a:t>
-            </a:r>
-            <a:r>
-              <a:rPr lang="en-US" dirty="0">
-                <a:latin typeface="Courier New" charset="0"/>
-                <a:ea typeface="Courier New" charset="0"/>
-                <a:cs typeface="Courier New" charset="0"/>
-              </a:rPr>
-              <a:t> in range(samples):</a:t>
-            </a:r>
-          </a:p>
-          <a:p>
-            <a:r>
-              <a:rPr lang="mr-IN" dirty="0">
-                <a:latin typeface="Courier New" charset="0"/>
-                <a:ea typeface="Courier New" charset="0"/>
-                <a:cs typeface="Courier New" charset="0"/>
-              </a:rPr>
-              <a:t>    </a:t>
-            </a:r>
-            <a:r>
-              <a:rPr lang="mr-IN" dirty="0" err="1">
-                <a:latin typeface="Courier New" charset="0"/>
-                <a:ea typeface="Courier New" charset="0"/>
-                <a:cs typeface="Courier New" charset="0"/>
-              </a:rPr>
-              <a:t>x</a:t>
-            </a:r>
-            <a:r>
-              <a:rPr lang="mr-IN" dirty="0">
-                <a:latin typeface="Courier New" charset="0"/>
-                <a:ea typeface="Courier New" charset="0"/>
-                <a:cs typeface="Courier New" charset="0"/>
-              </a:rPr>
-              <a:t>, </a:t>
-            </a:r>
-            <a:r>
-              <a:rPr lang="mr-IN" dirty="0" err="1">
-                <a:latin typeface="Courier New" charset="0"/>
-                <a:ea typeface="Courier New" charset="0"/>
-                <a:cs typeface="Courier New" charset="0"/>
-              </a:rPr>
-              <a:t>y</a:t>
-            </a:r>
-            <a:r>
-              <a:rPr lang="mr-IN" dirty="0">
-                <a:latin typeface="Courier New" charset="0"/>
-                <a:ea typeface="Courier New" charset="0"/>
-                <a:cs typeface="Courier New" charset="0"/>
-              </a:rPr>
-              <a:t> = </a:t>
-            </a:r>
-            <a:r>
-              <a:rPr lang="mr-IN" dirty="0" err="1">
-                <a:latin typeface="Courier New" charset="0"/>
-                <a:ea typeface="Courier New" charset="0"/>
-                <a:cs typeface="Courier New" charset="0"/>
-              </a:rPr>
-              <a:t>myrand</a:t>
-            </a:r>
-            <a:r>
-              <a:rPr lang="mr-IN" dirty="0">
-                <a:latin typeface="Courier New" charset="0"/>
-                <a:ea typeface="Courier New" charset="0"/>
-                <a:cs typeface="Courier New" charset="0"/>
-              </a:rPr>
-              <a:t>(), </a:t>
-            </a:r>
-            <a:r>
-              <a:rPr lang="mr-IN" dirty="0" err="1">
-                <a:latin typeface="Courier New" charset="0"/>
-                <a:ea typeface="Courier New" charset="0"/>
-                <a:cs typeface="Courier New" charset="0"/>
-              </a:rPr>
-              <a:t>myrand</a:t>
-            </a:r>
-            <a:r>
-              <a:rPr lang="mr-IN" dirty="0">
-                <a:latin typeface="Courier New" charset="0"/>
-                <a:ea typeface="Courier New" charset="0"/>
-                <a:cs typeface="Courier New" charset="0"/>
-              </a:rPr>
-              <a:t>()</a:t>
-            </a:r>
-          </a:p>
-          <a:p>
-            <a:r>
-              <a:rPr lang="mr-IN" dirty="0">
-                <a:latin typeface="Courier New" charset="0"/>
-                <a:ea typeface="Courier New" charset="0"/>
-                <a:cs typeface="Courier New" charset="0"/>
-              </a:rPr>
-              <a:t>    </a:t>
-            </a:r>
-            <a:r>
-              <a:rPr lang="mr-IN" dirty="0" err="1">
-                <a:latin typeface="Courier New" charset="0"/>
-                <a:ea typeface="Courier New" charset="0"/>
-                <a:cs typeface="Courier New" charset="0"/>
-              </a:rPr>
-              <a:t>if</a:t>
-            </a:r>
-            <a:r>
-              <a:rPr lang="mr-IN" dirty="0">
-                <a:latin typeface="Courier New" charset="0"/>
-                <a:ea typeface="Courier New" charset="0"/>
-                <a:cs typeface="Courier New" charset="0"/>
-              </a:rPr>
-              <a:t> </a:t>
-            </a:r>
-            <a:r>
-              <a:rPr lang="mr-IN" dirty="0" smtClean="0">
-                <a:latin typeface="Courier New" charset="0"/>
-                <a:ea typeface="Courier New" charset="0"/>
-                <a:cs typeface="Courier New" charset="0"/>
-              </a:rPr>
-              <a:t>(</a:t>
-            </a:r>
-            <a:r>
-              <a:rPr lang="mr-IN" dirty="0" err="1" smtClean="0">
-                <a:latin typeface="Courier New" charset="0"/>
-                <a:ea typeface="Courier New" charset="0"/>
-                <a:cs typeface="Courier New" charset="0"/>
-              </a:rPr>
-              <a:t>x</a:t>
-            </a:r>
-            <a:r>
-              <a:rPr lang="mr-IN" dirty="0" smtClean="0">
-                <a:latin typeface="Courier New" charset="0"/>
-                <a:ea typeface="Courier New" charset="0"/>
-                <a:cs typeface="Courier New" charset="0"/>
-              </a:rPr>
-              <a:t>**</a:t>
-            </a:r>
-            <a:r>
-              <a:rPr lang="mr-IN" dirty="0">
-                <a:latin typeface="Courier New" charset="0"/>
-                <a:ea typeface="Courier New" charset="0"/>
-                <a:cs typeface="Courier New" charset="0"/>
-              </a:rPr>
-              <a:t>2 + </a:t>
-            </a:r>
-            <a:r>
-              <a:rPr lang="mr-IN" dirty="0" err="1" smtClean="0">
-                <a:latin typeface="Courier New" charset="0"/>
-                <a:ea typeface="Courier New" charset="0"/>
-                <a:cs typeface="Courier New" charset="0"/>
-              </a:rPr>
-              <a:t>y</a:t>
-            </a:r>
-            <a:r>
-              <a:rPr lang="mr-IN" dirty="0" smtClean="0">
-                <a:latin typeface="Courier New" charset="0"/>
-                <a:ea typeface="Courier New" charset="0"/>
-                <a:cs typeface="Courier New" charset="0"/>
-              </a:rPr>
-              <a:t>**</a:t>
-            </a:r>
-            <a:r>
-              <a:rPr lang="mr-IN" dirty="0">
-                <a:latin typeface="Courier New" charset="0"/>
-                <a:ea typeface="Courier New" charset="0"/>
-                <a:cs typeface="Courier New" charset="0"/>
-              </a:rPr>
-              <a:t>2)**0.5 &lt; </a:t>
-            </a:r>
-            <a:r>
-              <a:rPr lang="en-US" dirty="0">
-                <a:latin typeface="Courier New" charset="0"/>
-                <a:ea typeface="Courier New" charset="0"/>
-                <a:cs typeface="Courier New" charset="0"/>
-              </a:rPr>
-              <a:t>1</a:t>
-            </a:r>
-            <a:r>
-              <a:rPr lang="mr-IN" dirty="0" smtClean="0">
-                <a:latin typeface="Courier New" charset="0"/>
-                <a:ea typeface="Courier New" charset="0"/>
-                <a:cs typeface="Courier New" charset="0"/>
-              </a:rPr>
-              <a:t>:</a:t>
-            </a:r>
-            <a:endParaRPr lang="mr-IN" dirty="0">
-              <a:latin typeface="Courier New" charset="0"/>
-              <a:ea typeface="Courier New" charset="0"/>
-              <a:cs typeface="Courier New" charset="0"/>
-            </a:endParaRPr>
-          </a:p>
-          <a:p>
-            <a:r>
-              <a:rPr lang="mr-IN" dirty="0">
-                <a:latin typeface="Courier New" charset="0"/>
-                <a:ea typeface="Courier New" charset="0"/>
-                <a:cs typeface="Courier New" charset="0"/>
-              </a:rPr>
-              <a:t>        </a:t>
-            </a:r>
-            <a:r>
-              <a:rPr lang="mr-IN" dirty="0" err="1">
-                <a:latin typeface="Courier New" charset="0"/>
-                <a:ea typeface="Courier New" charset="0"/>
-                <a:cs typeface="Courier New" charset="0"/>
-              </a:rPr>
-              <a:t>count</a:t>
-            </a:r>
-            <a:r>
-              <a:rPr lang="mr-IN" dirty="0">
-                <a:latin typeface="Courier New" charset="0"/>
-                <a:ea typeface="Courier New" charset="0"/>
-                <a:cs typeface="Courier New" charset="0"/>
-              </a:rPr>
-              <a:t> += 1</a:t>
-            </a:r>
-          </a:p>
-          <a:p>
-            <a:r>
-              <a:rPr lang="en-US" dirty="0">
-                <a:latin typeface="Courier New" charset="0"/>
-                <a:ea typeface="Courier New" charset="0"/>
-                <a:cs typeface="Courier New" charset="0"/>
-              </a:rPr>
-              <a:t>PI = count/samples*4</a:t>
-            </a:r>
-          </a:p>
-          <a:p>
-            <a:r>
-              <a:rPr lang="mr-IN" dirty="0" err="1">
-                <a:latin typeface="Courier New" charset="0"/>
-                <a:ea typeface="Courier New" charset="0"/>
-                <a:cs typeface="Courier New" charset="0"/>
-              </a:rPr>
-              <a:t>print</a:t>
-            </a:r>
-            <a:r>
-              <a:rPr lang="mr-IN" dirty="0">
-                <a:latin typeface="Courier New" charset="0"/>
-                <a:ea typeface="Courier New" charset="0"/>
-                <a:cs typeface="Courier New" charset="0"/>
-              </a:rPr>
-              <a:t>('</a:t>
-            </a:r>
-            <a:r>
-              <a:rPr lang="mr-IN" dirty="0" err="1">
-                <a:latin typeface="Courier New" charset="0"/>
-                <a:ea typeface="Courier New" charset="0"/>
-                <a:cs typeface="Courier New" charset="0"/>
-              </a:rPr>
-              <a:t>Pi</a:t>
-            </a:r>
-            <a:r>
-              <a:rPr lang="mr-IN" dirty="0">
-                <a:latin typeface="Courier New" charset="0"/>
-                <a:ea typeface="Courier New" charset="0"/>
-                <a:cs typeface="Courier New" charset="0"/>
-              </a:rPr>
-              <a:t> = %</a:t>
-            </a:r>
-            <a:r>
-              <a:rPr lang="mr-IN" dirty="0" err="1">
-                <a:latin typeface="Courier New" charset="0"/>
-                <a:ea typeface="Courier New" charset="0"/>
-                <a:cs typeface="Courier New" charset="0"/>
-              </a:rPr>
-              <a:t>f</a:t>
-            </a:r>
-            <a:r>
-              <a:rPr lang="mr-IN" dirty="0">
-                <a:latin typeface="Courier New" charset="0"/>
-                <a:ea typeface="Courier New" charset="0"/>
-                <a:cs typeface="Courier New" charset="0"/>
-              </a:rPr>
-              <a:t>'%PI)</a:t>
-            </a:r>
-            <a:endParaRPr lang="en-US" dirty="0">
-              <a:latin typeface="Courier New" charset="0"/>
-              <a:ea typeface="Courier New" charset="0"/>
-              <a:cs typeface="Courier New" charset="0"/>
-            </a:endParaRPr>
-          </a:p>
-        </p:txBody>
-      </p:sp>
-    </p:spTree>
-    <p:extLst>
-      <p:ext uri="{BB962C8B-B14F-4D97-AF65-F5344CB8AC3E}">
-        <p14:creationId xmlns:p14="http://schemas.microsoft.com/office/powerpoint/2010/main" val="1557596128"/>
-      </p:ext>
-    </p:extLst>
-  </p:cSld>
-  <p:clrMapOvr>
-    <a:masterClrMapping/>
-  </p:clrMapOvr>
-</p:sld>
-</file>
-
-<file path=ppt/slides/slide9.xml><?xml version="1.0" encoding="utf-8"?>
-<p:sld xmlns:a="http://schemas.openxmlformats.org/drawingml/2006/main" xmlns:r="http://schemas.openxmlformats.org/officeDocument/2006/relationships" xmlns:p="http://schemas.openxmlformats.org/presentationml/2006/main">
-  <p:cSld>
-    <p:spTree>
-      <p:nvGrpSpPr>
-        <p:cNvPr id="1" name=""/>
-        <p:cNvGrpSpPr/>
-        <p:nvPr/>
-      </p:nvGrpSpPr>
-      <p:grpSpPr>
-        <a:xfrm>
-          <a:off x="0" y="0"/>
-          <a:ext cx="0" cy="0"/>
-          <a:chOff x="0" y="0"/>
-          <a:chExt cx="0" cy="0"/>
-        </a:xfrm>
-      </p:grpSpPr>
-      <p:sp>
-        <p:nvSpPr>
-          <p:cNvPr id="4" name="Rectangle 3"/>
-          <p:cNvSpPr/>
-          <p:nvPr/>
-        </p:nvSpPr>
-        <p:spPr>
-          <a:xfrm>
-            <a:off x="0" y="-7550"/>
-            <a:ext cx="9144000" cy="1228835"/>
-          </a:xfrm>
-          <a:prstGeom prst="rect">
-            <a:avLst/>
-          </a:prstGeom>
-          <a:solidFill>
-            <a:srgbClr val="3DBFDB"/>
-          </a:solidFill>
-          <a:ln>
-            <a:noFill/>
-          </a:ln>
-          <a:effectLst/>
-        </p:spPr>
-        <p:style>
-          <a:lnRef idx="1">
-            <a:schemeClr val="accent1"/>
-          </a:lnRef>
-          <a:fillRef idx="3">
-            <a:schemeClr val="accent1"/>
-          </a:fillRef>
-          <a:effectRef idx="2">
-            <a:schemeClr val="accent1"/>
-          </a:effectRef>
-          <a:fontRef idx="minor">
-            <a:schemeClr val="lt1"/>
-          </a:fontRef>
-        </p:style>
-        <p:txBody>
-          <a:bodyPr rtlCol="0" anchor="ctr"/>
-          <a:lstStyle/>
-          <a:p>
-            <a:r>
-              <a:rPr lang="en-US" sz="4000" i="1" dirty="0"/>
-              <a:t>	</a:t>
-            </a:r>
-            <a:r>
-              <a:rPr lang="en-US" sz="4000" i="1" dirty="0" smtClean="0"/>
-              <a:t>Monte Carlo methods</a:t>
-            </a:r>
-            <a:endParaRPr lang="en-US" sz="4000" i="1" dirty="0"/>
-          </a:p>
-        </p:txBody>
-      </p:sp>
-      <p:sp>
-        <p:nvSpPr>
-          <p:cNvPr id="5" name="Content Placeholder 2"/>
-          <p:cNvSpPr>
-            <a:spLocks noGrp="1"/>
-          </p:cNvSpPr>
-          <p:nvPr>
-            <p:ph idx="1"/>
-          </p:nvPr>
-        </p:nvSpPr>
-        <p:spPr>
-          <a:xfrm>
-            <a:off x="457200" y="1600201"/>
-            <a:ext cx="8495414" cy="4525963"/>
-          </a:xfrm>
-        </p:spPr>
-        <p:txBody>
-          <a:bodyPr/>
-          <a:lstStyle/>
-          <a:p>
-            <a:r>
-              <a:rPr lang="en-US" dirty="0" smtClean="0"/>
-              <a:t>Use randomness to solve problems that might be deterministic in principle</a:t>
-            </a:r>
-          </a:p>
-          <a:p>
-            <a:r>
-              <a:rPr lang="en-US" dirty="0" smtClean="0"/>
-              <a:t>Simulating random samples is relatively cheap with high performance computer</a:t>
-            </a:r>
-          </a:p>
-          <a:p>
-            <a:r>
-              <a:rPr lang="en-US" altLang="zh-CN" dirty="0" smtClean="0"/>
-              <a:t>Computing vs. Mathematics</a:t>
-            </a:r>
-            <a:endParaRPr lang="en-US" altLang="zh-CN" dirty="0"/>
-          </a:p>
-          <a:p>
-            <a:endParaRPr lang="en-US" altLang="zh-CN" dirty="0" smtClean="0"/>
-          </a:p>
-        </p:txBody>
-      </p:sp>
-    </p:spTree>
-    <p:extLst>
-      <p:ext uri="{BB962C8B-B14F-4D97-AF65-F5344CB8AC3E}">
-        <p14:creationId xmlns:p14="http://schemas.microsoft.com/office/powerpoint/2010/main" val="571391952"/>
-      </p:ext>
-    </p:extLst>
-  </p:cSld>
-  <p:clrMapOvr>
-    <a:masterClrMapping/>
-  </p:clrMapOvr>
+  <p:timing>
+    <p:tnLst>
+      <p:par>
+        <p:cTn id="1" dur="indefinite" restart="never" nodeType="tmRoot"/>
+      </p:par>
+    </p:tnLst>
+  </p:timing>
 </p:sld>
 </file>
 

--- a/lectures/lec13/lec13.pptx
+++ b/lectures/lec13/lec13.pptx
@@ -3264,7 +3264,23 @@
                   <a:srgbClr val="118EB0"/>
                 </a:solidFill>
               </a:rPr>
-              <a:t>Random sampling, Monte Carlo methods</a:t>
+              <a:t>Simulation</a:t>
+            </a:r>
+            <a:r>
+              <a:rPr lang="en-US" sz="2000" dirty="0" smtClean="0">
+                <a:solidFill>
+                  <a:srgbClr val="118EB0"/>
+                </a:solidFill>
+              </a:rPr>
+              <a:t>, </a:t>
+            </a:r>
+            <a:r>
+              <a:rPr lang="en-US" sz="2000" dirty="0" smtClean="0">
+                <a:solidFill>
+                  <a:srgbClr val="118EB0"/>
+                </a:solidFill>
+              </a:rPr>
+              <a:t>Monte Carlo methods</a:t>
             </a:r>
           </a:p>
           <a:p>
@@ -3282,7 +3298,15 @@
                   <a:srgbClr val="000000"/>
                 </a:solidFill>
               </a:rPr>
-              <a:t>CS101 Lecture #5</a:t>
+              <a:t>CS101 Lecture </a:t>
+            </a:r>
+            <a:r>
+              <a:rPr lang="en-US" sz="3600" dirty="0" smtClean="0">
+                <a:solidFill>
+                  <a:srgbClr val="000000"/>
+                </a:solidFill>
+              </a:rPr>
+              <a:t>#13</a:t>
             </a:r>
             <a:endParaRPr lang="en-US" sz="4800" dirty="0">
               <a:solidFill>
@@ -3301,7 +3325,7 @@
         <p:spPr>
           <a:xfrm>
             <a:off x="8001740" y="6488668"/>
-            <a:ext cx="1142260" cy="338554"/>
+            <a:ext cx="1143262" cy="338554"/>
           </a:xfrm>
           <a:prstGeom prst="rect">
             <a:avLst/>
@@ -3320,7 +3344,7 @@
                   <a:srgbClr val="118EB0"/>
                 </a:solidFill>
               </a:rPr>
-              <a:t>2016-10-10</a:t>
+              <a:t>2016-11-07</a:t>
             </a:r>
             <a:endParaRPr lang="en-US" sz="1600" dirty="0">
               <a:solidFill>
@@ -3753,8 +3777,8 @@
         </p:nvSpPr>
         <p:spPr>
           <a:xfrm>
-            <a:off x="933763" y="5929843"/>
-            <a:ext cx="7086299" cy="523220"/>
+            <a:off x="262454" y="5842211"/>
+            <a:ext cx="8619091" cy="523220"/>
           </a:xfrm>
           <a:prstGeom prst="rect">
             <a:avLst/>
@@ -3773,7 +3797,15 @@
                   <a:srgbClr val="1ACFFF"/>
                 </a:solidFill>
               </a:rPr>
-              <a:t>Find out PI by generating a ton of random dots!</a:t>
+              <a:t>Find out PI by generating a ton of </a:t>
+            </a:r>
+            <a:r>
+              <a:rPr lang="en-US" sz="2800" i="1" smtClean="0">
+                <a:solidFill>
+                  <a:srgbClr val="1ACFFF"/>
+                </a:solidFill>
+              </a:rPr>
+              <a:t>random dots and count!</a:t>
             </a:r>
             <a:endParaRPr lang="en-US" sz="2800" i="1" dirty="0">
               <a:solidFill>
@@ -4628,11 +4660,7 @@
           <a:p>
             <a:r>
               <a:rPr lang="en-US" dirty="0" smtClean="0"/>
-              <a:t>Use randomness to solve problems that might be deterministic in </a:t>
-            </a:r>
-            <a:r>
-              <a:rPr lang="en-US" dirty="0" smtClean="0"/>
-              <a:t>principle </a:t>
+              <a:t>Use randomness to solve problems that might be deterministic in principle </a:t>
             </a:r>
           </a:p>
           <a:p>
@@ -4641,18 +4669,12 @@
               <a:rPr lang="en-US" i="1" dirty="0" smtClean="0"/>
               <a:t>optimization, statistical inference, biology, computer graphics</a:t>
             </a:r>
-            <a:endParaRPr lang="en-US" i="1" dirty="0" smtClean="0"/>
           </a:p>
           <a:p>
             <a:r>
               <a:rPr lang="en-US" dirty="0" smtClean="0"/>
-              <a:t>Simulating random samples is relatively </a:t>
-            </a:r>
-            <a:r>
-              <a:rPr lang="en-US" dirty="0" smtClean="0"/>
-              <a:t>cheap</a:t>
-            </a:r>
-            <a:endParaRPr lang="en-US" dirty="0" smtClean="0"/>
+              <a:t>Simulating random samples is relatively cheap</a:t>
+            </a:r>
           </a:p>
           <a:p>
             <a:r>
@@ -5539,11 +5561,7 @@
             </a:r>
             <a:r>
               <a:rPr lang="en-US" sz="4000" i="1" dirty="0" smtClean="0"/>
-              <a:t>Mid-term I </a:t>
-            </a:r>
-            <a:r>
-              <a:rPr lang="en-US" sz="4000" i="1" dirty="0" smtClean="0"/>
-              <a:t>statistics (all)</a:t>
+              <a:t>Mid-term I statistics (all)</a:t>
             </a:r>
             <a:endParaRPr lang="en-US" sz="4000" i="1" dirty="0"/>
           </a:p>
@@ -5984,11 +6002,7 @@
             </a:r>
             <a:r>
               <a:rPr lang="en-US" sz="4000" i="1" dirty="0" smtClean="0"/>
-              <a:t>Mid-term I </a:t>
-            </a:r>
-            <a:r>
-              <a:rPr lang="en-US" sz="4000" i="1" dirty="0" smtClean="0"/>
-              <a:t>statistics (session A)</a:t>
+              <a:t>Mid-term I statistics (session A)</a:t>
             </a:r>
             <a:endParaRPr lang="en-US" sz="4000" i="1" dirty="0"/>
           </a:p>
@@ -6369,11 +6383,7 @@
             </a:r>
             <a:r>
               <a:rPr lang="en-US" sz="4000" i="1" dirty="0" smtClean="0"/>
-              <a:t>Mid-term I </a:t>
-            </a:r>
-            <a:r>
-              <a:rPr lang="en-US" sz="4000" i="1" dirty="0" smtClean="0"/>
-              <a:t>statistics (session B)</a:t>
+              <a:t>Mid-term I statistics (session B)</a:t>
             </a:r>
             <a:endParaRPr lang="en-US" sz="4000" i="1" dirty="0"/>
           </a:p>
@@ -6746,7 +6756,7 @@
             </a:r>
             <a:r>
               <a:rPr lang="en-US" sz="4000" i="1" dirty="0" smtClean="0"/>
-              <a:t>Finding solution </a:t>
+              <a:t>Find solution </a:t>
             </a:r>
             <a:r>
               <a:rPr lang="en-US" sz="4000" i="1" dirty="0"/>
@@ -6923,7 +6933,7 @@
           <a:p>
             <a:r>
               <a:rPr lang="en-US" sz="4000" i="1" dirty="0" smtClean="0"/>
-              <a:t>	Finding solution by Simulation</a:t>
+              <a:t>	Find solution by Simulation</a:t>
             </a:r>
             <a:endParaRPr lang="en-US" sz="4000" i="1" dirty="0"/>
           </a:p>
@@ -7021,7 +7031,7 @@
         </p:nvSpPr>
         <p:spPr>
           <a:xfrm>
-            <a:off x="0" y="1440225"/>
+            <a:off x="162047" y="1440225"/>
             <a:ext cx="9824483" cy="4524315"/>
           </a:xfrm>
           <a:prstGeom prst="rect">
@@ -7557,22 +7567,13 @@
           <a:p>
             <a:r>
               <a:rPr lang="en-US" dirty="0" smtClean="0"/>
-              <a:t>Historical puzzle </a:t>
-            </a:r>
+              <a:t>Historical puzzle in mathematics</a:t>
+            </a:r>
+          </a:p>
+          <a:p>
             <a:r>
               <a:rPr lang="en-US" dirty="0" smtClean="0"/>
-              <a:t>in mathematics</a:t>
-            </a:r>
-            <a:endParaRPr lang="en-US" dirty="0" smtClean="0"/>
-          </a:p>
-          <a:p>
-            <a:r>
-              <a:rPr lang="en-US" dirty="0" smtClean="0"/>
-              <a:t>~1500 years </a:t>
-            </a:r>
-            <a:r>
-              <a:rPr lang="en-US" dirty="0" smtClean="0"/>
-              <a:t>ago</a:t>
+              <a:t>~1500 years ago</a:t>
             </a:r>
             <a:endParaRPr lang="en-US" altLang="zh-CN" dirty="0" smtClean="0"/>
           </a:p>
@@ -7857,15 +7858,7 @@
             </a:r>
             <a:r>
               <a:rPr lang="en-US" altLang="zh-CN" dirty="0" smtClean="0"/>
-              <a:t>difficult for </a:t>
-            </a:r>
-            <a:r>
-              <a:rPr lang="en-US" altLang="zh-CN" dirty="0"/>
-              <a:t>us any </a:t>
-            </a:r>
-            <a:r>
-              <a:rPr lang="en-US" altLang="zh-CN" dirty="0" smtClean="0"/>
-              <a:t>more</a:t>
+              <a:t>difficult for us</a:t>
             </a:r>
             <a:r>
               <a:rPr lang="mr-IN" altLang="zh-CN" dirty="0" smtClean="0"/>

--- a/lectures/lec13/lec13.pptx
+++ b/lectures/lec13/lec13.pptx
@@ -12,12 +12,16 @@
     <p:sldId id="272" r:id="rId6"/>
     <p:sldId id="264" r:id="rId7"/>
     <p:sldId id="265" r:id="rId8"/>
-    <p:sldId id="268" r:id="rId9"/>
-    <p:sldId id="266" r:id="rId10"/>
-    <p:sldId id="269" r:id="rId11"/>
-    <p:sldId id="270" r:id="rId12"/>
-    <p:sldId id="271" r:id="rId13"/>
-    <p:sldId id="276" r:id="rId14"/>
+    <p:sldId id="280" r:id="rId9"/>
+    <p:sldId id="279" r:id="rId10"/>
+    <p:sldId id="278" r:id="rId11"/>
+    <p:sldId id="277" r:id="rId12"/>
+    <p:sldId id="268" r:id="rId13"/>
+    <p:sldId id="266" r:id="rId14"/>
+    <p:sldId id="269" r:id="rId15"/>
+    <p:sldId id="270" r:id="rId16"/>
+    <p:sldId id="271" r:id="rId17"/>
+    <p:sldId id="276" r:id="rId18"/>
   </p:sldIdLst>
   <p:sldSz cx="9144000" cy="6858000" type="screen4x3"/>
   <p:notesSz cx="6858000" cy="9144000"/>
@@ -128,6 +132,10 @@
             <p14:sldId id="272"/>
             <p14:sldId id="264"/>
             <p14:sldId id="265"/>
+            <p14:sldId id="280"/>
+            <p14:sldId id="279"/>
+            <p14:sldId id="278"/>
+            <p14:sldId id="277"/>
             <p14:sldId id="268"/>
             <p14:sldId id="266"/>
             <p14:sldId id="269"/>
@@ -340,7 +348,7 @@
           <a:p>
             <a:fld id="{5ECE4D60-05A1-A640-A7CD-C0D17F809990}" type="datetimeFigureOut">
               <a:rPr lang="en-US" smtClean="0"/>
-              <a:t>11/6/17</a:t>
+              <a:t>11/8/17</a:t>
             </a:fld>
             <a:endParaRPr lang="en-US"/>
           </a:p>
@@ -510,7 +518,7 @@
           <a:p>
             <a:fld id="{5ECE4D60-05A1-A640-A7CD-C0D17F809990}" type="datetimeFigureOut">
               <a:rPr lang="en-US" smtClean="0"/>
-              <a:t>11/6/17</a:t>
+              <a:t>11/8/17</a:t>
             </a:fld>
             <a:endParaRPr lang="en-US"/>
           </a:p>
@@ -690,7 +698,7 @@
           <a:p>
             <a:fld id="{5ECE4D60-05A1-A640-A7CD-C0D17F809990}" type="datetimeFigureOut">
               <a:rPr lang="en-US" smtClean="0"/>
-              <a:t>11/6/17</a:t>
+              <a:t>11/8/17</a:t>
             </a:fld>
             <a:endParaRPr lang="en-US"/>
           </a:p>
@@ -860,7 +868,7 @@
           <a:p>
             <a:fld id="{5ECE4D60-05A1-A640-A7CD-C0D17F809990}" type="datetimeFigureOut">
               <a:rPr lang="en-US" smtClean="0"/>
-              <a:t>11/6/17</a:t>
+              <a:t>11/8/17</a:t>
             </a:fld>
             <a:endParaRPr lang="en-US"/>
           </a:p>
@@ -1106,7 +1114,7 @@
           <a:p>
             <a:fld id="{5ECE4D60-05A1-A640-A7CD-C0D17F809990}" type="datetimeFigureOut">
               <a:rPr lang="en-US" smtClean="0"/>
-              <a:t>11/6/17</a:t>
+              <a:t>11/8/17</a:t>
             </a:fld>
             <a:endParaRPr lang="en-US"/>
           </a:p>
@@ -1394,7 +1402,7 @@
           <a:p>
             <a:fld id="{5ECE4D60-05A1-A640-A7CD-C0D17F809990}" type="datetimeFigureOut">
               <a:rPr lang="en-US" smtClean="0"/>
-              <a:t>11/6/17</a:t>
+              <a:t>11/8/17</a:t>
             </a:fld>
             <a:endParaRPr lang="en-US"/>
           </a:p>
@@ -1821,7 +1829,7 @@
           <a:p>
             <a:fld id="{5ECE4D60-05A1-A640-A7CD-C0D17F809990}" type="datetimeFigureOut">
               <a:rPr lang="en-US" smtClean="0"/>
-              <a:t>11/6/17</a:t>
+              <a:t>11/8/17</a:t>
             </a:fld>
             <a:endParaRPr lang="en-US"/>
           </a:p>
@@ -1939,7 +1947,7 @@
           <a:p>
             <a:fld id="{5ECE4D60-05A1-A640-A7CD-C0D17F809990}" type="datetimeFigureOut">
               <a:rPr lang="en-US" smtClean="0"/>
-              <a:t>11/6/17</a:t>
+              <a:t>11/8/17</a:t>
             </a:fld>
             <a:endParaRPr lang="en-US"/>
           </a:p>
@@ -2034,7 +2042,7 @@
           <a:p>
             <a:fld id="{5ECE4D60-05A1-A640-A7CD-C0D17F809990}" type="datetimeFigureOut">
               <a:rPr lang="en-US" smtClean="0"/>
-              <a:t>11/6/17</a:t>
+              <a:t>11/8/17</a:t>
             </a:fld>
             <a:endParaRPr lang="en-US"/>
           </a:p>
@@ -2311,7 +2319,7 @@
           <a:p>
             <a:fld id="{5ECE4D60-05A1-A640-A7CD-C0D17F809990}" type="datetimeFigureOut">
               <a:rPr lang="en-US" smtClean="0"/>
-              <a:t>11/6/17</a:t>
+              <a:t>11/8/17</a:t>
             </a:fld>
             <a:endParaRPr lang="en-US"/>
           </a:p>
@@ -2564,7 +2572,7 @@
           <a:p>
             <a:fld id="{5ECE4D60-05A1-A640-A7CD-C0D17F809990}" type="datetimeFigureOut">
               <a:rPr lang="en-US" smtClean="0"/>
-              <a:t>11/6/17</a:t>
+              <a:t>11/8/17</a:t>
             </a:fld>
             <a:endParaRPr lang="en-US"/>
           </a:p>
@@ -2777,7 +2785,7 @@
           <a:p>
             <a:fld id="{5ECE4D60-05A1-A640-A7CD-C0D17F809990}" type="datetimeFigureOut">
               <a:rPr lang="en-US" smtClean="0"/>
-              <a:t>11/6/17</a:t>
+              <a:t>11/8/17</a:t>
             </a:fld>
             <a:endParaRPr lang="en-US"/>
           </a:p>
@@ -3264,23 +3272,7 @@
                   <a:srgbClr val="118EB0"/>
                 </a:solidFill>
               </a:rPr>
-              <a:t>Simulation</a:t>
-            </a:r>
-            <a:r>
-              <a:rPr lang="en-US" sz="2000" dirty="0" smtClean="0">
-                <a:solidFill>
-                  <a:srgbClr val="118EB0"/>
-                </a:solidFill>
-              </a:rPr>
-              <a:t>, </a:t>
-            </a:r>
-            <a:r>
-              <a:rPr lang="en-US" sz="2000" dirty="0" smtClean="0">
-                <a:solidFill>
-                  <a:srgbClr val="118EB0"/>
-                </a:solidFill>
-              </a:rPr>
-              <a:t>Monte Carlo methods</a:t>
+              <a:t>Simulation, Monte Carlo methods</a:t>
             </a:r>
           </a:p>
           <a:p>
@@ -3298,15 +3290,7 @@
                   <a:srgbClr val="000000"/>
                 </a:solidFill>
               </a:rPr>
-              <a:t>CS101 Lecture </a:t>
-            </a:r>
-            <a:r>
-              <a:rPr lang="en-US" sz="3600" dirty="0" smtClean="0">
-                <a:solidFill>
-                  <a:srgbClr val="000000"/>
-                </a:solidFill>
-              </a:rPr>
-              <a:t>#13</a:t>
+              <a:t>CS101 Lecture #13</a:t>
             </a:r>
             <a:endParaRPr lang="en-US" sz="4800" dirty="0">
               <a:solidFill>
@@ -3433,11 +3417,7 @@
           <a:p>
             <a:r>
               <a:rPr lang="en-US" sz="4000" i="1" dirty="0"/>
-              <a:t>	</a:t>
-            </a:r>
-            <a:r>
-              <a:rPr lang="en-US" sz="4000" i="1" dirty="0" smtClean="0"/>
-              <a:t>Find out the value of PI</a:t>
+              <a:t>	Toss a coin</a:t>
             </a:r>
             <a:endParaRPr lang="en-US" sz="4000" i="1" dirty="0"/>
           </a:p>
@@ -3527,8 +3507,1120 @@
           </a:p>
         </p:txBody>
       </p:sp>
-      <mc:AlternateContent xmlns:mc="http://schemas.openxmlformats.org/markup-compatibility/2006" xmlns:a14="http://schemas.microsoft.com/office/drawing/2010/main">
-        <mc:Choice Requires="a14">
+      <p:sp>
+        <p:nvSpPr>
+          <p:cNvPr id="6" name="Rectangle 5"/>
+          <p:cNvSpPr/>
+          <p:nvPr/>
+        </p:nvSpPr>
+        <p:spPr>
+          <a:xfrm>
+            <a:off x="0" y="6451738"/>
+            <a:ext cx="963982" cy="276999"/>
+          </a:xfrm>
+          <a:prstGeom prst="rect">
+            <a:avLst/>
+          </a:prstGeom>
+        </p:spPr>
+        <p:txBody>
+          <a:bodyPr wrap="none">
+            <a:spAutoFit/>
+          </a:bodyPr>
+          <a:lstStyle/>
+          <a:p>
+            <a:r>
+              <a:rPr lang="en-US" sz="1200" dirty="0" smtClean="0">
+                <a:solidFill>
+                  <a:srgbClr val="118EB0"/>
+                </a:solidFill>
+              </a:rPr>
+              <a:t>Monte Carlo</a:t>
+            </a:r>
+            <a:endParaRPr lang="en-US" sz="1200" dirty="0">
+              <a:solidFill>
+                <a:srgbClr val="118EB0"/>
+              </a:solidFill>
+            </a:endParaRPr>
+          </a:p>
+        </p:txBody>
+      </p:sp>
+      <p:sp>
+        <p:nvSpPr>
+          <p:cNvPr id="8" name="Rectangle 7"/>
+          <p:cNvSpPr/>
+          <p:nvPr/>
+        </p:nvSpPr>
+        <p:spPr>
+          <a:xfrm>
+            <a:off x="439838" y="1708483"/>
+            <a:ext cx="8264323" cy="3924151"/>
+          </a:xfrm>
+          <a:prstGeom prst="rect">
+            <a:avLst/>
+          </a:prstGeom>
+        </p:spPr>
+        <p:txBody>
+          <a:bodyPr wrap="square">
+            <a:spAutoFit/>
+          </a:bodyPr>
+          <a:lstStyle/>
+          <a:p>
+            <a:r>
+              <a:rPr lang="en-US" dirty="0">
+                <a:latin typeface="Courier New" charset="0"/>
+                <a:ea typeface="Courier New" charset="0"/>
+                <a:cs typeface="Courier New" charset="0"/>
+              </a:rPr>
+              <a:t>import numpy as np</a:t>
+            </a:r>
+          </a:p>
+          <a:p>
+            <a:endParaRPr lang="en-US" dirty="0" smtClean="0">
+              <a:latin typeface="Courier New" charset="0"/>
+              <a:ea typeface="Courier New" charset="0"/>
+              <a:cs typeface="Courier New" charset="0"/>
+            </a:endParaRPr>
+          </a:p>
+          <a:p>
+            <a:r>
+              <a:rPr lang="en-US" dirty="0" smtClean="0">
+                <a:latin typeface="Courier New" charset="0"/>
+                <a:ea typeface="Courier New" charset="0"/>
+                <a:cs typeface="Courier New" charset="0"/>
+              </a:rPr>
+              <a:t>repeat = 10000</a:t>
+            </a:r>
+            <a:endParaRPr lang="en-US" dirty="0">
+              <a:latin typeface="Courier New" charset="0"/>
+              <a:ea typeface="Courier New" charset="0"/>
+              <a:cs typeface="Courier New" charset="0"/>
+            </a:endParaRPr>
+          </a:p>
+          <a:p>
+            <a:r>
+              <a:rPr lang="en-US" dirty="0" smtClean="0">
+                <a:latin typeface="Courier New" charset="0"/>
+                <a:ea typeface="Courier New" charset="0"/>
+                <a:cs typeface="Courier New" charset="0"/>
+              </a:rPr>
+              <a:t>count = 0</a:t>
+            </a:r>
+          </a:p>
+          <a:p>
+            <a:r>
+              <a:rPr lang="en-US" dirty="0" smtClean="0">
+                <a:latin typeface="Courier New" charset="0"/>
+                <a:ea typeface="Courier New" charset="0"/>
+                <a:cs typeface="Courier New" charset="0"/>
+              </a:rPr>
+              <a:t>for trial </a:t>
+            </a:r>
+            <a:r>
+              <a:rPr lang="en-US" dirty="0">
+                <a:latin typeface="Courier New" charset="0"/>
+                <a:ea typeface="Courier New" charset="0"/>
+                <a:cs typeface="Courier New" charset="0"/>
+              </a:rPr>
+              <a:t>in </a:t>
+            </a:r>
+            <a:r>
+              <a:rPr lang="en-US" dirty="0" smtClean="0">
+                <a:latin typeface="Courier New" charset="0"/>
+                <a:ea typeface="Courier New" charset="0"/>
+                <a:cs typeface="Courier New" charset="0"/>
+              </a:rPr>
+              <a:t>range(repeat):</a:t>
+            </a:r>
+            <a:endParaRPr lang="en-US" dirty="0">
+              <a:latin typeface="Courier New" charset="0"/>
+              <a:ea typeface="Courier New" charset="0"/>
+              <a:cs typeface="Courier New" charset="0"/>
+            </a:endParaRPr>
+          </a:p>
+          <a:p>
+            <a:r>
+              <a:rPr lang="en-US" dirty="0">
+                <a:latin typeface="Courier New" charset="0"/>
+                <a:ea typeface="Courier New" charset="0"/>
+                <a:cs typeface="Courier New" charset="0"/>
+              </a:rPr>
+              <a:t>	</a:t>
+            </a:r>
+            <a:r>
+              <a:rPr lang="en-US" dirty="0" smtClean="0">
+                <a:latin typeface="Courier New" charset="0"/>
+                <a:ea typeface="Courier New" charset="0"/>
+                <a:cs typeface="Courier New" charset="0"/>
+              </a:rPr>
+              <a:t>head = 0</a:t>
+            </a:r>
+            <a:endParaRPr lang="en-US" dirty="0">
+              <a:latin typeface="Courier New" charset="0"/>
+              <a:ea typeface="Courier New" charset="0"/>
+              <a:cs typeface="Courier New" charset="0"/>
+            </a:endParaRPr>
+          </a:p>
+          <a:p>
+            <a:r>
+              <a:rPr lang="en-US" dirty="0">
+                <a:latin typeface="Courier New" charset="0"/>
+                <a:ea typeface="Courier New" charset="0"/>
+                <a:cs typeface="Courier New" charset="0"/>
+              </a:rPr>
+              <a:t>   </a:t>
+            </a:r>
+            <a:r>
+              <a:rPr lang="en-US" dirty="0" smtClean="0">
+                <a:latin typeface="Courier New" charset="0"/>
+                <a:ea typeface="Courier New" charset="0"/>
+                <a:cs typeface="Courier New" charset="0"/>
+              </a:rPr>
+              <a:t>for </a:t>
+            </a:r>
+            <a:r>
+              <a:rPr lang="en-US" dirty="0" err="1">
+                <a:latin typeface="Courier New" charset="0"/>
+                <a:ea typeface="Courier New" charset="0"/>
+                <a:cs typeface="Courier New" charset="0"/>
+              </a:rPr>
+              <a:t>i</a:t>
+            </a:r>
+            <a:r>
+              <a:rPr lang="en-US" dirty="0">
+                <a:latin typeface="Courier New" charset="0"/>
+                <a:ea typeface="Courier New" charset="0"/>
+                <a:cs typeface="Courier New" charset="0"/>
+              </a:rPr>
+              <a:t> in </a:t>
+            </a:r>
+            <a:r>
+              <a:rPr lang="en-US" dirty="0" smtClean="0">
+                <a:latin typeface="Courier New" charset="0"/>
+                <a:ea typeface="Courier New" charset="0"/>
+                <a:cs typeface="Courier New" charset="0"/>
+              </a:rPr>
+              <a:t>range(10):</a:t>
+            </a:r>
+            <a:endParaRPr lang="en-US" dirty="0">
+              <a:latin typeface="Courier New" charset="0"/>
+              <a:ea typeface="Courier New" charset="0"/>
+              <a:cs typeface="Courier New" charset="0"/>
+            </a:endParaRPr>
+          </a:p>
+          <a:p>
+            <a:r>
+              <a:rPr lang="en-US" dirty="0" smtClean="0">
+                <a:latin typeface="Courier New" charset="0"/>
+                <a:ea typeface="Courier New" charset="0"/>
+                <a:cs typeface="Courier New" charset="0"/>
+              </a:rPr>
+              <a:t>		</a:t>
+            </a:r>
+            <a:r>
+              <a:rPr lang="mr-IN" dirty="0" err="1" smtClean="0">
+                <a:latin typeface="Courier New" charset="0"/>
+                <a:ea typeface="Courier New" charset="0"/>
+                <a:cs typeface="Courier New" charset="0"/>
+              </a:rPr>
+              <a:t>if</a:t>
+            </a:r>
+            <a:r>
+              <a:rPr lang="mr-IN" dirty="0" smtClean="0">
+                <a:latin typeface="Courier New" charset="0"/>
+                <a:ea typeface="Courier New" charset="0"/>
+                <a:cs typeface="Courier New" charset="0"/>
+              </a:rPr>
+              <a:t> </a:t>
+            </a:r>
+            <a:r>
+              <a:rPr lang="mr-IN" dirty="0" err="1" smtClean="0">
+                <a:latin typeface="Courier New" charset="0"/>
+                <a:ea typeface="Courier New" charset="0"/>
+                <a:cs typeface="Courier New" charset="0"/>
+              </a:rPr>
+              <a:t>np.random.randint</a:t>
+            </a:r>
+            <a:r>
+              <a:rPr lang="mr-IN" dirty="0" smtClean="0">
+                <a:latin typeface="Courier New" charset="0"/>
+                <a:ea typeface="Courier New" charset="0"/>
+                <a:cs typeface="Courier New" charset="0"/>
+              </a:rPr>
+              <a:t>(</a:t>
+            </a:r>
+            <a:r>
+              <a:rPr lang="en-US" dirty="0" smtClean="0">
+                <a:latin typeface="Courier New" charset="0"/>
+                <a:ea typeface="Courier New" charset="0"/>
+                <a:cs typeface="Courier New" charset="0"/>
+              </a:rPr>
+              <a:t>2</a:t>
+            </a:r>
+            <a:r>
+              <a:rPr lang="mr-IN" dirty="0" smtClean="0">
+                <a:latin typeface="Courier New" charset="0"/>
+                <a:ea typeface="Courier New" charset="0"/>
+                <a:cs typeface="Courier New" charset="0"/>
+              </a:rPr>
+              <a:t>) </a:t>
+            </a:r>
+            <a:r>
+              <a:rPr lang="mr-IN" dirty="0">
+                <a:latin typeface="Courier New" charset="0"/>
+                <a:ea typeface="Courier New" charset="0"/>
+                <a:cs typeface="Courier New" charset="0"/>
+              </a:rPr>
+              <a:t>&lt; </a:t>
+            </a:r>
+            <a:r>
+              <a:rPr lang="en-US" dirty="0" smtClean="0">
+                <a:latin typeface="Courier New" charset="0"/>
+                <a:ea typeface="Courier New" charset="0"/>
+                <a:cs typeface="Courier New" charset="0"/>
+              </a:rPr>
+              <a:t>1</a:t>
+            </a:r>
+            <a:r>
+              <a:rPr lang="mr-IN" dirty="0" smtClean="0">
+                <a:latin typeface="Courier New" charset="0"/>
+                <a:ea typeface="Courier New" charset="0"/>
+                <a:cs typeface="Courier New" charset="0"/>
+              </a:rPr>
+              <a:t>:</a:t>
+            </a:r>
+            <a:endParaRPr lang="mr-IN" dirty="0">
+              <a:latin typeface="Courier New" charset="0"/>
+              <a:ea typeface="Courier New" charset="0"/>
+              <a:cs typeface="Courier New" charset="0"/>
+            </a:endParaRPr>
+          </a:p>
+          <a:p>
+            <a:r>
+              <a:rPr lang="en-US" dirty="0" smtClean="0">
+                <a:latin typeface="Courier New" charset="0"/>
+                <a:ea typeface="Courier New" charset="0"/>
+                <a:cs typeface="Courier New" charset="0"/>
+              </a:rPr>
+              <a:t>			head += 1</a:t>
+            </a:r>
+            <a:endParaRPr lang="mr-IN" dirty="0">
+              <a:latin typeface="Courier New" charset="0"/>
+              <a:ea typeface="Courier New" charset="0"/>
+              <a:cs typeface="Courier New" charset="0"/>
+            </a:endParaRPr>
+          </a:p>
+          <a:p>
+            <a:r>
+              <a:rPr lang="en-US" dirty="0" smtClean="0">
+                <a:latin typeface="Courier New" charset="0"/>
+                <a:ea typeface="Courier New" charset="0"/>
+                <a:cs typeface="Courier New" charset="0"/>
+              </a:rPr>
+              <a:t>	if head == 5:</a:t>
+            </a:r>
+          </a:p>
+          <a:p>
+            <a:r>
+              <a:rPr lang="en-US" dirty="0">
+                <a:latin typeface="Courier New" charset="0"/>
+                <a:ea typeface="Courier New" charset="0"/>
+                <a:cs typeface="Courier New" charset="0"/>
+              </a:rPr>
+              <a:t>	</a:t>
+            </a:r>
+            <a:r>
+              <a:rPr lang="en-US" dirty="0" smtClean="0">
+                <a:latin typeface="Courier New" charset="0"/>
+                <a:ea typeface="Courier New" charset="0"/>
+                <a:cs typeface="Courier New" charset="0"/>
+              </a:rPr>
+              <a:t>	count += 1</a:t>
+            </a:r>
+          </a:p>
+          <a:p>
+            <a:r>
+              <a:rPr lang="en-US" dirty="0" smtClean="0">
+                <a:latin typeface="Courier New" charset="0"/>
+                <a:ea typeface="Courier New" charset="0"/>
+                <a:cs typeface="Courier New" charset="0"/>
+              </a:rPr>
+              <a:t>p = count/repeat</a:t>
+            </a:r>
+          </a:p>
+          <a:p>
+            <a:endParaRPr lang="en-US" dirty="0">
+              <a:latin typeface="Courier New" charset="0"/>
+              <a:ea typeface="Courier New" charset="0"/>
+              <a:cs typeface="Courier New" charset="0"/>
+            </a:endParaRPr>
+          </a:p>
+          <a:p>
+            <a:r>
+              <a:rPr lang="en-US" sz="1500" dirty="0" smtClean="0">
+                <a:latin typeface="Courier New" charset="0"/>
+                <a:ea typeface="Courier New" charset="0"/>
+                <a:cs typeface="Courier New" charset="0"/>
+              </a:rPr>
+              <a:t>print(‘the estimated probability of 5 heads in 10 tosses is: %</a:t>
+            </a:r>
+            <a:r>
+              <a:rPr lang="en-US" sz="1500" dirty="0" err="1" smtClean="0">
+                <a:latin typeface="Courier New" charset="0"/>
+                <a:ea typeface="Courier New" charset="0"/>
+                <a:cs typeface="Courier New" charset="0"/>
+              </a:rPr>
+              <a:t>f’%p</a:t>
+            </a:r>
+            <a:r>
+              <a:rPr lang="en-US" sz="1500" dirty="0" smtClean="0">
+                <a:latin typeface="Courier New" charset="0"/>
+                <a:ea typeface="Courier New" charset="0"/>
+                <a:cs typeface="Courier New" charset="0"/>
+              </a:rPr>
+              <a:t>)</a:t>
+            </a:r>
+            <a:endParaRPr lang="en-US" sz="1500" dirty="0">
+              <a:latin typeface="Courier New" charset="0"/>
+              <a:ea typeface="Courier New" charset="0"/>
+              <a:cs typeface="Courier New" charset="0"/>
+            </a:endParaRPr>
+          </a:p>
+        </p:txBody>
+      </p:sp>
+    </p:spTree>
+    <p:extLst>
+      <p:ext uri="{BB962C8B-B14F-4D97-AF65-F5344CB8AC3E}">
+        <p14:creationId xmlns:p14="http://schemas.microsoft.com/office/powerpoint/2010/main" val="1172518874"/>
+      </p:ext>
+    </p:extLst>
+  </p:cSld>
+  <p:clrMapOvr>
+    <a:masterClrMapping/>
+  </p:clrMapOvr>
+  <p:timing>
+    <p:tnLst>
+      <p:par>
+        <p:cTn id="1" dur="indefinite" restart="never" nodeType="tmRoot"/>
+      </p:par>
+    </p:tnLst>
+  </p:timing>
+</p:sld>
+</file>
+
+<file path=ppt/slides/slide11.xml><?xml version="1.0" encoding="utf-8"?>
+<p:sld xmlns:a="http://schemas.openxmlformats.org/drawingml/2006/main" xmlns:r="http://schemas.openxmlformats.org/officeDocument/2006/relationships" xmlns:p="http://schemas.openxmlformats.org/presentationml/2006/main">
+  <p:cSld>
+    <p:spTree>
+      <p:nvGrpSpPr>
+        <p:cNvPr id="1" name=""/>
+        <p:cNvGrpSpPr/>
+        <p:nvPr/>
+      </p:nvGrpSpPr>
+      <p:grpSpPr>
+        <a:xfrm>
+          <a:off x="0" y="0"/>
+          <a:ext cx="0" cy="0"/>
+          <a:chOff x="0" y="0"/>
+          <a:chExt cx="0" cy="0"/>
+        </a:xfrm>
+      </p:grpSpPr>
+      <p:sp>
+        <p:nvSpPr>
+          <p:cNvPr id="3" name="Content Placeholder 2"/>
+          <p:cNvSpPr>
+            <a:spLocks noGrp="1"/>
+          </p:cNvSpPr>
+          <p:nvPr>
+            <p:ph idx="1"/>
+          </p:nvPr>
+        </p:nvSpPr>
+        <p:spPr>
+          <a:xfrm>
+            <a:off x="457200" y="1600201"/>
+            <a:ext cx="8495414" cy="4525963"/>
+          </a:xfrm>
+        </p:spPr>
+        <p:txBody>
+          <a:bodyPr/>
+          <a:lstStyle/>
+          <a:p>
+            <a:r>
+              <a:rPr lang="en-US" dirty="0" smtClean="0"/>
+              <a:t>Historical puzzle in mathematics</a:t>
+            </a:r>
+          </a:p>
+          <a:p>
+            <a:r>
+              <a:rPr lang="en-US" dirty="0" smtClean="0"/>
+              <a:t>~1500 years ago</a:t>
+            </a:r>
+            <a:endParaRPr lang="en-US" altLang="zh-CN" dirty="0" smtClean="0"/>
+          </a:p>
+          <a:p>
+            <a:pPr lvl="1"/>
+            <a:r>
+              <a:rPr lang="en-US" altLang="zh-CN" dirty="0" smtClean="0"/>
+              <a:t>3.1415926 - </a:t>
+            </a:r>
+            <a:r>
+              <a:rPr lang="en-US" altLang="zh-CN" dirty="0" smtClean="0"/>
+              <a:t>3.1415927</a:t>
+            </a:r>
+          </a:p>
+          <a:p>
+            <a:pPr lvl="1"/>
+            <a:r>
+              <a:rPr lang="en-US" altLang="zh-CN" dirty="0" smtClean="0"/>
+              <a:t>Monument of intellectual achievement</a:t>
+            </a:r>
+            <a:endParaRPr lang="en-US" altLang="zh-CN" dirty="0"/>
+          </a:p>
+          <a:p>
+            <a:endParaRPr lang="en-US" altLang="zh-CN" dirty="0" smtClean="0"/>
+          </a:p>
+        </p:txBody>
+      </p:sp>
+      <p:sp>
+        <p:nvSpPr>
+          <p:cNvPr id="4" name="Rectangle 3"/>
+          <p:cNvSpPr/>
+          <p:nvPr/>
+        </p:nvSpPr>
+        <p:spPr>
+          <a:xfrm>
+            <a:off x="0" y="-7550"/>
+            <a:ext cx="9144000" cy="1228835"/>
+          </a:xfrm>
+          <a:prstGeom prst="rect">
+            <a:avLst/>
+          </a:prstGeom>
+          <a:solidFill>
+            <a:srgbClr val="3DBFDB"/>
+          </a:solidFill>
+          <a:ln>
+            <a:noFill/>
+          </a:ln>
+          <a:effectLst/>
+        </p:spPr>
+        <p:style>
+          <a:lnRef idx="1">
+            <a:schemeClr val="accent1"/>
+          </a:lnRef>
+          <a:fillRef idx="3">
+            <a:schemeClr val="accent1"/>
+          </a:fillRef>
+          <a:effectRef idx="2">
+            <a:schemeClr val="accent1"/>
+          </a:effectRef>
+          <a:fontRef idx="minor">
+            <a:schemeClr val="lt1"/>
+          </a:fontRef>
+        </p:style>
+        <p:txBody>
+          <a:bodyPr rtlCol="0" anchor="ctr"/>
+          <a:lstStyle/>
+          <a:p>
+            <a:r>
+              <a:rPr lang="en-US" sz="4000" i="1" dirty="0"/>
+              <a:t>	</a:t>
+            </a:r>
+            <a:r>
+              <a:rPr lang="en-US" sz="4000" i="1" dirty="0" smtClean="0"/>
+              <a:t>Find out the value of PI</a:t>
+            </a:r>
+            <a:endParaRPr lang="en-US" sz="4000" i="1" dirty="0"/>
+          </a:p>
+        </p:txBody>
+      </p:sp>
+      <p:sp>
+        <p:nvSpPr>
+          <p:cNvPr id="5" name="Rectangle 4"/>
+          <p:cNvSpPr/>
+          <p:nvPr/>
+        </p:nvSpPr>
+        <p:spPr>
+          <a:xfrm>
+            <a:off x="0" y="6737478"/>
+            <a:ext cx="9144000" cy="120522"/>
+          </a:xfrm>
+          <a:prstGeom prst="rect">
+            <a:avLst/>
+          </a:prstGeom>
+          <a:solidFill>
+            <a:srgbClr val="3DBFDB"/>
+          </a:solidFill>
+          <a:ln>
+            <a:noFill/>
+          </a:ln>
+          <a:effectLst/>
+        </p:spPr>
+        <p:style>
+          <a:lnRef idx="1">
+            <a:schemeClr val="accent1"/>
+          </a:lnRef>
+          <a:fillRef idx="3">
+            <a:schemeClr val="accent1"/>
+          </a:fillRef>
+          <a:effectRef idx="2">
+            <a:schemeClr val="accent1"/>
+          </a:effectRef>
+          <a:fontRef idx="minor">
+            <a:schemeClr val="lt1"/>
+          </a:fontRef>
+        </p:style>
+        <p:txBody>
+          <a:bodyPr rtlCol="0" anchor="ctr"/>
+          <a:lstStyle/>
+          <a:p>
+            <a:pPr algn="ctr"/>
+            <a:endParaRPr lang="en-US"/>
+          </a:p>
+        </p:txBody>
+      </p:sp>
+      <p:sp>
+        <p:nvSpPr>
+          <p:cNvPr id="7" name="TextBox 6"/>
+          <p:cNvSpPr txBox="1"/>
+          <p:nvPr/>
+        </p:nvSpPr>
+        <p:spPr>
+          <a:xfrm>
+            <a:off x="8869998" y="6453063"/>
+            <a:ext cx="262662" cy="276999"/>
+          </a:xfrm>
+          <a:prstGeom prst="rect">
+            <a:avLst/>
+          </a:prstGeom>
+          <a:noFill/>
+        </p:spPr>
+        <p:txBody>
+          <a:bodyPr wrap="none" rtlCol="0">
+            <a:spAutoFit/>
+          </a:bodyPr>
+          <a:lstStyle/>
+          <a:p>
+            <a:pPr algn="r"/>
+            <a:r>
+              <a:rPr lang="en-US" sz="1200" dirty="0" smtClean="0">
+                <a:solidFill>
+                  <a:srgbClr val="118EB0"/>
+                </a:solidFill>
+              </a:rPr>
+              <a:t>1</a:t>
+            </a:r>
+            <a:endParaRPr lang="en-US" sz="1200" dirty="0">
+              <a:solidFill>
+                <a:srgbClr val="118EB0"/>
+              </a:solidFill>
+            </a:endParaRPr>
+          </a:p>
+        </p:txBody>
+      </p:sp>
+      <p:sp>
+        <p:nvSpPr>
+          <p:cNvPr id="6" name="Rectangle 5"/>
+          <p:cNvSpPr/>
+          <p:nvPr/>
+        </p:nvSpPr>
+        <p:spPr>
+          <a:xfrm>
+            <a:off x="0" y="6451738"/>
+            <a:ext cx="963982" cy="276999"/>
+          </a:xfrm>
+          <a:prstGeom prst="rect">
+            <a:avLst/>
+          </a:prstGeom>
+        </p:spPr>
+        <p:txBody>
+          <a:bodyPr wrap="none">
+            <a:spAutoFit/>
+          </a:bodyPr>
+          <a:lstStyle/>
+          <a:p>
+            <a:r>
+              <a:rPr lang="en-US" sz="1200" dirty="0" smtClean="0">
+                <a:solidFill>
+                  <a:srgbClr val="118EB0"/>
+                </a:solidFill>
+              </a:rPr>
+              <a:t>Monte Carlo</a:t>
+            </a:r>
+            <a:endParaRPr lang="en-US" sz="1200" dirty="0">
+              <a:solidFill>
+                <a:srgbClr val="118EB0"/>
+              </a:solidFill>
+            </a:endParaRPr>
+          </a:p>
+        </p:txBody>
+      </p:sp>
+    </p:spTree>
+    <p:extLst>
+      <p:ext uri="{BB962C8B-B14F-4D97-AF65-F5344CB8AC3E}">
+        <p14:creationId xmlns:p14="http://schemas.microsoft.com/office/powerpoint/2010/main" val="680749785"/>
+      </p:ext>
+    </p:extLst>
+  </p:cSld>
+  <p:clrMapOvr>
+    <a:masterClrMapping/>
+  </p:clrMapOvr>
+  <p:timing>
+    <p:tnLst>
+      <p:par>
+        <p:cTn id="1" dur="indefinite" restart="never" nodeType="tmRoot"/>
+      </p:par>
+    </p:tnLst>
+  </p:timing>
+</p:sld>
+</file>
+
+<file path=ppt/slides/slide12.xml><?xml version="1.0" encoding="utf-8"?>
+<p:sld xmlns:a="http://schemas.openxmlformats.org/drawingml/2006/main" xmlns:r="http://schemas.openxmlformats.org/officeDocument/2006/relationships" xmlns:p="http://schemas.openxmlformats.org/presentationml/2006/main">
+  <p:cSld>
+    <p:spTree>
+      <p:nvGrpSpPr>
+        <p:cNvPr id="1" name=""/>
+        <p:cNvGrpSpPr/>
+        <p:nvPr/>
+      </p:nvGrpSpPr>
+      <p:grpSpPr>
+        <a:xfrm>
+          <a:off x="0" y="0"/>
+          <a:ext cx="0" cy="0"/>
+          <a:chOff x="0" y="0"/>
+          <a:chExt cx="0" cy="0"/>
+        </a:xfrm>
+      </p:grpSpPr>
+      <p:sp>
+        <p:nvSpPr>
+          <p:cNvPr id="3" name="Content Placeholder 2"/>
+          <p:cNvSpPr>
+            <a:spLocks noGrp="1"/>
+          </p:cNvSpPr>
+          <p:nvPr>
+            <p:ph idx="1"/>
+          </p:nvPr>
+        </p:nvSpPr>
+        <p:spPr>
+          <a:xfrm>
+            <a:off x="457200" y="1600201"/>
+            <a:ext cx="8495414" cy="4525963"/>
+          </a:xfrm>
+        </p:spPr>
+        <p:txBody>
+          <a:bodyPr/>
+          <a:lstStyle/>
+          <a:p>
+            <a:r>
+              <a:rPr lang="en-US" dirty="0"/>
+              <a:t>Historical puzzle in mathematics</a:t>
+            </a:r>
+          </a:p>
+          <a:p>
+            <a:r>
+              <a:rPr lang="en-US" dirty="0" smtClean="0"/>
+              <a:t>~</a:t>
+            </a:r>
+            <a:r>
+              <a:rPr lang="en-US" dirty="0"/>
+              <a:t>1500 years </a:t>
+            </a:r>
+            <a:r>
+              <a:rPr lang="en-US" dirty="0" smtClean="0"/>
+              <a:t>ago</a:t>
+            </a:r>
+            <a:endParaRPr lang="en-US" altLang="zh-CN" dirty="0" smtClean="0"/>
+          </a:p>
+          <a:p>
+            <a:pPr lvl="1"/>
+            <a:r>
+              <a:rPr lang="en-US" altLang="zh-CN" dirty="0" smtClean="0"/>
+              <a:t>3.1415926 - </a:t>
+            </a:r>
+            <a:r>
+              <a:rPr lang="en-US" altLang="zh-CN" dirty="0" smtClean="0"/>
+              <a:t>3.1415927</a:t>
+            </a:r>
+          </a:p>
+          <a:p>
+            <a:pPr lvl="1"/>
+            <a:r>
+              <a:rPr lang="en-US" altLang="zh-CN" dirty="0"/>
+              <a:t>Monument of intellectual achievement</a:t>
+            </a:r>
+            <a:endParaRPr lang="en-US" altLang="zh-CN" dirty="0" smtClean="0"/>
+          </a:p>
+          <a:p>
+            <a:r>
+              <a:rPr lang="en-US" altLang="zh-CN" dirty="0" smtClean="0"/>
+              <a:t>Not </a:t>
+            </a:r>
+            <a:r>
+              <a:rPr lang="en-US" altLang="zh-CN" dirty="0"/>
+              <a:t>that </a:t>
+            </a:r>
+            <a:r>
+              <a:rPr lang="en-US" altLang="zh-CN" dirty="0" smtClean="0"/>
+              <a:t>difficult for us</a:t>
+            </a:r>
+            <a:r>
+              <a:rPr lang="mr-IN" altLang="zh-CN" dirty="0" smtClean="0"/>
+              <a:t>…</a:t>
+            </a:r>
+            <a:endParaRPr lang="en-US" altLang="zh-CN" dirty="0"/>
+          </a:p>
+          <a:p>
+            <a:endParaRPr lang="en-US" altLang="zh-CN" dirty="0" smtClean="0"/>
+          </a:p>
+        </p:txBody>
+      </p:sp>
+      <p:sp>
+        <p:nvSpPr>
+          <p:cNvPr id="4" name="Rectangle 3"/>
+          <p:cNvSpPr/>
+          <p:nvPr/>
+        </p:nvSpPr>
+        <p:spPr>
+          <a:xfrm>
+            <a:off x="0" y="-7550"/>
+            <a:ext cx="9144000" cy="1228835"/>
+          </a:xfrm>
+          <a:prstGeom prst="rect">
+            <a:avLst/>
+          </a:prstGeom>
+          <a:solidFill>
+            <a:srgbClr val="3DBFDB"/>
+          </a:solidFill>
+          <a:ln>
+            <a:noFill/>
+          </a:ln>
+          <a:effectLst/>
+        </p:spPr>
+        <p:style>
+          <a:lnRef idx="1">
+            <a:schemeClr val="accent1"/>
+          </a:lnRef>
+          <a:fillRef idx="3">
+            <a:schemeClr val="accent1"/>
+          </a:fillRef>
+          <a:effectRef idx="2">
+            <a:schemeClr val="accent1"/>
+          </a:effectRef>
+          <a:fontRef idx="minor">
+            <a:schemeClr val="lt1"/>
+          </a:fontRef>
+        </p:style>
+        <p:txBody>
+          <a:bodyPr rtlCol="0" anchor="ctr"/>
+          <a:lstStyle/>
+          <a:p>
+            <a:r>
+              <a:rPr lang="en-US" sz="4000" i="1" dirty="0"/>
+              <a:t>	</a:t>
+            </a:r>
+            <a:r>
+              <a:rPr lang="en-US" sz="4000" i="1" dirty="0" smtClean="0"/>
+              <a:t>Find out the value of PI</a:t>
+            </a:r>
+            <a:endParaRPr lang="en-US" sz="4000" i="1" dirty="0"/>
+          </a:p>
+        </p:txBody>
+      </p:sp>
+      <p:sp>
+        <p:nvSpPr>
+          <p:cNvPr id="5" name="Rectangle 4"/>
+          <p:cNvSpPr/>
+          <p:nvPr/>
+        </p:nvSpPr>
+        <p:spPr>
+          <a:xfrm>
+            <a:off x="0" y="6737478"/>
+            <a:ext cx="9144000" cy="120522"/>
+          </a:xfrm>
+          <a:prstGeom prst="rect">
+            <a:avLst/>
+          </a:prstGeom>
+          <a:solidFill>
+            <a:srgbClr val="3DBFDB"/>
+          </a:solidFill>
+          <a:ln>
+            <a:noFill/>
+          </a:ln>
+          <a:effectLst/>
+        </p:spPr>
+        <p:style>
+          <a:lnRef idx="1">
+            <a:schemeClr val="accent1"/>
+          </a:lnRef>
+          <a:fillRef idx="3">
+            <a:schemeClr val="accent1"/>
+          </a:fillRef>
+          <a:effectRef idx="2">
+            <a:schemeClr val="accent1"/>
+          </a:effectRef>
+          <a:fontRef idx="minor">
+            <a:schemeClr val="lt1"/>
+          </a:fontRef>
+        </p:style>
+        <p:txBody>
+          <a:bodyPr rtlCol="0" anchor="ctr"/>
+          <a:lstStyle/>
+          <a:p>
+            <a:pPr algn="ctr"/>
+            <a:endParaRPr lang="en-US"/>
+          </a:p>
+        </p:txBody>
+      </p:sp>
+      <p:sp>
+        <p:nvSpPr>
+          <p:cNvPr id="7" name="TextBox 6"/>
+          <p:cNvSpPr txBox="1"/>
+          <p:nvPr/>
+        </p:nvSpPr>
+        <p:spPr>
+          <a:xfrm>
+            <a:off x="8869998" y="6453063"/>
+            <a:ext cx="262662" cy="276999"/>
+          </a:xfrm>
+          <a:prstGeom prst="rect">
+            <a:avLst/>
+          </a:prstGeom>
+          <a:noFill/>
+        </p:spPr>
+        <p:txBody>
+          <a:bodyPr wrap="none" rtlCol="0">
+            <a:spAutoFit/>
+          </a:bodyPr>
+          <a:lstStyle/>
+          <a:p>
+            <a:pPr algn="r"/>
+            <a:r>
+              <a:rPr lang="en-US" sz="1200" dirty="0" smtClean="0">
+                <a:solidFill>
+                  <a:srgbClr val="118EB0"/>
+                </a:solidFill>
+              </a:rPr>
+              <a:t>1</a:t>
+            </a:r>
+            <a:endParaRPr lang="en-US" sz="1200" dirty="0">
+              <a:solidFill>
+                <a:srgbClr val="118EB0"/>
+              </a:solidFill>
+            </a:endParaRPr>
+          </a:p>
+        </p:txBody>
+      </p:sp>
+      <p:sp>
+        <p:nvSpPr>
+          <p:cNvPr id="6" name="Rectangle 5"/>
+          <p:cNvSpPr/>
+          <p:nvPr/>
+        </p:nvSpPr>
+        <p:spPr>
+          <a:xfrm>
+            <a:off x="0" y="6451738"/>
+            <a:ext cx="963982" cy="276999"/>
+          </a:xfrm>
+          <a:prstGeom prst="rect">
+            <a:avLst/>
+          </a:prstGeom>
+        </p:spPr>
+        <p:txBody>
+          <a:bodyPr wrap="none">
+            <a:spAutoFit/>
+          </a:bodyPr>
+          <a:lstStyle/>
+          <a:p>
+            <a:r>
+              <a:rPr lang="en-US" sz="1200" dirty="0" smtClean="0">
+                <a:solidFill>
+                  <a:srgbClr val="118EB0"/>
+                </a:solidFill>
+              </a:rPr>
+              <a:t>Monte Carlo</a:t>
+            </a:r>
+            <a:endParaRPr lang="en-US" sz="1200" dirty="0">
+              <a:solidFill>
+                <a:srgbClr val="118EB0"/>
+              </a:solidFill>
+            </a:endParaRPr>
+          </a:p>
+        </p:txBody>
+      </p:sp>
+    </p:spTree>
+    <p:extLst>
+      <p:ext uri="{BB962C8B-B14F-4D97-AF65-F5344CB8AC3E}">
+        <p14:creationId xmlns:p14="http://schemas.microsoft.com/office/powerpoint/2010/main" val="353872463"/>
+      </p:ext>
+    </p:extLst>
+  </p:cSld>
+  <p:clrMapOvr>
+    <a:masterClrMapping/>
+  </p:clrMapOvr>
+  <p:timing>
+    <p:tnLst>
+      <p:par>
+        <p:cTn id="1" dur="indefinite" restart="never" nodeType="tmRoot"/>
+      </p:par>
+    </p:tnLst>
+  </p:timing>
+</p:sld>
+</file>
+
+<file path=ppt/slides/slide13.xml><?xml version="1.0" encoding="utf-8"?>
+<p:sld xmlns:a="http://schemas.openxmlformats.org/drawingml/2006/main" xmlns:r="http://schemas.openxmlformats.org/officeDocument/2006/relationships" xmlns:p="http://schemas.openxmlformats.org/presentationml/2006/main">
+  <p:cSld>
+    <p:spTree>
+      <p:nvGrpSpPr>
+        <p:cNvPr id="1" name=""/>
+        <p:cNvGrpSpPr/>
+        <p:nvPr/>
+      </p:nvGrpSpPr>
+      <p:grpSpPr>
+        <a:xfrm>
+          <a:off x="0" y="0"/>
+          <a:ext cx="0" cy="0"/>
+          <a:chOff x="0" y="0"/>
+          <a:chExt cx="0" cy="0"/>
+        </a:xfrm>
+      </p:grpSpPr>
+      <p:sp>
+        <p:nvSpPr>
+          <p:cNvPr id="4" name="Rectangle 3"/>
+          <p:cNvSpPr/>
+          <p:nvPr/>
+        </p:nvSpPr>
+        <p:spPr>
+          <a:xfrm>
+            <a:off x="0" y="-7550"/>
+            <a:ext cx="9144000" cy="1228835"/>
+          </a:xfrm>
+          <a:prstGeom prst="rect">
+            <a:avLst/>
+          </a:prstGeom>
+          <a:solidFill>
+            <a:srgbClr val="3DBFDB"/>
+          </a:solidFill>
+          <a:ln>
+            <a:noFill/>
+          </a:ln>
+          <a:effectLst/>
+        </p:spPr>
+        <p:style>
+          <a:lnRef idx="1">
+            <a:schemeClr val="accent1"/>
+          </a:lnRef>
+          <a:fillRef idx="3">
+            <a:schemeClr val="accent1"/>
+          </a:fillRef>
+          <a:effectRef idx="2">
+            <a:schemeClr val="accent1"/>
+          </a:effectRef>
+          <a:fontRef idx="minor">
+            <a:schemeClr val="lt1"/>
+          </a:fontRef>
+        </p:style>
+        <p:txBody>
+          <a:bodyPr rtlCol="0" anchor="ctr"/>
+          <a:lstStyle/>
+          <a:p>
+            <a:r>
+              <a:rPr lang="en-US" sz="4000" i="1" dirty="0"/>
+              <a:t>	</a:t>
+            </a:r>
+            <a:r>
+              <a:rPr lang="en-US" sz="4000" i="1" dirty="0" smtClean="0"/>
+              <a:t>Find out the value of PI</a:t>
+            </a:r>
+            <a:endParaRPr lang="en-US" sz="4000" i="1" dirty="0"/>
+          </a:p>
+        </p:txBody>
+      </p:sp>
+      <p:sp>
+        <p:nvSpPr>
+          <p:cNvPr id="5" name="Rectangle 4"/>
+          <p:cNvSpPr/>
+          <p:nvPr/>
+        </p:nvSpPr>
+        <p:spPr>
+          <a:xfrm>
+            <a:off x="0" y="6737478"/>
+            <a:ext cx="9144000" cy="120522"/>
+          </a:xfrm>
+          <a:prstGeom prst="rect">
+            <a:avLst/>
+          </a:prstGeom>
+          <a:solidFill>
+            <a:srgbClr val="3DBFDB"/>
+          </a:solidFill>
+          <a:ln>
+            <a:noFill/>
+          </a:ln>
+          <a:effectLst/>
+        </p:spPr>
+        <p:style>
+          <a:lnRef idx="1">
+            <a:schemeClr val="accent1"/>
+          </a:lnRef>
+          <a:fillRef idx="3">
+            <a:schemeClr val="accent1"/>
+          </a:fillRef>
+          <a:effectRef idx="2">
+            <a:schemeClr val="accent1"/>
+          </a:effectRef>
+          <a:fontRef idx="minor">
+            <a:schemeClr val="lt1"/>
+          </a:fontRef>
+        </p:style>
+        <p:txBody>
+          <a:bodyPr rtlCol="0" anchor="ctr"/>
+          <a:lstStyle/>
+          <a:p>
+            <a:pPr algn="ctr"/>
+            <a:endParaRPr lang="en-US"/>
+          </a:p>
+        </p:txBody>
+      </p:sp>
+      <p:sp>
+        <p:nvSpPr>
+          <p:cNvPr id="7" name="TextBox 6"/>
+          <p:cNvSpPr txBox="1"/>
+          <p:nvPr/>
+        </p:nvSpPr>
+        <p:spPr>
+          <a:xfrm>
+            <a:off x="8869998" y="6453063"/>
+            <a:ext cx="262662" cy="276999"/>
+          </a:xfrm>
+          <a:prstGeom prst="rect">
+            <a:avLst/>
+          </a:prstGeom>
+          <a:noFill/>
+        </p:spPr>
+        <p:txBody>
+          <a:bodyPr wrap="none" rtlCol="0">
+            <a:spAutoFit/>
+          </a:bodyPr>
+          <a:lstStyle/>
+          <a:p>
+            <a:pPr algn="r"/>
+            <a:r>
+              <a:rPr lang="en-US" sz="1200" dirty="0" smtClean="0">
+                <a:solidFill>
+                  <a:srgbClr val="118EB0"/>
+                </a:solidFill>
+              </a:rPr>
+              <a:t>1</a:t>
+            </a:r>
+            <a:endParaRPr lang="en-US" sz="1200" dirty="0">
+              <a:solidFill>
+                <a:srgbClr val="118EB0"/>
+              </a:solidFill>
+            </a:endParaRPr>
+          </a:p>
+        </p:txBody>
+      </p:sp>
+      <mc:AlternateContent xmlns:mc="http://schemas.openxmlformats.org/markup-compatibility/2006">
+        <mc:Choice xmlns:a14="http://schemas.microsoft.com/office/drawing/2010/main" Requires="a14">
           <p:sp>
             <p:nvSpPr>
               <p:cNvPr id="12" name="TextBox 11"/>
@@ -3538,7 +4630,7 @@
             <p:spPr>
               <a:xfrm>
                 <a:off x="4476913" y="3169684"/>
-                <a:ext cx="4507131" cy="667490"/>
+                <a:ext cx="4393447" cy="667490"/>
               </a:xfrm>
               <a:prstGeom prst="rect">
                 <a:avLst/>
@@ -3629,7 +4721,21 @@
                         <a:rPr lang="en-US" b="0" i="1" smtClean="0">
                           <a:latin typeface="Cambria Math" charset="0"/>
                         </a:rPr>
-                        <m:t>= </m:t>
+                        <m:t> </m:t>
+                      </m:r>
+                      <m:r>
+                        <a:rPr lang="en-US" b="0" i="1" smtClean="0">
+                          <a:latin typeface="Cambria Math" charset="0"/>
+                          <a:ea typeface="Cambria Math" charset="0"/>
+                          <a:cs typeface="Cambria Math" charset="0"/>
+                        </a:rPr>
+                        <m:t>≅</m:t>
+                      </m:r>
+                      <m:r>
+                        <a:rPr lang="en-US" b="0" i="1" smtClean="0">
+                          <a:latin typeface="Cambria Math" charset="0"/>
+                        </a:rPr>
+                        <m:t> </m:t>
                       </m:r>
                       <m:f>
                         <m:fPr>
@@ -3730,7 +4836,7 @@
             </p:txBody>
           </p:sp>
         </mc:Choice>
-        <mc:Fallback xmlns="">
+        <mc:Fallback>
           <p:sp>
             <p:nvSpPr>
               <p:cNvPr id="12" name="TextBox 11"/>
@@ -3742,7 +4848,7 @@
             <p:spPr>
               <a:xfrm>
                 <a:off x="4476913" y="3169684"/>
-                <a:ext cx="4507131" cy="667490"/>
+                <a:ext cx="4393447" cy="667490"/>
               </a:xfrm>
               <a:prstGeom prst="rect">
                 <a:avLst/>
@@ -3769,52 +4875,6 @@
           </p:sp>
         </mc:Fallback>
       </mc:AlternateContent>
-      <p:sp>
-        <p:nvSpPr>
-          <p:cNvPr id="2" name="TextBox 1"/>
-          <p:cNvSpPr txBox="1"/>
-          <p:nvPr/>
-        </p:nvSpPr>
-        <p:spPr>
-          <a:xfrm>
-            <a:off x="262454" y="5842211"/>
-            <a:ext cx="8619091" cy="523220"/>
-          </a:xfrm>
-          <a:prstGeom prst="rect">
-            <a:avLst/>
-          </a:prstGeom>
-          <a:noFill/>
-        </p:spPr>
-        <p:txBody>
-          <a:bodyPr wrap="none" rtlCol="0">
-            <a:spAutoFit/>
-          </a:bodyPr>
-          <a:lstStyle/>
-          <a:p>
-            <a:r>
-              <a:rPr lang="en-US" sz="2800" i="1" dirty="0" smtClean="0">
-                <a:solidFill>
-                  <a:srgbClr val="1ACFFF"/>
-                </a:solidFill>
-              </a:rPr>
-              <a:t>Find out PI by generating a ton of </a:t>
-            </a:r>
-            <a:r>
-              <a:rPr lang="en-US" sz="2800" i="1" smtClean="0">
-                <a:solidFill>
-                  <a:srgbClr val="1ACFFF"/>
-                </a:solidFill>
-              </a:rPr>
-              <a:t>random dots and count!</a:t>
-            </a:r>
-            <a:endParaRPr lang="en-US" sz="2800" i="1" dirty="0">
-              <a:solidFill>
-                <a:srgbClr val="1ACFFF"/>
-              </a:solidFill>
-            </a:endParaRPr>
-          </a:p>
-        </p:txBody>
-      </p:sp>
       <p:pic>
         <p:nvPicPr>
           <p:cNvPr id="13" name="Picture 12"/>
@@ -3868,16 +4928,6 @@
           <a:lstStyle/>
           <a:p>
             <a:r>
-              <a:rPr lang="en-US" sz="1400" smtClean="0">
-                <a:solidFill>
-                  <a:schemeClr val="bg1">
-                    <a:lumMod val="65000"/>
-                  </a:schemeClr>
-                </a:solidFill>
-              </a:rPr>
-              <a:t>animation </a:t>
-            </a:r>
-            <a:r>
               <a:rPr lang="en-US" sz="1400" dirty="0" smtClean="0">
                 <a:solidFill>
                   <a:schemeClr val="bg1">
@@ -3885,7 +4935,7 @@
                   </a:schemeClr>
                 </a:solidFill>
               </a:rPr>
-              <a:t>from </a:t>
+              <a:t>animation from </a:t>
             </a:r>
             <a:r>
               <a:rPr lang="en-US" sz="1400" dirty="0" err="1" smtClean="0">
@@ -3909,7 +4959,7 @@
       </p:sp>
       <p:sp>
         <p:nvSpPr>
-          <p:cNvPr id="9" name="Rectangle 8"/>
+          <p:cNvPr id="8" name="Rectangle 7"/>
           <p:cNvSpPr/>
           <p:nvPr/>
         </p:nvSpPr>
@@ -3944,6 +4994,610 @@
           </a:p>
         </p:txBody>
       </p:sp>
+    </p:spTree>
+    <p:extLst>
+      <p:ext uri="{BB962C8B-B14F-4D97-AF65-F5344CB8AC3E}">
+        <p14:creationId xmlns:p14="http://schemas.microsoft.com/office/powerpoint/2010/main" val="31259930"/>
+      </p:ext>
+    </p:extLst>
+  </p:cSld>
+  <p:clrMapOvr>
+    <a:masterClrMapping/>
+  </p:clrMapOvr>
+  <p:timing>
+    <p:tnLst>
+      <p:par>
+        <p:cTn id="1" dur="indefinite" restart="never" nodeType="tmRoot"/>
+      </p:par>
+    </p:tnLst>
+  </p:timing>
+</p:sld>
+</file>
+
+<file path=ppt/slides/slide14.xml><?xml version="1.0" encoding="utf-8"?>
+<p:sld xmlns:a="http://schemas.openxmlformats.org/drawingml/2006/main" xmlns:r="http://schemas.openxmlformats.org/officeDocument/2006/relationships" xmlns:p="http://schemas.openxmlformats.org/presentationml/2006/main">
+  <p:cSld>
+    <p:spTree>
+      <p:nvGrpSpPr>
+        <p:cNvPr id="1" name=""/>
+        <p:cNvGrpSpPr/>
+        <p:nvPr/>
+      </p:nvGrpSpPr>
+      <p:grpSpPr>
+        <a:xfrm>
+          <a:off x="0" y="0"/>
+          <a:ext cx="0" cy="0"/>
+          <a:chOff x="0" y="0"/>
+          <a:chExt cx="0" cy="0"/>
+        </a:xfrm>
+      </p:grpSpPr>
+      <p:sp>
+        <p:nvSpPr>
+          <p:cNvPr id="4" name="Rectangle 3"/>
+          <p:cNvSpPr/>
+          <p:nvPr/>
+        </p:nvSpPr>
+        <p:spPr>
+          <a:xfrm>
+            <a:off x="0" y="-7550"/>
+            <a:ext cx="9144000" cy="1228835"/>
+          </a:xfrm>
+          <a:prstGeom prst="rect">
+            <a:avLst/>
+          </a:prstGeom>
+          <a:solidFill>
+            <a:srgbClr val="3DBFDB"/>
+          </a:solidFill>
+          <a:ln>
+            <a:noFill/>
+          </a:ln>
+          <a:effectLst/>
+        </p:spPr>
+        <p:style>
+          <a:lnRef idx="1">
+            <a:schemeClr val="accent1"/>
+          </a:lnRef>
+          <a:fillRef idx="3">
+            <a:schemeClr val="accent1"/>
+          </a:fillRef>
+          <a:effectRef idx="2">
+            <a:schemeClr val="accent1"/>
+          </a:effectRef>
+          <a:fontRef idx="minor">
+            <a:schemeClr val="lt1"/>
+          </a:fontRef>
+        </p:style>
+        <p:txBody>
+          <a:bodyPr rtlCol="0" anchor="ctr"/>
+          <a:lstStyle/>
+          <a:p>
+            <a:r>
+              <a:rPr lang="en-US" sz="4000" i="1" dirty="0"/>
+              <a:t>	</a:t>
+            </a:r>
+            <a:r>
+              <a:rPr lang="en-US" sz="4000" i="1" dirty="0" smtClean="0"/>
+              <a:t>Find out the value of PI</a:t>
+            </a:r>
+            <a:endParaRPr lang="en-US" sz="4000" i="1" dirty="0"/>
+          </a:p>
+        </p:txBody>
+      </p:sp>
+      <p:sp>
+        <p:nvSpPr>
+          <p:cNvPr id="5" name="Rectangle 4"/>
+          <p:cNvSpPr/>
+          <p:nvPr/>
+        </p:nvSpPr>
+        <p:spPr>
+          <a:xfrm>
+            <a:off x="0" y="6737478"/>
+            <a:ext cx="9144000" cy="120522"/>
+          </a:xfrm>
+          <a:prstGeom prst="rect">
+            <a:avLst/>
+          </a:prstGeom>
+          <a:solidFill>
+            <a:srgbClr val="3DBFDB"/>
+          </a:solidFill>
+          <a:ln>
+            <a:noFill/>
+          </a:ln>
+          <a:effectLst/>
+        </p:spPr>
+        <p:style>
+          <a:lnRef idx="1">
+            <a:schemeClr val="accent1"/>
+          </a:lnRef>
+          <a:fillRef idx="3">
+            <a:schemeClr val="accent1"/>
+          </a:fillRef>
+          <a:effectRef idx="2">
+            <a:schemeClr val="accent1"/>
+          </a:effectRef>
+          <a:fontRef idx="minor">
+            <a:schemeClr val="lt1"/>
+          </a:fontRef>
+        </p:style>
+        <p:txBody>
+          <a:bodyPr rtlCol="0" anchor="ctr"/>
+          <a:lstStyle/>
+          <a:p>
+            <a:pPr algn="ctr"/>
+            <a:endParaRPr lang="en-US"/>
+          </a:p>
+        </p:txBody>
+      </p:sp>
+      <p:sp>
+        <p:nvSpPr>
+          <p:cNvPr id="7" name="TextBox 6"/>
+          <p:cNvSpPr txBox="1"/>
+          <p:nvPr/>
+        </p:nvSpPr>
+        <p:spPr>
+          <a:xfrm>
+            <a:off x="8869998" y="6453063"/>
+            <a:ext cx="262662" cy="276999"/>
+          </a:xfrm>
+          <a:prstGeom prst="rect">
+            <a:avLst/>
+          </a:prstGeom>
+          <a:noFill/>
+        </p:spPr>
+        <p:txBody>
+          <a:bodyPr wrap="none" rtlCol="0">
+            <a:spAutoFit/>
+          </a:bodyPr>
+          <a:lstStyle/>
+          <a:p>
+            <a:pPr algn="r"/>
+            <a:r>
+              <a:rPr lang="en-US" sz="1200" dirty="0" smtClean="0">
+                <a:solidFill>
+                  <a:srgbClr val="118EB0"/>
+                </a:solidFill>
+              </a:rPr>
+              <a:t>1</a:t>
+            </a:r>
+            <a:endParaRPr lang="en-US" sz="1200" dirty="0">
+              <a:solidFill>
+                <a:srgbClr val="118EB0"/>
+              </a:solidFill>
+            </a:endParaRPr>
+          </a:p>
+        </p:txBody>
+      </p:sp>
+      <p:sp>
+        <p:nvSpPr>
+          <p:cNvPr id="2" name="TextBox 1"/>
+          <p:cNvSpPr txBox="1"/>
+          <p:nvPr/>
+        </p:nvSpPr>
+        <p:spPr>
+          <a:xfrm>
+            <a:off x="262454" y="5842211"/>
+            <a:ext cx="8619091" cy="523220"/>
+          </a:xfrm>
+          <a:prstGeom prst="rect">
+            <a:avLst/>
+          </a:prstGeom>
+          <a:noFill/>
+        </p:spPr>
+        <p:txBody>
+          <a:bodyPr wrap="none" rtlCol="0">
+            <a:spAutoFit/>
+          </a:bodyPr>
+          <a:lstStyle/>
+          <a:p>
+            <a:r>
+              <a:rPr lang="en-US" sz="2800" i="1" dirty="0" smtClean="0">
+                <a:solidFill>
+                  <a:srgbClr val="1ACFFF"/>
+                </a:solidFill>
+              </a:rPr>
+              <a:t>Find out PI by generating a ton of </a:t>
+            </a:r>
+            <a:r>
+              <a:rPr lang="en-US" sz="2800" i="1" smtClean="0">
+                <a:solidFill>
+                  <a:srgbClr val="1ACFFF"/>
+                </a:solidFill>
+              </a:rPr>
+              <a:t>random dots and count!</a:t>
+            </a:r>
+            <a:endParaRPr lang="en-US" sz="2800" i="1" dirty="0">
+              <a:solidFill>
+                <a:srgbClr val="1ACFFF"/>
+              </a:solidFill>
+            </a:endParaRPr>
+          </a:p>
+        </p:txBody>
+      </p:sp>
+      <p:pic>
+        <p:nvPicPr>
+          <p:cNvPr id="13" name="Picture 12"/>
+          <p:cNvPicPr>
+            <a:picLocks noChangeAspect="1"/>
+          </p:cNvPicPr>
+          <p:nvPr/>
+        </p:nvPicPr>
+        <p:blipFill>
+          <a:blip r:embed="rId2">
+            <a:extLst>
+              <a:ext uri="{28A0092B-C50C-407E-A947-70E740481C1C}">
+                <a14:useLocalDpi xmlns:a14="http://schemas.microsoft.com/office/drawing/2010/main" val="0"/>
+              </a:ext>
+            </a:extLst>
+          </a:blip>
+          <a:stretch>
+            <a:fillRect/>
+          </a:stretch>
+        </p:blipFill>
+        <p:spPr>
+          <a:xfrm>
+            <a:off x="534063" y="1758146"/>
+            <a:ext cx="3942850" cy="3942850"/>
+          </a:xfrm>
+          <a:prstGeom prst="rect">
+            <a:avLst/>
+          </a:prstGeom>
+        </p:spPr>
+      </p:pic>
+      <p:sp>
+        <p:nvSpPr>
+          <p:cNvPr id="14" name="TextBox 13"/>
+          <p:cNvSpPr txBox="1"/>
+          <p:nvPr/>
+        </p:nvSpPr>
+        <p:spPr>
+          <a:xfrm>
+            <a:off x="978788" y="5624051"/>
+            <a:ext cx="2058897" cy="307777"/>
+          </a:xfrm>
+          <a:prstGeom prst="rect">
+            <a:avLst/>
+          </a:prstGeom>
+          <a:noFill/>
+        </p:spPr>
+        <p:txBody>
+          <a:bodyPr wrap="none" rtlCol="0">
+            <a:spAutoFit/>
+          </a:bodyPr>
+          <a:lstStyle/>
+          <a:p>
+            <a:r>
+              <a:rPr lang="en-US" sz="1400" smtClean="0">
+                <a:solidFill>
+                  <a:schemeClr val="bg1">
+                    <a:lumMod val="65000"/>
+                  </a:schemeClr>
+                </a:solidFill>
+              </a:rPr>
+              <a:t>animation </a:t>
+            </a:r>
+            <a:r>
+              <a:rPr lang="en-US" sz="1400" dirty="0" smtClean="0">
+                <a:solidFill>
+                  <a:schemeClr val="bg1">
+                    <a:lumMod val="65000"/>
+                  </a:schemeClr>
+                </a:solidFill>
+              </a:rPr>
+              <a:t>from </a:t>
+            </a:r>
+            <a:r>
+              <a:rPr lang="en-US" sz="1400" dirty="0" err="1" smtClean="0">
+                <a:solidFill>
+                  <a:schemeClr val="bg1">
+                    <a:lumMod val="65000"/>
+                  </a:schemeClr>
+                </a:solidFill>
+              </a:rPr>
+              <a:t>wikipedia</a:t>
+            </a:r>
+            <a:endParaRPr lang="en-US" sz="1400" dirty="0">
+              <a:solidFill>
+                <a:schemeClr val="bg1">
+                  <a:lumMod val="65000"/>
+                </a:schemeClr>
+              </a:solidFill>
+            </a:endParaRPr>
+          </a:p>
+        </p:txBody>
+      </p:sp>
+      <p:sp>
+        <p:nvSpPr>
+          <p:cNvPr id="9" name="Rectangle 8"/>
+          <p:cNvSpPr/>
+          <p:nvPr/>
+        </p:nvSpPr>
+        <p:spPr>
+          <a:xfrm>
+            <a:off x="0" y="6451738"/>
+            <a:ext cx="963982" cy="276999"/>
+          </a:xfrm>
+          <a:prstGeom prst="rect">
+            <a:avLst/>
+          </a:prstGeom>
+        </p:spPr>
+        <p:txBody>
+          <a:bodyPr wrap="none">
+            <a:spAutoFit/>
+          </a:bodyPr>
+          <a:lstStyle/>
+          <a:p>
+            <a:r>
+              <a:rPr lang="en-US" sz="1200" dirty="0" smtClean="0">
+                <a:solidFill>
+                  <a:srgbClr val="118EB0"/>
+                </a:solidFill>
+              </a:rPr>
+              <a:t>Monte Carlo</a:t>
+            </a:r>
+            <a:endParaRPr lang="en-US" sz="1200" dirty="0">
+              <a:solidFill>
+                <a:srgbClr val="118EB0"/>
+              </a:solidFill>
+            </a:endParaRPr>
+          </a:p>
+        </p:txBody>
+      </p:sp>
+      <mc:AlternateContent xmlns:mc="http://schemas.openxmlformats.org/markup-compatibility/2006">
+        <mc:Choice xmlns:a14="http://schemas.microsoft.com/office/drawing/2010/main" Requires="a14">
+          <p:sp>
+            <p:nvSpPr>
+              <p:cNvPr id="10" name="TextBox 9"/>
+              <p:cNvSpPr txBox="1"/>
+              <p:nvPr/>
+            </p:nvSpPr>
+            <p:spPr>
+              <a:xfrm>
+                <a:off x="4476913" y="3169684"/>
+                <a:ext cx="4393447" cy="667490"/>
+              </a:xfrm>
+              <a:prstGeom prst="rect">
+                <a:avLst/>
+              </a:prstGeom>
+              <a:noFill/>
+            </p:spPr>
+            <p:txBody>
+              <a:bodyPr wrap="none" rtlCol="0">
+                <a:spAutoFit/>
+              </a:bodyPr>
+              <a:lstStyle/>
+              <a:p>
+                <a:pPr/>
+                <a14:m>
+                  <m:oMathPara xmlns:m="http://schemas.openxmlformats.org/officeDocument/2006/math">
+                    <m:oMathParaPr>
+                      <m:jc m:val="centerGroup"/>
+                    </m:oMathParaPr>
+                    <m:oMath xmlns:m="http://schemas.openxmlformats.org/officeDocument/2006/math">
+                      <m:f>
+                        <m:fPr>
+                          <m:ctrlPr>
+                            <a:rPr lang="mr-IN" i="1" smtClean="0">
+                              <a:latin typeface="Cambria Math" charset="0"/>
+                            </a:rPr>
+                          </m:ctrlPr>
+                        </m:fPr>
+                        <m:num>
+                          <m:r>
+                            <a:rPr lang="en-US" b="0" i="1" smtClean="0">
+                              <a:latin typeface="Cambria Math" charset="0"/>
+                            </a:rPr>
+                            <m:t>#</m:t>
+                          </m:r>
+                          <m:r>
+                            <a:rPr lang="en-US" b="0" i="1" smtClean="0">
+                              <a:latin typeface="Cambria Math" charset="0"/>
+                            </a:rPr>
+                            <m:t>𝑑𝑜𝑡𝑠</m:t>
+                          </m:r>
+                          <m:r>
+                            <a:rPr lang="en-US" b="0" i="1" smtClean="0">
+                              <a:latin typeface="Cambria Math" charset="0"/>
+                            </a:rPr>
+                            <m:t> </m:t>
+                          </m:r>
+                          <m:r>
+                            <a:rPr lang="en-US" b="0" i="1" smtClean="0">
+                              <a:latin typeface="Cambria Math" charset="0"/>
+                            </a:rPr>
+                            <m:t>𝑖𝑛</m:t>
+                          </m:r>
+                          <m:r>
+                            <a:rPr lang="en-US" b="0" i="1" smtClean="0">
+                              <a:latin typeface="Cambria Math" charset="0"/>
+                            </a:rPr>
+                            <m:t> </m:t>
+                          </m:r>
+                          <m:r>
+                            <a:rPr lang="en-US" b="0" i="1" smtClean="0">
+                              <a:latin typeface="Cambria Math" charset="0"/>
+                            </a:rPr>
+                            <m:t>𝑐𝑖𝑟𝑐𝑙𝑒</m:t>
+                          </m:r>
+                        </m:num>
+                        <m:den>
+                          <m:r>
+                            <a:rPr lang="en-US" b="0" i="1" smtClean="0">
+                              <a:latin typeface="Cambria Math" charset="0"/>
+                            </a:rPr>
+                            <m:t>𝑡𝑜𝑡𝑎𝑙</m:t>
+                          </m:r>
+                          <m:r>
+                            <a:rPr lang="en-US" b="0" i="1" smtClean="0">
+                              <a:latin typeface="Cambria Math" charset="0"/>
+                            </a:rPr>
+                            <m:t> </m:t>
+                          </m:r>
+                          <m:r>
+                            <a:rPr lang="en-US" b="0" i="1" smtClean="0">
+                              <a:latin typeface="Cambria Math" charset="0"/>
+                            </a:rPr>
+                            <m:t>𝑑𝑜𝑡𝑠</m:t>
+                          </m:r>
+                        </m:den>
+                      </m:f>
+                      <m:r>
+                        <a:rPr lang="en-US" b="0" i="1" smtClean="0">
+                          <a:latin typeface="Cambria Math" charset="0"/>
+                        </a:rPr>
+                        <m:t> </m:t>
+                      </m:r>
+                      <m:r>
+                        <a:rPr lang="en-US" b="0" i="1" smtClean="0">
+                          <a:latin typeface="Cambria Math" charset="0"/>
+                          <a:ea typeface="Cambria Math" charset="0"/>
+                          <a:cs typeface="Cambria Math" charset="0"/>
+                        </a:rPr>
+                        <m:t>≅</m:t>
+                      </m:r>
+                      <m:r>
+                        <a:rPr lang="en-US" b="0" i="1" smtClean="0">
+                          <a:latin typeface="Cambria Math" charset="0"/>
+                        </a:rPr>
+                        <m:t> </m:t>
+                      </m:r>
+                      <m:f>
+                        <m:fPr>
+                          <m:ctrlPr>
+                            <a:rPr lang="mr-IN" b="0" i="1" smtClean="0">
+                              <a:latin typeface="Cambria Math" charset="0"/>
+                            </a:rPr>
+                          </m:ctrlPr>
+                        </m:fPr>
+                        <m:num>
+                          <m:r>
+                            <a:rPr lang="en-US" b="0" i="1" smtClean="0">
+                              <a:latin typeface="Cambria Math" charset="0"/>
+                            </a:rPr>
+                            <m:t>𝑎𝑟𝑒𝑎</m:t>
+                          </m:r>
+                          <m:r>
+                            <a:rPr lang="en-US" b="0" i="1" smtClean="0">
+                              <a:latin typeface="Cambria Math" charset="0"/>
+                            </a:rPr>
+                            <m:t> </m:t>
+                          </m:r>
+                          <m:r>
+                            <a:rPr lang="en-US" b="0" i="1" smtClean="0">
+                              <a:latin typeface="Cambria Math" charset="0"/>
+                            </a:rPr>
+                            <m:t>𝑜𝑓</m:t>
+                          </m:r>
+                          <m:r>
+                            <a:rPr lang="en-US" b="0" i="1" smtClean="0">
+                              <a:latin typeface="Cambria Math" charset="0"/>
+                            </a:rPr>
+                            <m:t> </m:t>
+                          </m:r>
+                          <m:r>
+                            <a:rPr lang="en-US" b="0" i="1" smtClean="0">
+                              <a:latin typeface="Cambria Math" charset="0"/>
+                            </a:rPr>
+                            <m:t>𝑐𝑖𝑟𝑐𝑙𝑒</m:t>
+                          </m:r>
+                        </m:num>
+                        <m:den>
+                          <m:r>
+                            <a:rPr lang="en-US" b="0" i="1" smtClean="0">
+                              <a:latin typeface="Cambria Math" charset="0"/>
+                            </a:rPr>
+                            <m:t>𝑎𝑟𝑒𝑎</m:t>
+                          </m:r>
+                          <m:r>
+                            <a:rPr lang="en-US" b="0" i="1" smtClean="0">
+                              <a:latin typeface="Cambria Math" charset="0"/>
+                            </a:rPr>
+                            <m:t> </m:t>
+                          </m:r>
+                          <m:r>
+                            <a:rPr lang="en-US" b="0" i="1" smtClean="0">
+                              <a:latin typeface="Cambria Math" charset="0"/>
+                            </a:rPr>
+                            <m:t>𝑜𝑓</m:t>
+                          </m:r>
+                          <m:r>
+                            <a:rPr lang="en-US" b="0" i="1" smtClean="0">
+                              <a:latin typeface="Cambria Math" charset="0"/>
+                            </a:rPr>
+                            <m:t> </m:t>
+                          </m:r>
+                          <m:r>
+                            <a:rPr lang="en-US" b="0" i="1" smtClean="0">
+                              <a:latin typeface="Cambria Math" charset="0"/>
+                            </a:rPr>
+                            <m:t>𝑠𝑞𝑢𝑎𝑟𝑒</m:t>
+                          </m:r>
+                        </m:den>
+                      </m:f>
+                      <m:r>
+                        <a:rPr lang="en-US" b="0" i="1" smtClean="0">
+                          <a:latin typeface="Cambria Math" charset="0"/>
+                        </a:rPr>
+                        <m:t>=</m:t>
+                      </m:r>
+                      <m:r>
+                        <a:rPr lang="en-US" b="0" i="1" smtClean="0">
+                          <a:latin typeface="Cambria Math" charset="0"/>
+                        </a:rPr>
+                        <m:t>𝜋</m:t>
+                      </m:r>
+                      <m:r>
+                        <a:rPr lang="en-US" b="0" i="1" smtClean="0">
+                          <a:latin typeface="Cambria Math" charset="0"/>
+                        </a:rPr>
+                        <m:t>/4</m:t>
+                      </m:r>
+                    </m:oMath>
+                  </m:oMathPara>
+                </a14:m>
+                <a:endParaRPr lang="en-US" dirty="0"/>
+              </a:p>
+            </p:txBody>
+          </p:sp>
+        </mc:Choice>
+        <mc:Fallback>
+          <p:sp>
+            <p:nvSpPr>
+              <p:cNvPr id="10" name="TextBox 9"/>
+              <p:cNvSpPr txBox="1">
+                <a:spLocks noRot="1" noChangeAspect="1" noMove="1" noResize="1" noEditPoints="1" noAdjustHandles="1" noChangeArrowheads="1" noChangeShapeType="1" noTextEdit="1"/>
+              </p:cNvSpPr>
+              <p:nvPr/>
+            </p:nvSpPr>
+            <p:spPr>
+              <a:xfrm>
+                <a:off x="4476913" y="3169684"/>
+                <a:ext cx="4393447" cy="667490"/>
+              </a:xfrm>
+              <a:prstGeom prst="rect">
+                <a:avLst/>
+              </a:prstGeom>
+              <a:blipFill rotWithShape="0">
+                <a:blip r:embed="rId3"/>
+                <a:stretch>
+                  <a:fillRect/>
+                </a:stretch>
+              </a:blipFill>
+            </p:spPr>
+            <p:txBody>
+              <a:bodyPr/>
+              <a:lstStyle/>
+              <a:p>
+                <a:r>
+                  <a:rPr lang="en-US">
+                    <a:noFill/>
+                  </a:rPr>
+                  <a:t> </a:t>
+                </a:r>
+              </a:p>
+            </p:txBody>
+          </p:sp>
+        </mc:Fallback>
+      </mc:AlternateContent>
     </p:spTree>
     <p:extLst>
       <p:ext uri="{BB962C8B-B14F-4D97-AF65-F5344CB8AC3E}">
@@ -3964,7 +5618,7 @@
 </p:sld>
 </file>
 
-<file path=ppt/slides/slide11.xml><?xml version="1.0" encoding="utf-8"?>
+<file path=ppt/slides/slide15.xml><?xml version="1.0" encoding="utf-8"?>
 <p:sld xmlns:a="http://schemas.openxmlformats.org/drawingml/2006/main" xmlns:r="http://schemas.openxmlformats.org/officeDocument/2006/relationships" xmlns:p="http://schemas.openxmlformats.org/presentationml/2006/main">
   <p:cSld>
     <p:spTree>
@@ -4569,7 +6223,7 @@
 </p:sld>
 </file>
 
-<file path=ppt/slides/slide12.xml><?xml version="1.0" encoding="utf-8"?>
+<file path=ppt/slides/slide16.xml><?xml version="1.0" encoding="utf-8"?>
 <p:sld xmlns:a="http://schemas.openxmlformats.org/drawingml/2006/main" xmlns:r="http://schemas.openxmlformats.org/officeDocument/2006/relationships" xmlns:p="http://schemas.openxmlformats.org/presentationml/2006/main">
   <p:cSld>
     <p:spTree>
@@ -4924,7 +6578,7 @@
 </p:sld>
 </file>
 
-<file path=ppt/slides/slide13.xml><?xml version="1.0" encoding="utf-8"?>
+<file path=ppt/slides/slide17.xml><?xml version="1.0" encoding="utf-8"?>
 <p:sld xmlns:a="http://schemas.openxmlformats.org/drawingml/2006/main" xmlns:r="http://schemas.openxmlformats.org/officeDocument/2006/relationships" xmlns:p="http://schemas.openxmlformats.org/presentationml/2006/main">
   <p:cSld>
     <p:spTree>
@@ -7558,7 +9212,7 @@
         <p:spPr>
           <a:xfrm>
             <a:off x="457200" y="1600201"/>
-            <a:ext cx="8495414" cy="4525963"/>
+            <a:ext cx="8495414" cy="4742726"/>
           </a:xfrm>
         </p:spPr>
         <p:txBody>
@@ -7566,27 +9220,56 @@
           <a:lstStyle/>
           <a:p>
             <a:r>
-              <a:rPr lang="en-US" dirty="0" smtClean="0"/>
-              <a:t>Historical puzzle in mathematics</a:t>
-            </a:r>
-          </a:p>
-          <a:p>
-            <a:r>
-              <a:rPr lang="en-US" dirty="0" smtClean="0"/>
-              <a:t>~1500 years ago</a:t>
-            </a:r>
+              <a:rPr lang="en-US" altLang="zh-CN" dirty="0"/>
+              <a:t>To model and imitate a hypothetical or real-life situation on a computer</a:t>
+            </a:r>
+          </a:p>
+          <a:p>
+            <a:pPr lvl="1"/>
+            <a:r>
+              <a:rPr lang="en-US" altLang="zh-CN" dirty="0" smtClean="0"/>
+              <a:t>Simulate the weather system</a:t>
+            </a:r>
+          </a:p>
+          <a:p>
+            <a:pPr lvl="1"/>
+            <a:r>
+              <a:rPr lang="en-US" altLang="zh-CN" dirty="0"/>
+              <a:t>T</a:t>
+            </a:r>
+            <a:r>
+              <a:rPr lang="en-US" altLang="zh-CN" dirty="0" smtClean="0"/>
+              <a:t>rend of stocks</a:t>
+            </a:r>
+          </a:p>
+          <a:p>
+            <a:pPr lvl="1"/>
+            <a:r>
+              <a:rPr lang="en-US" altLang="zh-CN" dirty="0" smtClean="0"/>
+              <a:t>Military training</a:t>
+            </a:r>
+          </a:p>
+          <a:p>
+            <a:pPr lvl="1"/>
+            <a:r>
+              <a:rPr lang="en-US" altLang="zh-CN" dirty="0" smtClean="0"/>
+              <a:t>Crowd behavior in the canteen</a:t>
+            </a:r>
+            <a:r>
+              <a:rPr lang="mr-IN" altLang="zh-CN" dirty="0" smtClean="0"/>
+              <a:t>…</a:t>
+            </a:r>
+            <a:r>
+              <a:rPr lang="en-US" altLang="zh-CN" dirty="0" smtClean="0"/>
+              <a:t> </a:t>
+            </a:r>
+          </a:p>
+          <a:p>
+            <a:pPr lvl="1"/>
             <a:endParaRPr lang="en-US" altLang="zh-CN" dirty="0" smtClean="0"/>
           </a:p>
           <a:p>
-            <a:pPr lvl="1"/>
-            <a:r>
-              <a:rPr lang="en-US" altLang="zh-CN" dirty="0" smtClean="0"/>
-              <a:t>3.1415926 - 3.1415927</a:t>
-            </a:r>
             <a:endParaRPr lang="en-US" altLang="zh-CN" dirty="0"/>
-          </a:p>
-          <a:p>
-            <a:endParaRPr lang="en-US" altLang="zh-CN" dirty="0" smtClean="0"/>
           </a:p>
         </p:txBody>
       </p:sp>
@@ -7630,13 +9313,10 @@
           <a:bodyPr rtlCol="0" anchor="ctr"/>
           <a:lstStyle/>
           <a:p>
-            <a:r>
-              <a:rPr lang="en-US" sz="4000" i="1" dirty="0"/>
-              <a:t>	</a:t>
-            </a:r>
+            <a:pPr lvl="1"/>
             <a:r>
               <a:rPr lang="en-US" sz="4000" i="1" dirty="0" smtClean="0"/>
-              <a:t>Find out the value of PI</a:t>
+              <a:t>What is Simulation?</a:t>
             </a:r>
             <a:endParaRPr lang="en-US" sz="4000" i="1" dirty="0"/>
           </a:p>
@@ -7717,43 +9397,6 @@
                 </a:solidFill>
               </a:rPr>
               <a:t>1</a:t>
-            </a:r>
-            <a:endParaRPr lang="en-US" sz="1200" dirty="0">
-              <a:solidFill>
-                <a:srgbClr val="118EB0"/>
-              </a:solidFill>
-            </a:endParaRPr>
-          </a:p>
-        </p:txBody>
-      </p:sp>
-      <p:sp>
-        <p:nvSpPr>
-          <p:cNvPr id="6" name="Rectangle 5"/>
-          <p:cNvSpPr/>
-          <p:nvPr/>
-        </p:nvSpPr>
-        <p:spPr>
-          <a:xfrm>
-            <a:off x="0" y="6451738"/>
-            <a:ext cx="963982" cy="276999"/>
-          </a:xfrm>
-          <a:prstGeom prst="rect">
-            <a:avLst/>
-          </a:prstGeom>
-        </p:spPr>
-        <p:txBody>
-          <a:bodyPr wrap="none">
-            <a:spAutoFit/>
-          </a:bodyPr>
-          <a:lstStyle/>
-          <a:p>
-            <a:r>
-              <a:rPr lang="en-US" sz="1200" dirty="0" smtClean="0">
-                <a:solidFill>
-                  <a:srgbClr val="118EB0"/>
-                </a:solidFill>
-              </a:rPr>
-              <a:t>Monte Carlo</a:t>
             </a:r>
             <a:endParaRPr lang="en-US" sz="1200" dirty="0">
               <a:solidFill>
@@ -7813,61 +9456,72 @@
         <p:spPr>
           <a:xfrm>
             <a:off x="457200" y="1600201"/>
-            <a:ext cx="8495414" cy="4525963"/>
-          </a:xfrm>
-        </p:spPr>
-        <p:txBody>
-          <a:bodyPr/>
-          <a:lstStyle/>
-          <a:p>
-            <a:r>
-              <a:rPr lang="en-US" dirty="0"/>
-              <a:t>Historical puzzle in mathematics</a:t>
-            </a:r>
-          </a:p>
-          <a:p>
-            <a:r>
-              <a:rPr lang="en-US" dirty="0" smtClean="0"/>
-              <a:t>~</a:t>
-            </a:r>
-            <a:r>
-              <a:rPr lang="en-US" dirty="0"/>
-              <a:t>1500 years </a:t>
-            </a:r>
-            <a:r>
-              <a:rPr lang="en-US" dirty="0" smtClean="0"/>
-              <a:t>ago</a:t>
-            </a:r>
-            <a:endParaRPr lang="en-US" altLang="zh-CN" dirty="0" smtClean="0"/>
+            <a:ext cx="8495414" cy="4997369"/>
+          </a:xfrm>
+        </p:spPr>
+        <p:txBody>
+          <a:bodyPr>
+            <a:normAutofit/>
+          </a:bodyPr>
+          <a:lstStyle/>
+          <a:p>
+            <a:r>
+              <a:rPr lang="en-US" altLang="zh-CN" dirty="0" smtClean="0"/>
+              <a:t>To model and imitate </a:t>
+            </a:r>
+            <a:r>
+              <a:rPr lang="en-US" altLang="zh-CN" dirty="0" smtClean="0"/>
+              <a:t>a hypothetical or real-life situation </a:t>
+            </a:r>
+            <a:r>
+              <a:rPr lang="en-US" altLang="zh-CN" dirty="0" smtClean="0"/>
+              <a:t>on a computer</a:t>
+            </a:r>
           </a:p>
           <a:p>
             <a:pPr lvl="1"/>
             <a:r>
               <a:rPr lang="en-US" altLang="zh-CN" dirty="0" smtClean="0"/>
-              <a:t>3.1415926 - 3.1415927</a:t>
-            </a:r>
-          </a:p>
-          <a:p>
+              <a:t>Simulate the weather system</a:t>
+            </a:r>
+          </a:p>
+          <a:p>
+            <a:pPr lvl="1"/>
             <a:r>
               <a:rPr lang="en-US" altLang="zh-CN" dirty="0" smtClean="0"/>
-              <a:t>Not </a:t>
-            </a:r>
-            <a:r>
-              <a:rPr lang="en-US" altLang="zh-CN" dirty="0"/>
-              <a:t>that </a:t>
-            </a:r>
+              <a:t>Trend of stocks</a:t>
+            </a:r>
+          </a:p>
+          <a:p>
+            <a:pPr lvl="1"/>
             <a:r>
               <a:rPr lang="en-US" altLang="zh-CN" dirty="0" smtClean="0"/>
-              <a:t>difficult for us</a:t>
+              <a:t>Military training</a:t>
+            </a:r>
+          </a:p>
+          <a:p>
+            <a:pPr lvl="1"/>
+            <a:r>
+              <a:rPr lang="en-US" altLang="zh-CN" dirty="0" smtClean="0"/>
+              <a:t>Crowd behavior in the canteen</a:t>
             </a:r>
             <a:r>
               <a:rPr lang="mr-IN" altLang="zh-CN" dirty="0" smtClean="0"/>
               <a:t>…</a:t>
             </a:r>
-            <a:endParaRPr lang="en-US" altLang="zh-CN" dirty="0"/>
-          </a:p>
-          <a:p>
-            <a:endParaRPr lang="en-US" altLang="zh-CN" dirty="0" smtClean="0"/>
+            <a:r>
+              <a:rPr lang="en-US" altLang="zh-CN" dirty="0" smtClean="0"/>
+              <a:t> </a:t>
+            </a:r>
+          </a:p>
+          <a:p>
+            <a:r>
+              <a:rPr lang="en-US" altLang="zh-CN" dirty="0" smtClean="0"/>
+              <a:t>Simulate a stochastic process and count</a:t>
+            </a:r>
+            <a:endParaRPr lang="en-US" altLang="zh-CN" dirty="0" smtClean="0">
+              <a:sym typeface="Wingdings"/>
+            </a:endParaRPr>
           </a:p>
         </p:txBody>
       </p:sp>
@@ -7911,13 +9565,10 @@
           <a:bodyPr rtlCol="0" anchor="ctr"/>
           <a:lstStyle/>
           <a:p>
-            <a:r>
-              <a:rPr lang="en-US" sz="4000" i="1" dirty="0"/>
-              <a:t>	</a:t>
-            </a:r>
+            <a:pPr lvl="1"/>
             <a:r>
               <a:rPr lang="en-US" sz="4000" i="1" dirty="0" smtClean="0"/>
-              <a:t>Find out the value of PI</a:t>
+              <a:t>What is Simulation?</a:t>
             </a:r>
             <a:endParaRPr lang="en-US" sz="4000" i="1" dirty="0"/>
           </a:p>
@@ -8047,7 +9698,7 @@
     </p:spTree>
     <p:extLst>
       <p:ext uri="{BB962C8B-B14F-4D97-AF65-F5344CB8AC3E}">
-        <p14:creationId xmlns:p14="http://schemas.microsoft.com/office/powerpoint/2010/main" val="353872463"/>
+        <p14:creationId xmlns:p14="http://schemas.microsoft.com/office/powerpoint/2010/main" val="294214179"/>
       </p:ext>
     </p:extLst>
   </p:cSld>
@@ -8083,6 +9734,57 @@
       </p:grpSpPr>
       <p:sp>
         <p:nvSpPr>
+          <p:cNvPr id="3" name="Content Placeholder 2"/>
+          <p:cNvSpPr>
+            <a:spLocks noGrp="1"/>
+          </p:cNvSpPr>
+          <p:nvPr>
+            <p:ph idx="1"/>
+          </p:nvPr>
+        </p:nvSpPr>
+        <p:spPr>
+          <a:xfrm>
+            <a:off x="457200" y="1600201"/>
+            <a:ext cx="8495414" cy="4525963"/>
+          </a:xfrm>
+        </p:spPr>
+        <p:txBody>
+          <a:bodyPr/>
+          <a:lstStyle/>
+          <a:p>
+            <a:r>
+              <a:rPr lang="en-US" altLang="zh-CN" dirty="0" smtClean="0"/>
+              <a:t>What is the probability of getting 5 heads by tossing a coin 10 times?</a:t>
+            </a:r>
+          </a:p>
+          <a:p>
+            <a:pPr lvl="1"/>
+            <a:r>
+              <a:rPr lang="en-US" altLang="zh-CN" dirty="0" smtClean="0"/>
+              <a:t>Use </a:t>
+            </a:r>
+            <a:r>
+              <a:rPr lang="en-US" altLang="zh-CN" dirty="0"/>
+              <a:t>your </a:t>
+            </a:r>
+            <a:r>
+              <a:rPr lang="en-US" altLang="zh-CN" dirty="0" smtClean="0"/>
+              <a:t>expertise in math</a:t>
+            </a:r>
+            <a:endParaRPr lang="en-US" altLang="zh-CN" dirty="0" smtClean="0"/>
+          </a:p>
+          <a:p>
+            <a:pPr lvl="1"/>
+            <a:r>
+              <a:rPr lang="en-US" altLang="zh-CN" dirty="0" smtClean="0"/>
+              <a:t>Simulate the process many times and count!</a:t>
+            </a:r>
+            <a:endParaRPr lang="en-US" altLang="zh-CN" dirty="0" smtClean="0"/>
+          </a:p>
+        </p:txBody>
+      </p:sp>
+      <p:sp>
+        <p:nvSpPr>
           <p:cNvPr id="4" name="Rectangle 3"/>
           <p:cNvSpPr/>
           <p:nvPr/>
@@ -8127,7 +9829,7 @@
             </a:r>
             <a:r>
               <a:rPr lang="en-US" sz="4000" i="1" dirty="0" smtClean="0"/>
-              <a:t>Find out the value of PI</a:t>
+              <a:t>Toss a coin</a:t>
             </a:r>
             <a:endParaRPr lang="en-US" sz="4000" i="1" dirty="0"/>
           </a:p>
@@ -8217,333 +9919,9 @@
           </a:p>
         </p:txBody>
       </p:sp>
-      <mc:AlternateContent xmlns:mc="http://schemas.openxmlformats.org/markup-compatibility/2006" xmlns:a14="http://schemas.microsoft.com/office/drawing/2010/main">
-        <mc:Choice Requires="a14">
-          <p:sp>
-            <p:nvSpPr>
-              <p:cNvPr id="12" name="TextBox 11"/>
-              <p:cNvSpPr txBox="1"/>
-              <p:nvPr/>
-            </p:nvSpPr>
-            <p:spPr>
-              <a:xfrm>
-                <a:off x="4476913" y="3169684"/>
-                <a:ext cx="4507131" cy="667490"/>
-              </a:xfrm>
-              <a:prstGeom prst="rect">
-                <a:avLst/>
-              </a:prstGeom>
-              <a:noFill/>
-            </p:spPr>
-            <p:txBody>
-              <a:bodyPr wrap="none" rtlCol="0">
-                <a:spAutoFit/>
-              </a:bodyPr>
-              <a:lstStyle/>
-              <a:p>
-                <a:pPr/>
-                <a14:m>
-                  <m:oMathPara xmlns:m="http://schemas.openxmlformats.org/officeDocument/2006/math">
-                    <m:oMathParaPr>
-                      <m:jc m:val="centerGroup"/>
-                    </m:oMathParaPr>
-                    <m:oMath xmlns:m="http://schemas.openxmlformats.org/officeDocument/2006/math">
-                      <m:f>
-                        <m:fPr>
-                          <m:ctrlPr>
-                            <a:rPr lang="mr-IN" i="1" smtClean="0">
-                              <a:latin typeface="Cambria Math" charset="0"/>
-                            </a:rPr>
-                          </m:ctrlPr>
-                        </m:fPr>
-                        <m:num>
-                          <m:r>
-                            <a:rPr lang="en-US" b="0" i="1" smtClean="0">
-                              <a:latin typeface="Cambria Math" charset="0"/>
-                            </a:rPr>
-                            <m:t>#</m:t>
-                          </m:r>
-                          <m:r>
-                            <a:rPr lang="en-US" b="0" i="1" smtClean="0">
-                              <a:latin typeface="Cambria Math" charset="0"/>
-                            </a:rPr>
-                            <m:t>𝑑𝑜𝑡𝑠</m:t>
-                          </m:r>
-                          <m:r>
-                            <a:rPr lang="en-US" b="0" i="1" smtClean="0">
-                              <a:latin typeface="Cambria Math" charset="0"/>
-                            </a:rPr>
-                            <m:t> </m:t>
-                          </m:r>
-                          <m:r>
-                            <a:rPr lang="en-US" b="0" i="1" smtClean="0">
-                              <a:latin typeface="Cambria Math" charset="0"/>
-                            </a:rPr>
-                            <m:t>𝑖𝑛</m:t>
-                          </m:r>
-                          <m:r>
-                            <a:rPr lang="en-US" b="0" i="1" smtClean="0">
-                              <a:latin typeface="Cambria Math" charset="0"/>
-                            </a:rPr>
-                            <m:t> </m:t>
-                          </m:r>
-                          <m:r>
-                            <a:rPr lang="en-US" b="0" i="1" smtClean="0">
-                              <a:latin typeface="Cambria Math" charset="0"/>
-                            </a:rPr>
-                            <m:t>𝑐𝑖𝑟𝑐𝑙𝑒</m:t>
-                          </m:r>
-                        </m:num>
-                        <m:den>
-                          <m:r>
-                            <a:rPr lang="en-US" b="0" i="1" smtClean="0">
-                              <a:latin typeface="Cambria Math" charset="0"/>
-                            </a:rPr>
-                            <m:t>𝑡𝑜𝑡𝑎𝑙</m:t>
-                          </m:r>
-                          <m:r>
-                            <a:rPr lang="en-US" b="0" i="1" smtClean="0">
-                              <a:latin typeface="Cambria Math" charset="0"/>
-                            </a:rPr>
-                            <m:t> </m:t>
-                          </m:r>
-                          <m:r>
-                            <a:rPr lang="en-US" b="0" i="1" smtClean="0">
-                              <a:latin typeface="Cambria Math" charset="0"/>
-                            </a:rPr>
-                            <m:t>𝑑𝑜𝑡𝑠</m:t>
-                          </m:r>
-                        </m:den>
-                      </m:f>
-                      <m:r>
-                        <a:rPr lang="en-US" b="0" i="1" smtClean="0">
-                          <a:latin typeface="Cambria Math" charset="0"/>
-                        </a:rPr>
-                        <m:t>= </m:t>
-                      </m:r>
-                      <m:f>
-                        <m:fPr>
-                          <m:ctrlPr>
-                            <a:rPr lang="mr-IN" b="0" i="1" smtClean="0">
-                              <a:latin typeface="Cambria Math" charset="0"/>
-                            </a:rPr>
-                          </m:ctrlPr>
-                        </m:fPr>
-                        <m:num>
-                          <m:r>
-                            <a:rPr lang="en-US" b="0" i="1" smtClean="0">
-                              <a:latin typeface="Cambria Math" charset="0"/>
-                            </a:rPr>
-                            <m:t>𝑎𝑟𝑒𝑎</m:t>
-                          </m:r>
-                          <m:r>
-                            <a:rPr lang="en-US" b="0" i="1" smtClean="0">
-                              <a:latin typeface="Cambria Math" charset="0"/>
-                            </a:rPr>
-                            <m:t> </m:t>
-                          </m:r>
-                          <m:r>
-                            <a:rPr lang="en-US" b="0" i="1" smtClean="0">
-                              <a:latin typeface="Cambria Math" charset="0"/>
-                            </a:rPr>
-                            <m:t>𝑜𝑓</m:t>
-                          </m:r>
-                          <m:r>
-                            <a:rPr lang="en-US" b="0" i="1" smtClean="0">
-                              <a:latin typeface="Cambria Math" charset="0"/>
-                            </a:rPr>
-                            <m:t> </m:t>
-                          </m:r>
-                          <m:r>
-                            <a:rPr lang="en-US" b="0" i="1" smtClean="0">
-                              <a:latin typeface="Cambria Math" charset="0"/>
-                            </a:rPr>
-                            <m:t>𝑐𝑖𝑟𝑐𝑙𝑒</m:t>
-                          </m:r>
-                        </m:num>
-                        <m:den>
-                          <m:r>
-                            <a:rPr lang="en-US" b="0" i="1" smtClean="0">
-                              <a:latin typeface="Cambria Math" charset="0"/>
-                            </a:rPr>
-                            <m:t>𝑎𝑟𝑒𝑎</m:t>
-                          </m:r>
-                          <m:r>
-                            <a:rPr lang="en-US" b="0" i="1" smtClean="0">
-                              <a:latin typeface="Cambria Math" charset="0"/>
-                            </a:rPr>
-                            <m:t> </m:t>
-                          </m:r>
-                          <m:r>
-                            <a:rPr lang="en-US" b="0" i="1" smtClean="0">
-                              <a:latin typeface="Cambria Math" charset="0"/>
-                            </a:rPr>
-                            <m:t>𝑜𝑓</m:t>
-                          </m:r>
-                          <m:r>
-                            <a:rPr lang="en-US" b="0" i="1" smtClean="0">
-                              <a:latin typeface="Cambria Math" charset="0"/>
-                            </a:rPr>
-                            <m:t> </m:t>
-                          </m:r>
-                          <m:r>
-                            <a:rPr lang="en-US" b="0" i="1" smtClean="0">
-                              <a:latin typeface="Cambria Math" charset="0"/>
-                            </a:rPr>
-                            <m:t>𝑠𝑞𝑢𝑎𝑟𝑒</m:t>
-                          </m:r>
-                        </m:den>
-                      </m:f>
-                      <m:r>
-                        <a:rPr lang="en-US" b="0" i="1" smtClean="0">
-                          <a:latin typeface="Cambria Math" charset="0"/>
-                        </a:rPr>
-                        <m:t>=</m:t>
-                      </m:r>
-                      <m:r>
-                        <a:rPr lang="en-US" b="0" i="1" smtClean="0">
-                          <a:latin typeface="Cambria Math" charset="0"/>
-                        </a:rPr>
-                        <m:t>𝜋</m:t>
-                      </m:r>
-                      <m:r>
-                        <a:rPr lang="en-US" b="0" i="1" smtClean="0">
-                          <a:latin typeface="Cambria Math" charset="0"/>
-                        </a:rPr>
-                        <m:t>/4</m:t>
-                      </m:r>
-                    </m:oMath>
-                  </m:oMathPara>
-                </a14:m>
-                <a:endParaRPr lang="en-US" dirty="0"/>
-              </a:p>
-            </p:txBody>
-          </p:sp>
-        </mc:Choice>
-        <mc:Fallback xmlns="">
-          <p:sp>
-            <p:nvSpPr>
-              <p:cNvPr id="12" name="TextBox 11"/>
-              <p:cNvSpPr txBox="1">
-                <a:spLocks noRot="1" noChangeAspect="1" noMove="1" noResize="1" noEditPoints="1" noAdjustHandles="1" noChangeArrowheads="1" noChangeShapeType="1" noTextEdit="1"/>
-              </p:cNvSpPr>
-              <p:nvPr/>
-            </p:nvSpPr>
-            <p:spPr>
-              <a:xfrm>
-                <a:off x="4476913" y="3169684"/>
-                <a:ext cx="4507131" cy="667490"/>
-              </a:xfrm>
-              <a:prstGeom prst="rect">
-                <a:avLst/>
-              </a:prstGeom>
-              <a:blipFill rotWithShape="0">
-                <a:blip r:embed="rId2"/>
-                <a:stretch>
-                  <a:fillRect/>
-                </a:stretch>
-              </a:blipFill>
-            </p:spPr>
-            <p:txBody>
-              <a:bodyPr/>
-              <a:lstStyle/>
-              <a:p>
-                <a:r>
-                  <a:rPr lang="en-US">
-                    <a:noFill/>
-                  </a:rPr>
-                  <a:t> </a:t>
-                </a:r>
-              </a:p>
-            </p:txBody>
-          </p:sp>
-        </mc:Fallback>
-      </mc:AlternateContent>
-      <p:pic>
-        <p:nvPicPr>
-          <p:cNvPr id="13" name="Picture 12"/>
-          <p:cNvPicPr>
-            <a:picLocks noChangeAspect="1"/>
-          </p:cNvPicPr>
-          <p:nvPr/>
-        </p:nvPicPr>
-        <p:blipFill>
-          <a:blip r:embed="rId3">
-            <a:extLst>
-              <a:ext uri="{28A0092B-C50C-407E-A947-70E740481C1C}">
-                <a14:useLocalDpi xmlns:a14="http://schemas.microsoft.com/office/drawing/2010/main" val="0"/>
-              </a:ext>
-            </a:extLst>
-          </a:blip>
-          <a:stretch>
-            <a:fillRect/>
-          </a:stretch>
-        </p:blipFill>
-        <p:spPr>
-          <a:xfrm>
-            <a:off x="534063" y="1758146"/>
-            <a:ext cx="3942850" cy="3942850"/>
-          </a:xfrm>
-          <a:prstGeom prst="rect">
-            <a:avLst/>
-          </a:prstGeom>
-        </p:spPr>
-      </p:pic>
-      <p:sp>
-        <p:nvSpPr>
-          <p:cNvPr id="14" name="TextBox 13"/>
-          <p:cNvSpPr txBox="1"/>
-          <p:nvPr/>
-        </p:nvSpPr>
-        <p:spPr>
-          <a:xfrm>
-            <a:off x="978788" y="5624051"/>
-            <a:ext cx="2058897" cy="307777"/>
-          </a:xfrm>
-          <a:prstGeom prst="rect">
-            <a:avLst/>
-          </a:prstGeom>
-          <a:noFill/>
-        </p:spPr>
-        <p:txBody>
-          <a:bodyPr wrap="none" rtlCol="0">
-            <a:spAutoFit/>
-          </a:bodyPr>
-          <a:lstStyle/>
-          <a:p>
-            <a:r>
-              <a:rPr lang="en-US" sz="1400" dirty="0" smtClean="0">
-                <a:solidFill>
-                  <a:schemeClr val="bg1">
-                    <a:lumMod val="65000"/>
-                  </a:schemeClr>
-                </a:solidFill>
-              </a:rPr>
-              <a:t>animation from </a:t>
-            </a:r>
-            <a:r>
-              <a:rPr lang="en-US" sz="1400" dirty="0" err="1" smtClean="0">
-                <a:solidFill>
-                  <a:schemeClr val="bg1">
-                    <a:lumMod val="65000"/>
-                  </a:schemeClr>
-                </a:solidFill>
-              </a:rPr>
-              <a:t>wikipedia</a:t>
-            </a:r>
-            <a:endParaRPr lang="en-US" sz="1400" dirty="0">
-              <a:solidFill>
-                <a:schemeClr val="bg1">
-                  <a:lumMod val="65000"/>
-                </a:schemeClr>
-              </a:solidFill>
-            </a:endParaRPr>
-          </a:p>
-        </p:txBody>
-      </p:sp>
-      <p:sp>
-        <p:nvSpPr>
-          <p:cNvPr id="8" name="Rectangle 7"/>
+      <p:sp>
+        <p:nvSpPr>
+          <p:cNvPr id="6" name="Rectangle 5"/>
           <p:cNvSpPr/>
           <p:nvPr/>
         </p:nvSpPr>
@@ -8581,7 +9959,7 @@
     </p:spTree>
     <p:extLst>
       <p:ext uri="{BB962C8B-B14F-4D97-AF65-F5344CB8AC3E}">
-        <p14:creationId xmlns:p14="http://schemas.microsoft.com/office/powerpoint/2010/main" val="31259930"/>
+        <p14:creationId xmlns:p14="http://schemas.microsoft.com/office/powerpoint/2010/main" val="371190729"/>
       </p:ext>
     </p:extLst>
   </p:cSld>
